--- a/ProjectDocuments/Poster.pptx
+++ b/ProjectDocuments/Poster.pptx
@@ -243,7 +243,7 @@
           <a:p>
             <a:fld id="{EBC92114-2DE2-4DBD-88F5-EC34E326FC88}" type="datetimeFigureOut">
               <a:rPr lang="he-IL" smtClean="0"/>
-              <a:t>כ"ג/אדר א/תשפ"ד</a:t>
+              <a:t>ל'/אדר א/תשפ"ד</a:t>
             </a:fld>
             <a:endParaRPr lang="he-IL"/>
           </a:p>
@@ -413,7 +413,7 @@
           <a:p>
             <a:fld id="{EBC92114-2DE2-4DBD-88F5-EC34E326FC88}" type="datetimeFigureOut">
               <a:rPr lang="he-IL" smtClean="0"/>
-              <a:t>כ"ג/אדר א/תשפ"ד</a:t>
+              <a:t>ל'/אדר א/תשפ"ד</a:t>
             </a:fld>
             <a:endParaRPr lang="he-IL"/>
           </a:p>
@@ -593,7 +593,7 @@
           <a:p>
             <a:fld id="{EBC92114-2DE2-4DBD-88F5-EC34E326FC88}" type="datetimeFigureOut">
               <a:rPr lang="he-IL" smtClean="0"/>
-              <a:t>כ"ג/אדר א/תשפ"ד</a:t>
+              <a:t>ל'/אדר א/תשפ"ד</a:t>
             </a:fld>
             <a:endParaRPr lang="he-IL"/>
           </a:p>
@@ -763,7 +763,7 @@
           <a:p>
             <a:fld id="{EBC92114-2DE2-4DBD-88F5-EC34E326FC88}" type="datetimeFigureOut">
               <a:rPr lang="he-IL" smtClean="0"/>
-              <a:t>כ"ג/אדר א/תשפ"ד</a:t>
+              <a:t>ל'/אדר א/תשפ"ד</a:t>
             </a:fld>
             <a:endParaRPr lang="he-IL"/>
           </a:p>
@@ -1007,7 +1007,7 @@
           <a:p>
             <a:fld id="{EBC92114-2DE2-4DBD-88F5-EC34E326FC88}" type="datetimeFigureOut">
               <a:rPr lang="he-IL" smtClean="0"/>
-              <a:t>כ"ג/אדר א/תשפ"ד</a:t>
+              <a:t>ל'/אדר א/תשפ"ד</a:t>
             </a:fld>
             <a:endParaRPr lang="he-IL"/>
           </a:p>
@@ -1239,7 +1239,7 @@
           <a:p>
             <a:fld id="{EBC92114-2DE2-4DBD-88F5-EC34E326FC88}" type="datetimeFigureOut">
               <a:rPr lang="he-IL" smtClean="0"/>
-              <a:t>כ"ג/אדר א/תשפ"ד</a:t>
+              <a:t>ל'/אדר א/תשפ"ד</a:t>
             </a:fld>
             <a:endParaRPr lang="he-IL"/>
           </a:p>
@@ -1606,7 +1606,7 @@
           <a:p>
             <a:fld id="{EBC92114-2DE2-4DBD-88F5-EC34E326FC88}" type="datetimeFigureOut">
               <a:rPr lang="he-IL" smtClean="0"/>
-              <a:t>כ"ג/אדר א/תשפ"ד</a:t>
+              <a:t>ל'/אדר א/תשפ"ד</a:t>
             </a:fld>
             <a:endParaRPr lang="he-IL"/>
           </a:p>
@@ -1724,7 +1724,7 @@
           <a:p>
             <a:fld id="{EBC92114-2DE2-4DBD-88F5-EC34E326FC88}" type="datetimeFigureOut">
               <a:rPr lang="he-IL" smtClean="0"/>
-              <a:t>כ"ג/אדר א/תשפ"ד</a:t>
+              <a:t>ל'/אדר א/תשפ"ד</a:t>
             </a:fld>
             <a:endParaRPr lang="he-IL"/>
           </a:p>
@@ -1819,7 +1819,7 @@
           <a:p>
             <a:fld id="{EBC92114-2DE2-4DBD-88F5-EC34E326FC88}" type="datetimeFigureOut">
               <a:rPr lang="he-IL" smtClean="0"/>
-              <a:t>כ"ג/אדר א/תשפ"ד</a:t>
+              <a:t>ל'/אדר א/תשפ"ד</a:t>
             </a:fld>
             <a:endParaRPr lang="he-IL"/>
           </a:p>
@@ -2096,7 +2096,7 @@
           <a:p>
             <a:fld id="{EBC92114-2DE2-4DBD-88F5-EC34E326FC88}" type="datetimeFigureOut">
               <a:rPr lang="he-IL" smtClean="0"/>
-              <a:t>כ"ג/אדר א/תשפ"ד</a:t>
+              <a:t>ל'/אדר א/תשפ"ד</a:t>
             </a:fld>
             <a:endParaRPr lang="he-IL"/>
           </a:p>
@@ -2353,7 +2353,7 @@
           <a:p>
             <a:fld id="{EBC92114-2DE2-4DBD-88F5-EC34E326FC88}" type="datetimeFigureOut">
               <a:rPr lang="he-IL" smtClean="0"/>
-              <a:t>כ"ג/אדר א/תשפ"ד</a:t>
+              <a:t>ל'/אדר א/תשפ"ד</a:t>
             </a:fld>
             <a:endParaRPr lang="he-IL"/>
           </a:p>
@@ -2566,7 +2566,7 @@
           <a:p>
             <a:fld id="{EBC92114-2DE2-4DBD-88F5-EC34E326FC88}" type="datetimeFigureOut">
               <a:rPr lang="he-IL" smtClean="0"/>
-              <a:t>כ"ג/אדר א/תשפ"ד</a:t>
+              <a:t>ל'/אדר א/תשפ"ד</a:t>
             </a:fld>
             <a:endParaRPr lang="he-IL"/>
           </a:p>
@@ -2980,7 +2980,7 @@
           <p:nvPr>
             <p:extLst>
               <p:ext uri="{D42A27DB-BD31-4B8C-83A1-F6EECF244321}">
-                <p14:modId xmlns:p14="http://schemas.microsoft.com/office/powerpoint/2010/main" val="4004179884"/>
+                <p14:modId xmlns:p14="http://schemas.microsoft.com/office/powerpoint/2010/main" val="3009851935"/>
               </p:ext>
             </p:extLst>
           </p:nvPr>
@@ -3878,7 +3878,19 @@
                           <a:ea typeface="+mn-ea"/>
                           <a:cs typeface="Open Sans Hebrew" panose="00000500000000000000" pitchFamily="2" charset="-79"/>
                         </a:rPr>
-                        <a:t> for user usage, As an example one of the results below captures the temperature readings from an 8x8 grid of the AMG8833 thermal camera(One of the required sensors for the infrastructure).</a:t>
+                        <a:t> for user usage, As an example </a:t>
+                      </a:r>
+                      <a:r>
+                        <a:rPr lang="en-US" sz="3200" kern="1200" baseline="0" dirty="0" smtClean="0">
+                          <a:solidFill>
+                            <a:schemeClr val="tx1"/>
+                          </a:solidFill>
+                          <a:effectLst/>
+                          <a:latin typeface="+mn-lt"/>
+                          <a:ea typeface="+mn-ea"/>
+                          <a:cs typeface="Open Sans Hebrew" panose="00000500000000000000" pitchFamily="2" charset="-79"/>
+                        </a:rPr>
+                        <a:t>we’ve leveraged interpolation to enhance the resolution of temperature readings from an 8x8 grid to a 256x256 matrix using the AMG8833 thermal camera. This technique is demonstrated in the image, where hand was placed in front of the sensor to test the camera's ability to detect and visualize the heat signature at a higher resolution.</a:t>
                       </a:r>
                       <a:endParaRPr lang="en-US" sz="3200" kern="1200" dirty="0" smtClean="0">
                         <a:solidFill>
@@ -4552,13 +4564,7 @@
               <a:rPr lang="en-US" sz="4800" dirty="0" smtClean="0">
                 <a:cs typeface="Open Sans Hebrew" panose="00000500000000000000" pitchFamily="2" charset="-79"/>
               </a:rPr>
-              <a:t>Y</a:t>
-            </a:r>
-            <a:r>
-              <a:rPr lang="en-US" sz="4800" dirty="0" smtClean="0">
-                <a:cs typeface="Open Sans Hebrew" panose="00000500000000000000" pitchFamily="2" charset="-79"/>
-              </a:rPr>
-              <a:t>onatan Amir, Yuri </a:t>
+              <a:t>Yonatan Amir, Yuri </a:t>
             </a:r>
             <a:r>
               <a:rPr lang="en-US" sz="4800" dirty="0" err="1" smtClean="0">
@@ -4782,28 +4788,22 @@
       </p:pic>
       <p:pic>
         <p:nvPicPr>
-          <p:cNvPr id="10" name="תמונה 9"/>
+          <p:cNvPr id="5" name="תמונה 4"/>
           <p:cNvPicPr>
             <a:picLocks noChangeAspect="1"/>
           </p:cNvPicPr>
           <p:nvPr/>
         </p:nvPicPr>
         <p:blipFill>
-          <a:blip r:embed="rId6">
-            <a:extLst>
-              <a:ext uri="{28A0092B-C50C-407E-A947-70E740481C1C}">
-                <a14:useLocalDpi xmlns:a14="http://schemas.microsoft.com/office/drawing/2010/main" val="0"/>
-              </a:ext>
-            </a:extLst>
-          </a:blip>
+          <a:blip r:embed="rId6"/>
           <a:stretch>
             <a:fillRect/>
           </a:stretch>
         </p:blipFill>
         <p:spPr>
           <a:xfrm>
-            <a:off x="12042389" y="16038642"/>
-            <a:ext cx="12189211" cy="7835922"/>
+            <a:off x="12323402" y="18676121"/>
+            <a:ext cx="6546489" cy="5583172"/>
           </a:xfrm>
           <a:prstGeom prst="rect">
             <a:avLst/>

--- a/ProjectDocuments/Poster.pptx
+++ b/ProjectDocuments/Poster.pptx
@@ -243,7 +243,7 @@
           <a:p>
             <a:fld id="{EBC92114-2DE2-4DBD-88F5-EC34E326FC88}" type="datetimeFigureOut">
               <a:rPr lang="he-IL" smtClean="0"/>
-              <a:t>ל'/אדר א/תשפ"ד</a:t>
+              <a:t>ד'/אדר ב/תשפ"ד</a:t>
             </a:fld>
             <a:endParaRPr lang="he-IL"/>
           </a:p>
@@ -413,7 +413,7 @@
           <a:p>
             <a:fld id="{EBC92114-2DE2-4DBD-88F5-EC34E326FC88}" type="datetimeFigureOut">
               <a:rPr lang="he-IL" smtClean="0"/>
-              <a:t>ל'/אדר א/תשפ"ד</a:t>
+              <a:t>ד'/אדר ב/תשפ"ד</a:t>
             </a:fld>
             <a:endParaRPr lang="he-IL"/>
           </a:p>
@@ -593,7 +593,7 @@
           <a:p>
             <a:fld id="{EBC92114-2DE2-4DBD-88F5-EC34E326FC88}" type="datetimeFigureOut">
               <a:rPr lang="he-IL" smtClean="0"/>
-              <a:t>ל'/אדר א/תשפ"ד</a:t>
+              <a:t>ד'/אדר ב/תשפ"ד</a:t>
             </a:fld>
             <a:endParaRPr lang="he-IL"/>
           </a:p>
@@ -763,7 +763,7 @@
           <a:p>
             <a:fld id="{EBC92114-2DE2-4DBD-88F5-EC34E326FC88}" type="datetimeFigureOut">
               <a:rPr lang="he-IL" smtClean="0"/>
-              <a:t>ל'/אדר א/תשפ"ד</a:t>
+              <a:t>ד'/אדר ב/תשפ"ד</a:t>
             </a:fld>
             <a:endParaRPr lang="he-IL"/>
           </a:p>
@@ -1007,7 +1007,7 @@
           <a:p>
             <a:fld id="{EBC92114-2DE2-4DBD-88F5-EC34E326FC88}" type="datetimeFigureOut">
               <a:rPr lang="he-IL" smtClean="0"/>
-              <a:t>ל'/אדר א/תשפ"ד</a:t>
+              <a:t>ד'/אדר ב/תשפ"ד</a:t>
             </a:fld>
             <a:endParaRPr lang="he-IL"/>
           </a:p>
@@ -1239,7 +1239,7 @@
           <a:p>
             <a:fld id="{EBC92114-2DE2-4DBD-88F5-EC34E326FC88}" type="datetimeFigureOut">
               <a:rPr lang="he-IL" smtClean="0"/>
-              <a:t>ל'/אדר א/תשפ"ד</a:t>
+              <a:t>ד'/אדר ב/תשפ"ד</a:t>
             </a:fld>
             <a:endParaRPr lang="he-IL"/>
           </a:p>
@@ -1606,7 +1606,7 @@
           <a:p>
             <a:fld id="{EBC92114-2DE2-4DBD-88F5-EC34E326FC88}" type="datetimeFigureOut">
               <a:rPr lang="he-IL" smtClean="0"/>
-              <a:t>ל'/אדר א/תשפ"ד</a:t>
+              <a:t>ד'/אדר ב/תשפ"ד</a:t>
             </a:fld>
             <a:endParaRPr lang="he-IL"/>
           </a:p>
@@ -1724,7 +1724,7 @@
           <a:p>
             <a:fld id="{EBC92114-2DE2-4DBD-88F5-EC34E326FC88}" type="datetimeFigureOut">
               <a:rPr lang="he-IL" smtClean="0"/>
-              <a:t>ל'/אדר א/תשפ"ד</a:t>
+              <a:t>ד'/אדר ב/תשפ"ד</a:t>
             </a:fld>
             <a:endParaRPr lang="he-IL"/>
           </a:p>
@@ -1819,7 +1819,7 @@
           <a:p>
             <a:fld id="{EBC92114-2DE2-4DBD-88F5-EC34E326FC88}" type="datetimeFigureOut">
               <a:rPr lang="he-IL" smtClean="0"/>
-              <a:t>ל'/אדר א/תשפ"ד</a:t>
+              <a:t>ד'/אדר ב/תשפ"ד</a:t>
             </a:fld>
             <a:endParaRPr lang="he-IL"/>
           </a:p>
@@ -2096,7 +2096,7 @@
           <a:p>
             <a:fld id="{EBC92114-2DE2-4DBD-88F5-EC34E326FC88}" type="datetimeFigureOut">
               <a:rPr lang="he-IL" smtClean="0"/>
-              <a:t>ל'/אדר א/תשפ"ד</a:t>
+              <a:t>ד'/אדר ב/תשפ"ד</a:t>
             </a:fld>
             <a:endParaRPr lang="he-IL"/>
           </a:p>
@@ -2353,7 +2353,7 @@
           <a:p>
             <a:fld id="{EBC92114-2DE2-4DBD-88F5-EC34E326FC88}" type="datetimeFigureOut">
               <a:rPr lang="he-IL" smtClean="0"/>
-              <a:t>ל'/אדר א/תשפ"ד</a:t>
+              <a:t>ד'/אדר ב/תשפ"ד</a:t>
             </a:fld>
             <a:endParaRPr lang="he-IL"/>
           </a:p>
@@ -2566,7 +2566,7 @@
           <a:p>
             <a:fld id="{EBC92114-2DE2-4DBD-88F5-EC34E326FC88}" type="datetimeFigureOut">
               <a:rPr lang="he-IL" smtClean="0"/>
-              <a:t>ל'/אדר א/תשפ"ד</a:t>
+              <a:t>ד'/אדר ב/תשפ"ד</a:t>
             </a:fld>
             <a:endParaRPr lang="he-IL"/>
           </a:p>
@@ -2971,1518 +2971,5386 @@
           <a:chExt cx="0" cy="0"/>
         </a:xfrm>
       </p:grpSpPr>
-      <p:graphicFrame>
-        <p:nvGraphicFramePr>
-          <p:cNvPr id="8" name="Table 7"/>
-          <p:cNvGraphicFramePr>
-            <a:graphicFrameLocks noGrp="1"/>
-          </p:cNvGraphicFramePr>
-          <p:nvPr>
-            <p:extLst>
-              <p:ext uri="{D42A27DB-BD31-4B8C-83A1-F6EECF244321}">
-                <p14:modId xmlns:p14="http://schemas.microsoft.com/office/powerpoint/2010/main" val="3009851935"/>
-              </p:ext>
-            </p:extLst>
-          </p:nvPr>
-        </p:nvGraphicFramePr>
-        <p:xfrm>
-          <a:off x="384740" y="3698810"/>
-          <a:ext cx="35185420" cy="20868070"/>
-        </p:xfrm>
-        <a:graphic>
-          <a:graphicData uri="http://schemas.openxmlformats.org/drawingml/2006/table">
-            <a:tbl>
-              <a:tblPr>
-                <a:tableStyleId>{2D5ABB26-0587-4C30-8999-92F81FD0307C}</a:tableStyleId>
-              </a:tblPr>
-              <a:tblGrid>
-                <a:gridCol w="11746393">
-                  <a:extLst>
-                    <a:ext uri="{9D8B030D-6E8A-4147-A177-3AD203B41FA5}">
-                      <a16:colId xmlns:a16="http://schemas.microsoft.com/office/drawing/2014/main" val="20000"/>
-                    </a:ext>
-                  </a:extLst>
-                </a:gridCol>
-                <a:gridCol w="11734833">
-                  <a:extLst>
-                    <a:ext uri="{9D8B030D-6E8A-4147-A177-3AD203B41FA5}">
-                      <a16:colId xmlns:a16="http://schemas.microsoft.com/office/drawing/2014/main" val="20001"/>
-                    </a:ext>
-                  </a:extLst>
-                </a:gridCol>
-                <a:gridCol w="11704194">
-                  <a:extLst>
-                    <a:ext uri="{9D8B030D-6E8A-4147-A177-3AD203B41FA5}">
-                      <a16:colId xmlns:a16="http://schemas.microsoft.com/office/drawing/2014/main" val="4117049268"/>
-                    </a:ext>
-                  </a:extLst>
-                </a:gridCol>
-              </a:tblGrid>
-              <a:tr h="20868070">
-                <a:tc>
-                  <a:txBody>
-                    <a:bodyPr/>
-                    <a:lstStyle/>
-                    <a:p>
-                      <a:pPr marL="0" marR="0" lvl="0" indent="0" algn="l" defTabSz="2519995" rtl="0" eaLnBrk="1" fontAlgn="auto" latinLnBrk="0" hangingPunct="1">
-                        <a:lnSpc>
-                          <a:spcPct val="100000"/>
-                        </a:lnSpc>
-                        <a:spcBef>
-                          <a:spcPts val="0"/>
-                        </a:spcBef>
-                        <a:spcAft>
-                          <a:spcPts val="0"/>
-                        </a:spcAft>
-                        <a:buClrTx/>
-                        <a:buSzTx/>
-                        <a:buFontTx/>
-                        <a:buNone/>
-                        <a:tabLst/>
-                        <a:defRPr/>
-                      </a:pPr>
-                      <a:r>
-                        <a:rPr lang="en-US" sz="5400" b="1" dirty="0" smtClean="0">
-                          <a:effectLst/>
-                          <a:latin typeface="+mn-lt"/>
-                          <a:cs typeface="Open Sans Hebrew" panose="00000500000000000000" pitchFamily="2" charset="-79"/>
-                        </a:rPr>
-                        <a:t>Introduction</a:t>
-                      </a:r>
-                    </a:p>
-                    <a:p>
-                      <a:pPr marL="457200" marR="0" lvl="0" indent="-457200" algn="l" defTabSz="2519995" rtl="0" eaLnBrk="1" fontAlgn="auto" latinLnBrk="0" hangingPunct="1">
-                        <a:lnSpc>
-                          <a:spcPct val="100000"/>
-                        </a:lnSpc>
-                        <a:spcBef>
-                          <a:spcPts val="0"/>
-                        </a:spcBef>
-                        <a:spcAft>
-                          <a:spcPts val="0"/>
-                        </a:spcAft>
-                        <a:buClrTx/>
-                        <a:buSzTx/>
-                        <a:buFont typeface="Arial" panose="020B0604020202020204" pitchFamily="34" charset="0"/>
-                        <a:buChar char="•"/>
-                        <a:tabLst/>
-                        <a:defRPr/>
-                      </a:pPr>
-                      <a:r>
-                        <a:rPr lang="en-US" sz="3400" kern="1200" dirty="0" smtClean="0">
-                          <a:solidFill>
-                            <a:schemeClr val="tx1"/>
-                          </a:solidFill>
-                          <a:effectLst/>
-                          <a:latin typeface="+mn-lt"/>
-                          <a:ea typeface="+mn-ea"/>
-                          <a:cs typeface="Open Sans Hebrew" panose="00000500000000000000" pitchFamily="2" charset="-79"/>
-                        </a:rPr>
-                        <a:t>This final project focuses on developing an Arduino-based framework to support upcoming electrical engineering endeavors, specifically targeting applications within the realm of physiotherapy</a:t>
-                      </a:r>
-                    </a:p>
-                    <a:p>
-                      <a:pPr marL="0" marR="0" lvl="0" indent="0" algn="l" defTabSz="2519995" rtl="0" eaLnBrk="1" fontAlgn="auto" latinLnBrk="0" hangingPunct="1">
-                        <a:lnSpc>
-                          <a:spcPct val="100000"/>
-                        </a:lnSpc>
-                        <a:spcBef>
-                          <a:spcPts val="0"/>
-                        </a:spcBef>
-                        <a:spcAft>
-                          <a:spcPts val="0"/>
-                        </a:spcAft>
-                        <a:buClrTx/>
-                        <a:buSzTx/>
-                        <a:buFont typeface="Arial" panose="020B0604020202020204" pitchFamily="34" charset="0"/>
-                        <a:buNone/>
-                        <a:tabLst/>
-                        <a:defRPr/>
-                      </a:pPr>
-                      <a:endParaRPr lang="en-US" sz="3400" dirty="0" smtClean="0">
-                        <a:effectLst/>
-                        <a:latin typeface="+mn-lt"/>
-                        <a:cs typeface="Open Sans Hebrew" panose="00000500000000000000" pitchFamily="2" charset="-79"/>
-                      </a:endParaRPr>
-                    </a:p>
-                    <a:p>
-                      <a:pPr marL="457200" marR="0" lvl="0" indent="-457200" algn="l" defTabSz="2519995" rtl="0" eaLnBrk="1" fontAlgn="auto" latinLnBrk="0" hangingPunct="1">
-                        <a:lnSpc>
-                          <a:spcPct val="100000"/>
-                        </a:lnSpc>
-                        <a:spcBef>
-                          <a:spcPts val="0"/>
-                        </a:spcBef>
-                        <a:spcAft>
-                          <a:spcPts val="0"/>
-                        </a:spcAft>
-                        <a:buClrTx/>
-                        <a:buSzTx/>
-                        <a:buFont typeface="Arial" panose="020B0604020202020204" pitchFamily="34" charset="0"/>
-                        <a:buChar char="•"/>
-                        <a:tabLst/>
-                        <a:defRPr/>
-                      </a:pPr>
-                      <a:endParaRPr lang="en-US" sz="3400" baseline="0" dirty="0" smtClean="0">
-                        <a:effectLst/>
-                        <a:latin typeface="+mn-lt"/>
-                        <a:cs typeface="Open Sans Hebrew" panose="00000500000000000000" pitchFamily="2" charset="-79"/>
-                      </a:endParaRPr>
-                    </a:p>
-                    <a:p>
-                      <a:pPr marL="0" marR="0" lvl="0" indent="0" algn="l" defTabSz="2519995" rtl="0" eaLnBrk="1" fontAlgn="auto" latinLnBrk="0" hangingPunct="1">
-                        <a:lnSpc>
-                          <a:spcPct val="100000"/>
-                        </a:lnSpc>
-                        <a:spcBef>
-                          <a:spcPts val="0"/>
-                        </a:spcBef>
-                        <a:spcAft>
-                          <a:spcPts val="0"/>
-                        </a:spcAft>
-                        <a:buClrTx/>
-                        <a:buSzTx/>
-                        <a:buFontTx/>
-                        <a:buNone/>
-                        <a:tabLst/>
-                        <a:defRPr/>
-                      </a:pPr>
-                      <a:endParaRPr lang="en-US" sz="3200" b="1" kern="1200" dirty="0" smtClean="0">
-                        <a:solidFill>
-                          <a:schemeClr val="tx1"/>
-                        </a:solidFill>
-                        <a:effectLst/>
-                        <a:latin typeface="+mn-lt"/>
-                        <a:ea typeface="+mn-ea"/>
-                        <a:cs typeface="Open Sans Hebrew" panose="00000500000000000000" pitchFamily="2" charset="-79"/>
-                      </a:endParaRPr>
-                    </a:p>
-                    <a:p>
-                      <a:pPr marL="0" marR="0" lvl="0" indent="0" algn="l" defTabSz="2519995" rtl="0" eaLnBrk="1" fontAlgn="auto" latinLnBrk="0" hangingPunct="1">
-                        <a:lnSpc>
-                          <a:spcPct val="100000"/>
-                        </a:lnSpc>
-                        <a:spcBef>
-                          <a:spcPts val="0"/>
-                        </a:spcBef>
-                        <a:spcAft>
-                          <a:spcPts val="0"/>
-                        </a:spcAft>
-                        <a:buClrTx/>
-                        <a:buSzTx/>
-                        <a:buFontTx/>
-                        <a:buNone/>
-                        <a:tabLst/>
-                        <a:defRPr/>
-                      </a:pPr>
-                      <a:r>
-                        <a:rPr lang="en-US" sz="5400" b="1" kern="1200" dirty="0" smtClean="0">
-                          <a:solidFill>
-                            <a:schemeClr val="tx1"/>
-                          </a:solidFill>
-                          <a:effectLst/>
-                          <a:latin typeface="+mn-lt"/>
-                          <a:ea typeface="+mn-ea"/>
-                          <a:cs typeface="Open Sans Hebrew" panose="00000500000000000000" pitchFamily="2" charset="-79"/>
-                        </a:rPr>
-                        <a:t>Motivation/Objectives</a:t>
-                      </a:r>
-                    </a:p>
-                    <a:p>
-                      <a:pPr marL="0" marR="0" lvl="0" indent="0" algn="l" defTabSz="2519995" rtl="0" eaLnBrk="1" fontAlgn="auto" latinLnBrk="0" hangingPunct="1">
-                        <a:lnSpc>
-                          <a:spcPct val="100000"/>
-                        </a:lnSpc>
-                        <a:spcBef>
-                          <a:spcPts val="0"/>
-                        </a:spcBef>
-                        <a:spcAft>
-                          <a:spcPts val="0"/>
-                        </a:spcAft>
-                        <a:buClrTx/>
-                        <a:buSzTx/>
-                        <a:buFontTx/>
-                        <a:buNone/>
-                        <a:tabLst/>
-                        <a:defRPr/>
-                      </a:pPr>
-                      <a:endParaRPr lang="en-US" sz="3400" kern="1200" dirty="0" smtClean="0">
-                        <a:solidFill>
-                          <a:schemeClr val="tx1"/>
-                        </a:solidFill>
-                        <a:effectLst/>
-                        <a:latin typeface="+mn-lt"/>
-                        <a:ea typeface="+mn-ea"/>
-                        <a:cs typeface="Open Sans Hebrew" panose="00000500000000000000" pitchFamily="2" charset="-79"/>
-                      </a:endParaRPr>
-                    </a:p>
-                    <a:p>
-                      <a:pPr marL="0" marR="0" lvl="0" indent="0" algn="l" defTabSz="2519995" rtl="0" eaLnBrk="1" fontAlgn="auto" latinLnBrk="0" hangingPunct="1">
-                        <a:lnSpc>
-                          <a:spcPct val="100000"/>
-                        </a:lnSpc>
-                        <a:spcBef>
-                          <a:spcPts val="0"/>
-                        </a:spcBef>
-                        <a:spcAft>
-                          <a:spcPts val="0"/>
-                        </a:spcAft>
-                        <a:buClrTx/>
-                        <a:buSzTx/>
-                        <a:buFontTx/>
-                        <a:buNone/>
-                        <a:tabLst/>
-                        <a:defRPr/>
-                      </a:pPr>
-                      <a:r>
-                        <a:rPr lang="en-US" sz="3400" dirty="0" smtClean="0">
-                          <a:effectLst/>
-                          <a:latin typeface="+mn-lt"/>
-                          <a:cs typeface="Open Sans Hebrew" panose="00000500000000000000" pitchFamily="2" charset="-79"/>
-                        </a:rPr>
-                        <a:t>In this initiative, our goal is to establish a comprehensive and standardized framework that will serve as a foundational resource for subsequent projects requiring such infrastructure</a:t>
-                      </a:r>
-                      <a:r>
-                        <a:rPr lang="he-IL" sz="3400" dirty="0" smtClean="0">
-                          <a:effectLst/>
-                          <a:latin typeface="+mn-lt"/>
-                          <a:cs typeface="Open Sans Hebrew" panose="00000500000000000000" pitchFamily="2" charset="-79"/>
-                        </a:rPr>
-                        <a:t>ץ</a:t>
-                      </a:r>
-                      <a:endParaRPr lang="en-US" sz="3400" dirty="0" smtClean="0">
-                        <a:effectLst/>
-                        <a:latin typeface="+mn-lt"/>
-                        <a:cs typeface="Open Sans Hebrew" panose="00000500000000000000" pitchFamily="2" charset="-79"/>
-                      </a:endParaRPr>
-                    </a:p>
-                    <a:p>
-                      <a:pPr marL="0" marR="0" lvl="0" indent="0" algn="l" defTabSz="2519995" rtl="0" eaLnBrk="1" fontAlgn="auto" latinLnBrk="0" hangingPunct="1">
-                        <a:lnSpc>
-                          <a:spcPct val="100000"/>
-                        </a:lnSpc>
-                        <a:spcBef>
-                          <a:spcPts val="0"/>
-                        </a:spcBef>
-                        <a:spcAft>
-                          <a:spcPts val="0"/>
-                        </a:spcAft>
-                        <a:buClrTx/>
-                        <a:buSzTx/>
-                        <a:buFontTx/>
-                        <a:buNone/>
-                        <a:tabLst/>
-                        <a:defRPr/>
-                      </a:pPr>
-                      <a:endParaRPr lang="en-US" sz="3400" kern="1200" dirty="0" smtClean="0">
-                        <a:solidFill>
-                          <a:schemeClr val="tx1"/>
-                        </a:solidFill>
-                        <a:effectLst/>
-                        <a:latin typeface="+mn-lt"/>
-                        <a:ea typeface="+mn-ea"/>
-                        <a:cs typeface="Open Sans Hebrew" panose="00000500000000000000" pitchFamily="2" charset="-79"/>
-                      </a:endParaRPr>
-                    </a:p>
-                    <a:p>
-                      <a:pPr marL="0" marR="0" lvl="0" indent="0" algn="l" defTabSz="2519995" rtl="0" eaLnBrk="1" fontAlgn="auto" latinLnBrk="0" hangingPunct="1">
-                        <a:lnSpc>
-                          <a:spcPct val="100000"/>
-                        </a:lnSpc>
-                        <a:spcBef>
-                          <a:spcPts val="0"/>
-                        </a:spcBef>
-                        <a:spcAft>
-                          <a:spcPts val="0"/>
-                        </a:spcAft>
-                        <a:buClrTx/>
-                        <a:buSzTx/>
-                        <a:buFontTx/>
-                        <a:buNone/>
-                        <a:tabLst/>
-                        <a:defRPr/>
-                      </a:pPr>
-                      <a:r>
-                        <a:rPr lang="en-US" sz="3400" kern="1200" dirty="0" smtClean="0">
-                          <a:solidFill>
-                            <a:schemeClr val="tx1"/>
-                          </a:solidFill>
-                          <a:effectLst/>
-                          <a:latin typeface="+mn-lt"/>
-                          <a:ea typeface="+mn-ea"/>
-                          <a:cs typeface="Open Sans Hebrew" panose="00000500000000000000" pitchFamily="2" charset="-79"/>
-                        </a:rPr>
-                        <a:t>The designed workspace and infrastructure will integrate various sensor inputs and outputs, along with auditory and visual stimuli, to create a rich sensory environment.</a:t>
-                      </a:r>
-                      <a:endParaRPr lang="en-US" sz="3400" baseline="0" dirty="0" smtClean="0">
-                        <a:effectLst/>
-                        <a:latin typeface="+mn-lt"/>
-                        <a:cs typeface="Open Sans Hebrew" panose="00000500000000000000" pitchFamily="2" charset="-79"/>
-                      </a:endParaRPr>
-                    </a:p>
-                  </a:txBody>
-                  <a:tcPr marL="137160" marR="137160" marT="137160" marB="137160">
-                    <a:lnL w="12700" cap="flat" cmpd="sng" algn="ctr">
-                      <a:noFill/>
-                      <a:prstDash val="solid"/>
-                      <a:round/>
-                      <a:headEnd type="none" w="med" len="med"/>
-                      <a:tailEnd type="none" w="med" len="med"/>
-                    </a:lnL>
-                    <a:lnR w="12700" cap="flat" cmpd="sng" algn="ctr">
-                      <a:noFill/>
-                      <a:prstDash val="solid"/>
-                      <a:round/>
-                      <a:headEnd type="none" w="med" len="med"/>
-                      <a:tailEnd type="none" w="med" len="med"/>
-                    </a:lnR>
-                    <a:lnT w="12700" cap="flat" cmpd="sng" algn="ctr">
-                      <a:noFill/>
-                      <a:prstDash val="solid"/>
-                      <a:round/>
-                      <a:headEnd type="none" w="med" len="med"/>
-                      <a:tailEnd type="none" w="med" len="med"/>
-                    </a:lnT>
-                    <a:lnB w="12700" cap="flat" cmpd="sng" algn="ctr">
-                      <a:noFill/>
-                      <a:prstDash val="solid"/>
-                      <a:round/>
-                      <a:headEnd type="none" w="med" len="med"/>
-                      <a:tailEnd type="none" w="med" len="med"/>
-                    </a:lnB>
-                    <a:lnTlToBr w="12700" cmpd="sng">
-                      <a:noFill/>
-                      <a:prstDash val="solid"/>
-                    </a:lnTlToBr>
-                    <a:lnBlToTr w="12700" cmpd="sng">
-                      <a:noFill/>
-                      <a:prstDash val="solid"/>
-                    </a:lnBlToTr>
-                  </a:tcPr>
-                </a:tc>
-                <a:tc>
-                  <a:txBody>
-                    <a:bodyPr/>
-                    <a:lstStyle/>
-                    <a:p>
-                      <a:pPr marL="0" marR="0" lvl="0" indent="0" algn="l" defTabSz="2519995" rtl="0" eaLnBrk="1" fontAlgn="auto" latinLnBrk="0" hangingPunct="1">
-                        <a:lnSpc>
-                          <a:spcPct val="100000"/>
-                        </a:lnSpc>
-                        <a:spcBef>
-                          <a:spcPts val="0"/>
-                        </a:spcBef>
-                        <a:spcAft>
-                          <a:spcPts val="0"/>
-                        </a:spcAft>
-                        <a:buClrTx/>
-                        <a:buSzTx/>
-                        <a:buFontTx/>
-                        <a:buNone/>
-                        <a:tabLst/>
-                        <a:defRPr/>
-                      </a:pPr>
-                      <a:endParaRPr lang="en-US" sz="3400" b="1" kern="1200" dirty="0" smtClean="0">
-                        <a:solidFill>
-                          <a:schemeClr val="tx1"/>
-                        </a:solidFill>
-                        <a:effectLst/>
-                        <a:latin typeface="+mn-lt"/>
-                        <a:ea typeface="+mn-ea"/>
-                        <a:cs typeface="Open Sans Hebrew" panose="00000500000000000000" pitchFamily="2" charset="-79"/>
-                      </a:endParaRPr>
-                    </a:p>
-                    <a:p>
-                      <a:pPr marL="0" marR="0" lvl="0" indent="0" algn="l" defTabSz="2519995" rtl="0" eaLnBrk="1" fontAlgn="auto" latinLnBrk="0" hangingPunct="1">
-                        <a:lnSpc>
-                          <a:spcPct val="100000"/>
-                        </a:lnSpc>
-                        <a:spcBef>
-                          <a:spcPts val="0"/>
-                        </a:spcBef>
-                        <a:spcAft>
-                          <a:spcPts val="0"/>
-                        </a:spcAft>
-                        <a:buClrTx/>
-                        <a:buSzTx/>
-                        <a:buFontTx/>
-                        <a:buNone/>
-                        <a:tabLst/>
-                        <a:defRPr/>
-                      </a:pPr>
-                      <a:r>
-                        <a:rPr lang="en-US" sz="5400" b="1" kern="1200" dirty="0" smtClean="0">
-                          <a:solidFill>
-                            <a:schemeClr val="tx1"/>
-                          </a:solidFill>
-                          <a:effectLst/>
-                          <a:latin typeface="+mn-lt"/>
-                          <a:ea typeface="+mn-ea"/>
-                          <a:cs typeface="Open Sans Hebrew" panose="00000500000000000000" pitchFamily="2" charset="-79"/>
-                        </a:rPr>
-                        <a:t>Methods/Implementation</a:t>
-                      </a:r>
-                    </a:p>
-                    <a:p>
-                      <a:pPr marL="0" marR="0" lvl="0" indent="0" algn="l" defTabSz="2519995" rtl="0" eaLnBrk="1" fontAlgn="auto" latinLnBrk="0" hangingPunct="1">
-                        <a:lnSpc>
-                          <a:spcPct val="100000"/>
-                        </a:lnSpc>
-                        <a:spcBef>
-                          <a:spcPts val="0"/>
-                        </a:spcBef>
-                        <a:spcAft>
-                          <a:spcPts val="0"/>
-                        </a:spcAft>
-                        <a:buClrTx/>
-                        <a:buSzTx/>
-                        <a:buFontTx/>
-                        <a:buNone/>
-                        <a:tabLst/>
-                        <a:defRPr/>
-                      </a:pPr>
-                      <a:endParaRPr lang="en-US" sz="5400" b="1" kern="1200" dirty="0" smtClean="0">
-                        <a:solidFill>
-                          <a:schemeClr val="tx1"/>
-                        </a:solidFill>
-                        <a:effectLst/>
-                        <a:latin typeface="+mn-lt"/>
-                        <a:ea typeface="+mn-ea"/>
-                        <a:cs typeface="Open Sans Hebrew" panose="00000500000000000000" pitchFamily="2" charset="-79"/>
-                      </a:endParaRPr>
-                    </a:p>
-                    <a:p>
-                      <a:pPr marL="0" marR="0" lvl="0" indent="0" algn="l" defTabSz="2519995" rtl="0" eaLnBrk="1" fontAlgn="auto" latinLnBrk="0" hangingPunct="1">
-                        <a:lnSpc>
-                          <a:spcPct val="100000"/>
-                        </a:lnSpc>
-                        <a:spcBef>
-                          <a:spcPts val="0"/>
-                        </a:spcBef>
-                        <a:spcAft>
-                          <a:spcPts val="0"/>
-                        </a:spcAft>
-                        <a:buClrTx/>
-                        <a:buSzTx/>
-                        <a:buFontTx/>
-                        <a:buNone/>
-                        <a:tabLst/>
-                        <a:defRPr/>
-                      </a:pPr>
-                      <a:endParaRPr lang="en-US" sz="3200" kern="1200" baseline="0" dirty="0" smtClean="0">
-                        <a:solidFill>
-                          <a:schemeClr val="tx1"/>
-                        </a:solidFill>
-                        <a:effectLst/>
-                        <a:latin typeface="+mn-lt"/>
-                        <a:ea typeface="+mn-ea"/>
-                        <a:cs typeface="Open Sans Hebrew" panose="00000500000000000000" pitchFamily="2" charset="-79"/>
-                      </a:endParaRPr>
-                    </a:p>
-                    <a:p>
-                      <a:pPr marL="0" marR="0" lvl="0" indent="0" algn="l" defTabSz="2519995" rtl="0" eaLnBrk="1" fontAlgn="auto" latinLnBrk="0" hangingPunct="1">
-                        <a:lnSpc>
-                          <a:spcPct val="100000"/>
-                        </a:lnSpc>
-                        <a:spcBef>
-                          <a:spcPts val="0"/>
-                        </a:spcBef>
-                        <a:spcAft>
-                          <a:spcPts val="0"/>
-                        </a:spcAft>
-                        <a:buClrTx/>
-                        <a:buSzTx/>
-                        <a:buFontTx/>
-                        <a:buNone/>
-                        <a:tabLst/>
-                        <a:defRPr/>
-                      </a:pPr>
-                      <a:endParaRPr lang="en-US" sz="3200" baseline="0" dirty="0" smtClean="0">
-                        <a:effectLst/>
-                        <a:latin typeface="+mn-lt"/>
-                        <a:cs typeface="Open Sans Hebrew" panose="00000500000000000000" pitchFamily="2" charset="-79"/>
-                      </a:endParaRPr>
-                    </a:p>
-                    <a:p>
-                      <a:pPr marL="0" marR="0" lvl="0" indent="0" algn="l" defTabSz="2519995" rtl="0" eaLnBrk="1" fontAlgn="auto" latinLnBrk="0" hangingPunct="1">
-                        <a:lnSpc>
-                          <a:spcPct val="100000"/>
-                        </a:lnSpc>
-                        <a:spcBef>
-                          <a:spcPts val="0"/>
-                        </a:spcBef>
-                        <a:spcAft>
-                          <a:spcPts val="0"/>
-                        </a:spcAft>
-                        <a:buClrTx/>
-                        <a:buSzTx/>
-                        <a:buFontTx/>
-                        <a:buNone/>
-                        <a:tabLst/>
-                        <a:defRPr/>
-                      </a:pPr>
-                      <a:endParaRPr lang="en-US" sz="3200" baseline="0" dirty="0" smtClean="0">
-                        <a:effectLst/>
-                        <a:latin typeface="+mn-lt"/>
-                        <a:cs typeface="Open Sans Hebrew" panose="00000500000000000000" pitchFamily="2" charset="-79"/>
-                      </a:endParaRPr>
-                    </a:p>
-                    <a:p>
-                      <a:pPr marL="0" marR="0" lvl="0" indent="0" algn="l" defTabSz="2519995" rtl="0" eaLnBrk="1" fontAlgn="auto" latinLnBrk="0" hangingPunct="1">
-                        <a:lnSpc>
-                          <a:spcPct val="100000"/>
-                        </a:lnSpc>
-                        <a:spcBef>
-                          <a:spcPts val="0"/>
-                        </a:spcBef>
-                        <a:spcAft>
-                          <a:spcPts val="0"/>
-                        </a:spcAft>
-                        <a:buClrTx/>
-                        <a:buSzTx/>
-                        <a:buFontTx/>
-                        <a:buNone/>
-                        <a:tabLst/>
-                        <a:defRPr/>
-                      </a:pPr>
-                      <a:endParaRPr lang="en-US" sz="3200" kern="1200" dirty="0" smtClean="0">
-                        <a:solidFill>
-                          <a:schemeClr val="tx1"/>
-                        </a:solidFill>
-                        <a:effectLst/>
-                        <a:latin typeface="+mn-lt"/>
-                        <a:ea typeface="+mn-ea"/>
-                        <a:cs typeface="Open Sans Hebrew" panose="00000500000000000000" pitchFamily="2" charset="-79"/>
-                      </a:endParaRPr>
-                    </a:p>
-                    <a:p>
-                      <a:pPr marL="0" marR="0" lvl="0" indent="0" algn="l" defTabSz="2519995" rtl="0" eaLnBrk="1" fontAlgn="auto" latinLnBrk="0" hangingPunct="1">
-                        <a:lnSpc>
-                          <a:spcPct val="100000"/>
-                        </a:lnSpc>
-                        <a:spcBef>
-                          <a:spcPts val="0"/>
-                        </a:spcBef>
-                        <a:spcAft>
-                          <a:spcPts val="0"/>
-                        </a:spcAft>
-                        <a:buClrTx/>
-                        <a:buSzTx/>
-                        <a:buFontTx/>
-                        <a:buNone/>
-                        <a:tabLst/>
-                        <a:defRPr/>
-                      </a:pPr>
-                      <a:endParaRPr lang="en-US" sz="3200" b="1" kern="1200" dirty="0" smtClean="0">
-                        <a:solidFill>
-                          <a:schemeClr val="tx1"/>
-                        </a:solidFill>
-                        <a:effectLst/>
-                        <a:latin typeface="+mn-lt"/>
-                        <a:ea typeface="+mn-ea"/>
-                        <a:cs typeface="Open Sans Hebrew" panose="00000500000000000000" pitchFamily="2" charset="-79"/>
-                      </a:endParaRPr>
-                    </a:p>
-                    <a:p>
-                      <a:pPr marL="0" marR="0" lvl="0" indent="0" algn="l" defTabSz="2519995" rtl="0" eaLnBrk="1" fontAlgn="auto" latinLnBrk="0" hangingPunct="1">
-                        <a:lnSpc>
-                          <a:spcPct val="100000"/>
-                        </a:lnSpc>
-                        <a:spcBef>
-                          <a:spcPts val="0"/>
-                        </a:spcBef>
-                        <a:spcAft>
-                          <a:spcPts val="0"/>
-                        </a:spcAft>
-                        <a:buClrTx/>
-                        <a:buSzTx/>
-                        <a:buFontTx/>
-                        <a:buNone/>
-                        <a:tabLst/>
-                        <a:defRPr/>
-                      </a:pPr>
-                      <a:endParaRPr lang="en-US" sz="3200" b="1" kern="1200" dirty="0" smtClean="0">
-                        <a:solidFill>
-                          <a:schemeClr val="tx1"/>
-                        </a:solidFill>
-                        <a:effectLst/>
-                        <a:latin typeface="+mn-lt"/>
-                        <a:ea typeface="+mn-ea"/>
-                        <a:cs typeface="Open Sans Hebrew" panose="00000500000000000000" pitchFamily="2" charset="-79"/>
-                      </a:endParaRPr>
-                    </a:p>
-                    <a:p>
-                      <a:pPr marL="0" marR="0" lvl="0" indent="0" algn="l" defTabSz="2519995" rtl="0" eaLnBrk="1" fontAlgn="auto" latinLnBrk="0" hangingPunct="1">
-                        <a:lnSpc>
-                          <a:spcPct val="100000"/>
-                        </a:lnSpc>
-                        <a:spcBef>
-                          <a:spcPts val="0"/>
-                        </a:spcBef>
-                        <a:spcAft>
-                          <a:spcPts val="0"/>
-                        </a:spcAft>
-                        <a:buClrTx/>
-                        <a:buSzTx/>
-                        <a:buFontTx/>
-                        <a:buNone/>
-                        <a:tabLst/>
-                        <a:defRPr/>
-                      </a:pPr>
-                      <a:endParaRPr lang="en-US" sz="3200" b="1" kern="1200" dirty="0" smtClean="0">
-                        <a:solidFill>
-                          <a:schemeClr val="tx1"/>
-                        </a:solidFill>
-                        <a:effectLst/>
-                        <a:latin typeface="+mn-lt"/>
-                        <a:ea typeface="+mn-ea"/>
-                        <a:cs typeface="Open Sans Hebrew" panose="00000500000000000000" pitchFamily="2" charset="-79"/>
-                      </a:endParaRPr>
-                    </a:p>
-                    <a:p>
-                      <a:pPr marL="0" marR="0" lvl="0" indent="0" algn="l" defTabSz="2519995" rtl="0" eaLnBrk="1" fontAlgn="auto" latinLnBrk="0" hangingPunct="1">
-                        <a:lnSpc>
-                          <a:spcPct val="100000"/>
-                        </a:lnSpc>
-                        <a:spcBef>
-                          <a:spcPts val="0"/>
-                        </a:spcBef>
-                        <a:spcAft>
-                          <a:spcPts val="0"/>
-                        </a:spcAft>
-                        <a:buClrTx/>
-                        <a:buSzTx/>
-                        <a:buFontTx/>
-                        <a:buNone/>
-                        <a:tabLst/>
-                        <a:defRPr/>
-                      </a:pPr>
-                      <a:endParaRPr lang="en-US" sz="5400" b="1" kern="1200" dirty="0" smtClean="0">
-                        <a:solidFill>
-                          <a:schemeClr val="tx1"/>
-                        </a:solidFill>
-                        <a:effectLst/>
-                        <a:latin typeface="+mn-lt"/>
-                        <a:ea typeface="+mn-ea"/>
-                        <a:cs typeface="Open Sans Hebrew" panose="00000500000000000000" pitchFamily="2" charset="-79"/>
-                      </a:endParaRPr>
-                    </a:p>
-                    <a:p>
-                      <a:pPr marL="0" marR="0" lvl="0" indent="0" algn="l" defTabSz="2519995" rtl="0" eaLnBrk="1" fontAlgn="auto" latinLnBrk="0" hangingPunct="1">
-                        <a:lnSpc>
-                          <a:spcPct val="100000"/>
-                        </a:lnSpc>
-                        <a:spcBef>
-                          <a:spcPts val="0"/>
-                        </a:spcBef>
-                        <a:spcAft>
-                          <a:spcPts val="0"/>
-                        </a:spcAft>
-                        <a:buClrTx/>
-                        <a:buSzTx/>
-                        <a:buFontTx/>
-                        <a:buNone/>
-                        <a:tabLst/>
-                        <a:defRPr/>
-                      </a:pPr>
-                      <a:endParaRPr lang="en-US" sz="5400" b="1" kern="1200" dirty="0" smtClean="0">
-                        <a:solidFill>
-                          <a:schemeClr val="tx1"/>
-                        </a:solidFill>
-                        <a:effectLst/>
-                        <a:latin typeface="+mn-lt"/>
-                        <a:ea typeface="+mn-ea"/>
-                        <a:cs typeface="Open Sans Hebrew" panose="00000500000000000000" pitchFamily="2" charset="-79"/>
-                      </a:endParaRPr>
-                    </a:p>
-                    <a:p>
-                      <a:pPr marL="0" marR="0" lvl="0" indent="0" algn="l" defTabSz="2519995" rtl="0" eaLnBrk="1" fontAlgn="auto" latinLnBrk="0" hangingPunct="1">
-                        <a:lnSpc>
-                          <a:spcPct val="100000"/>
-                        </a:lnSpc>
-                        <a:spcBef>
-                          <a:spcPts val="0"/>
-                        </a:spcBef>
-                        <a:spcAft>
-                          <a:spcPts val="0"/>
-                        </a:spcAft>
-                        <a:buClrTx/>
-                        <a:buSzTx/>
-                        <a:buFontTx/>
-                        <a:buNone/>
-                        <a:tabLst/>
-                        <a:defRPr/>
-                      </a:pPr>
-                      <a:endParaRPr lang="en-US" sz="5400" b="1" kern="1200" dirty="0" smtClean="0">
-                        <a:solidFill>
-                          <a:schemeClr val="tx1"/>
-                        </a:solidFill>
-                        <a:effectLst/>
-                        <a:latin typeface="+mn-lt"/>
-                        <a:ea typeface="+mn-ea"/>
-                        <a:cs typeface="Open Sans Hebrew" panose="00000500000000000000" pitchFamily="2" charset="-79"/>
-                      </a:endParaRPr>
-                    </a:p>
-                    <a:p>
-                      <a:pPr marL="0" marR="0" lvl="0" indent="0" algn="l" defTabSz="2519995" rtl="0" eaLnBrk="1" fontAlgn="auto" latinLnBrk="0" hangingPunct="1">
-                        <a:lnSpc>
-                          <a:spcPct val="100000"/>
-                        </a:lnSpc>
-                        <a:spcBef>
-                          <a:spcPts val="0"/>
-                        </a:spcBef>
-                        <a:spcAft>
-                          <a:spcPts val="0"/>
-                        </a:spcAft>
-                        <a:buClrTx/>
-                        <a:buSzTx/>
-                        <a:buFontTx/>
-                        <a:buNone/>
-                        <a:tabLst/>
-                        <a:defRPr/>
-                      </a:pPr>
-                      <a:endParaRPr lang="en-US" sz="5400" b="1" kern="1200" dirty="0" smtClean="0">
-                        <a:solidFill>
-                          <a:schemeClr val="tx1"/>
-                        </a:solidFill>
-                        <a:effectLst/>
-                        <a:latin typeface="+mn-lt"/>
-                        <a:ea typeface="+mn-ea"/>
-                        <a:cs typeface="Open Sans Hebrew" panose="00000500000000000000" pitchFamily="2" charset="-79"/>
-                      </a:endParaRPr>
-                    </a:p>
-                    <a:p>
-                      <a:pPr marL="0" marR="0" lvl="0" indent="0" algn="l" defTabSz="2519995" rtl="0" eaLnBrk="1" fontAlgn="auto" latinLnBrk="0" hangingPunct="1">
-                        <a:lnSpc>
-                          <a:spcPct val="100000"/>
-                        </a:lnSpc>
-                        <a:spcBef>
-                          <a:spcPts val="0"/>
-                        </a:spcBef>
-                        <a:spcAft>
-                          <a:spcPts val="0"/>
-                        </a:spcAft>
-                        <a:buClrTx/>
-                        <a:buSzTx/>
-                        <a:buFontTx/>
-                        <a:buNone/>
-                        <a:tabLst/>
-                        <a:defRPr/>
-                      </a:pPr>
-                      <a:endParaRPr lang="en-US" sz="5400" b="1" kern="1200" dirty="0" smtClean="0">
-                        <a:solidFill>
-                          <a:schemeClr val="tx1"/>
-                        </a:solidFill>
-                        <a:effectLst/>
-                        <a:latin typeface="+mn-lt"/>
-                        <a:ea typeface="+mn-ea"/>
-                        <a:cs typeface="Open Sans Hebrew" panose="00000500000000000000" pitchFamily="2" charset="-79"/>
-                      </a:endParaRPr>
-                    </a:p>
-                    <a:p>
-                      <a:pPr marL="0" marR="0" lvl="0" indent="0" algn="l" defTabSz="2519995" rtl="0" eaLnBrk="1" fontAlgn="auto" latinLnBrk="0" hangingPunct="1">
-                        <a:lnSpc>
-                          <a:spcPct val="100000"/>
-                        </a:lnSpc>
-                        <a:spcBef>
-                          <a:spcPts val="0"/>
-                        </a:spcBef>
-                        <a:spcAft>
-                          <a:spcPts val="0"/>
-                        </a:spcAft>
-                        <a:buClrTx/>
-                        <a:buSzTx/>
-                        <a:buFontTx/>
-                        <a:buNone/>
-                        <a:tabLst/>
-                        <a:defRPr/>
-                      </a:pPr>
-                      <a:r>
-                        <a:rPr lang="en-US" sz="5400" b="1" kern="1200" dirty="0" smtClean="0">
-                          <a:solidFill>
-                            <a:schemeClr val="tx1"/>
-                          </a:solidFill>
-                          <a:effectLst/>
-                          <a:latin typeface="+mn-lt"/>
-                          <a:ea typeface="+mn-ea"/>
-                          <a:cs typeface="Open Sans Hebrew" panose="00000500000000000000" pitchFamily="2" charset="-79"/>
-                        </a:rPr>
-                        <a:t>Results</a:t>
-                      </a:r>
-                    </a:p>
-                    <a:p>
-                      <a:pPr marL="0" marR="0" lvl="0" indent="0" algn="l" defTabSz="2519995" rtl="0" eaLnBrk="1" fontAlgn="auto" latinLnBrk="0" hangingPunct="1">
-                        <a:lnSpc>
-                          <a:spcPct val="100000"/>
-                        </a:lnSpc>
-                        <a:spcBef>
-                          <a:spcPts val="0"/>
-                        </a:spcBef>
-                        <a:spcAft>
-                          <a:spcPts val="0"/>
-                        </a:spcAft>
-                        <a:buClrTx/>
-                        <a:buSzTx/>
-                        <a:buFontTx/>
-                        <a:buNone/>
-                        <a:tabLst/>
-                        <a:defRPr/>
-                      </a:pPr>
-                      <a:endParaRPr lang="en-US" sz="5400" b="1" kern="1200" dirty="0" smtClean="0">
-                        <a:solidFill>
-                          <a:schemeClr val="tx1"/>
-                        </a:solidFill>
-                        <a:effectLst/>
-                        <a:latin typeface="+mn-lt"/>
-                        <a:ea typeface="+mn-ea"/>
-                        <a:cs typeface="Open Sans Hebrew" panose="00000500000000000000" pitchFamily="2" charset="-79"/>
-                      </a:endParaRPr>
-                    </a:p>
-                    <a:p>
-                      <a:pPr marL="0" marR="0" lvl="0" indent="0" algn="l" defTabSz="2519995" rtl="0" eaLnBrk="1" fontAlgn="auto" latinLnBrk="0" hangingPunct="1">
-                        <a:lnSpc>
-                          <a:spcPct val="100000"/>
-                        </a:lnSpc>
-                        <a:spcBef>
-                          <a:spcPts val="0"/>
-                        </a:spcBef>
-                        <a:spcAft>
-                          <a:spcPts val="0"/>
-                        </a:spcAft>
-                        <a:buClrTx/>
-                        <a:buSzTx/>
-                        <a:buFontTx/>
-                        <a:buNone/>
-                        <a:tabLst/>
-                        <a:defRPr/>
-                      </a:pPr>
-                      <a:r>
-                        <a:rPr lang="en-US" sz="3200" kern="1200" dirty="0" smtClean="0">
-                          <a:solidFill>
-                            <a:schemeClr val="tx1"/>
-                          </a:solidFill>
-                          <a:effectLst/>
-                          <a:latin typeface="+mn-lt"/>
-                          <a:ea typeface="+mn-ea"/>
-                          <a:cs typeface="Open Sans Hebrew" panose="00000500000000000000" pitchFamily="2" charset="-79"/>
-                        </a:rPr>
-                        <a:t>Infrastructure</a:t>
-                      </a:r>
-                      <a:r>
-                        <a:rPr lang="en-US" sz="3200" kern="1200" baseline="0" dirty="0" smtClean="0">
-                          <a:solidFill>
-                            <a:schemeClr val="tx1"/>
-                          </a:solidFill>
-                          <a:effectLst/>
-                          <a:latin typeface="+mn-lt"/>
-                          <a:ea typeface="+mn-ea"/>
-                          <a:cs typeface="Open Sans Hebrew" panose="00000500000000000000" pitchFamily="2" charset="-79"/>
-                        </a:rPr>
-                        <a:t> for user usage, As an example </a:t>
-                      </a:r>
-                      <a:r>
-                        <a:rPr lang="en-US" sz="3200" kern="1200" baseline="0" dirty="0" smtClean="0">
-                          <a:solidFill>
-                            <a:schemeClr val="tx1"/>
-                          </a:solidFill>
-                          <a:effectLst/>
-                          <a:latin typeface="+mn-lt"/>
-                          <a:ea typeface="+mn-ea"/>
-                          <a:cs typeface="Open Sans Hebrew" panose="00000500000000000000" pitchFamily="2" charset="-79"/>
-                        </a:rPr>
-                        <a:t>we’ve leveraged interpolation to enhance the resolution of temperature readings from an 8x8 grid to a 256x256 matrix using the AMG8833 thermal camera. This technique is demonstrated in the image, where hand was placed in front of the sensor to test the camera's ability to detect and visualize the heat signature at a higher resolution.</a:t>
-                      </a:r>
-                      <a:endParaRPr lang="en-US" sz="3200" kern="1200" dirty="0" smtClean="0">
-                        <a:solidFill>
-                          <a:schemeClr val="tx1"/>
-                        </a:solidFill>
-                        <a:effectLst/>
-                        <a:latin typeface="+mn-lt"/>
-                        <a:ea typeface="+mn-ea"/>
-                        <a:cs typeface="Open Sans Hebrew" panose="00000500000000000000" pitchFamily="2" charset="-79"/>
-                      </a:endParaRPr>
-                    </a:p>
-                  </a:txBody>
-                  <a:tcPr marL="137160" marR="137160" marT="137160" marB="137160">
-                    <a:lnL w="12700" cap="flat" cmpd="sng" algn="ctr">
-                      <a:noFill/>
-                      <a:prstDash val="solid"/>
-                      <a:round/>
-                      <a:headEnd type="none" w="med" len="med"/>
-                      <a:tailEnd type="none" w="med" len="med"/>
-                    </a:lnL>
-                    <a:lnR w="12700" cap="flat" cmpd="sng" algn="ctr">
-                      <a:noFill/>
-                      <a:prstDash val="solid"/>
-                      <a:round/>
-                      <a:headEnd type="none" w="med" len="med"/>
-                      <a:tailEnd type="none" w="med" len="med"/>
-                    </a:lnR>
-                    <a:lnT w="12700" cap="flat" cmpd="sng" algn="ctr">
-                      <a:noFill/>
-                      <a:prstDash val="solid"/>
-                      <a:round/>
-                      <a:headEnd type="none" w="med" len="med"/>
-                      <a:tailEnd type="none" w="med" len="med"/>
-                    </a:lnT>
-                    <a:lnB w="12700" cap="flat" cmpd="sng" algn="ctr">
-                      <a:noFill/>
-                      <a:prstDash val="solid"/>
-                      <a:round/>
-                      <a:headEnd type="none" w="med" len="med"/>
-                      <a:tailEnd type="none" w="med" len="med"/>
-                    </a:lnB>
-                    <a:lnTlToBr w="12700" cmpd="sng">
-                      <a:noFill/>
-                      <a:prstDash val="solid"/>
-                    </a:lnTlToBr>
-                    <a:lnBlToTr w="12700" cmpd="sng">
-                      <a:noFill/>
-                      <a:prstDash val="solid"/>
-                    </a:lnBlToTr>
-                  </a:tcPr>
-                </a:tc>
-                <a:tc>
-                  <a:txBody>
-                    <a:bodyPr/>
-                    <a:lstStyle/>
-                    <a:p>
-                      <a:pPr marL="0" marR="0" lvl="0" indent="0" algn="l" defTabSz="2519995" rtl="0" eaLnBrk="1" fontAlgn="auto" latinLnBrk="0" hangingPunct="1">
-                        <a:lnSpc>
-                          <a:spcPct val="100000"/>
-                        </a:lnSpc>
-                        <a:spcBef>
-                          <a:spcPts val="0"/>
-                        </a:spcBef>
-                        <a:spcAft>
-                          <a:spcPts val="0"/>
-                        </a:spcAft>
-                        <a:buClrTx/>
-                        <a:buSzTx/>
-                        <a:buFontTx/>
-                        <a:buNone/>
-                        <a:tabLst/>
-                        <a:defRPr/>
-                      </a:pPr>
-                      <a:r>
-                        <a:rPr lang="en-US" sz="5400" b="1" kern="1200" dirty="0" smtClean="0">
-                          <a:solidFill>
-                            <a:schemeClr val="tx1"/>
-                          </a:solidFill>
-                          <a:effectLst/>
-                          <a:latin typeface="+mn-lt"/>
-                          <a:ea typeface="+mn-ea"/>
-                          <a:cs typeface="Open Sans Hebrew" panose="00000500000000000000" pitchFamily="2" charset="-79"/>
-                        </a:rPr>
-                        <a:t>Conclusions</a:t>
-                      </a:r>
-                    </a:p>
-                    <a:p>
-                      <a:pPr marL="0" marR="0" lvl="0" indent="0" algn="l" defTabSz="2519995" rtl="0" eaLnBrk="1" fontAlgn="auto" latinLnBrk="0" hangingPunct="1">
-                        <a:lnSpc>
-                          <a:spcPct val="100000"/>
-                        </a:lnSpc>
-                        <a:spcBef>
-                          <a:spcPts val="0"/>
-                        </a:spcBef>
-                        <a:spcAft>
-                          <a:spcPts val="0"/>
-                        </a:spcAft>
-                        <a:buClrTx/>
-                        <a:buSzTx/>
-                        <a:buFontTx/>
-                        <a:buNone/>
-                        <a:tabLst/>
-                        <a:defRPr/>
-                      </a:pPr>
-                      <a:r>
-                        <a:rPr lang="en-US" sz="3400" kern="1200" dirty="0" smtClean="0">
-                          <a:solidFill>
-                            <a:schemeClr val="tx1"/>
-                          </a:solidFill>
-                          <a:effectLst/>
-                          <a:latin typeface="+mn-lt"/>
-                          <a:ea typeface="+mn-ea"/>
-                          <a:cs typeface="Open Sans Hebrew" panose="00000500000000000000" pitchFamily="2" charset="-79"/>
-                        </a:rPr>
-                        <a:t>The developed infrastructure successfully integrates a range of sensor inputs and outputs, along with visual and auditory elements, to create a comprehensive monitoring and interaction environment. This cohesive setup demonstrates a significant advancement in creating versatile and adaptable systems for various applications, from environmental monitoring to interactive installations.</a:t>
-                      </a:r>
-                      <a:endParaRPr lang="en-US" sz="3200" kern="1200" baseline="0" dirty="0" smtClean="0">
-                        <a:solidFill>
-                          <a:schemeClr val="tx1"/>
-                        </a:solidFill>
-                        <a:effectLst/>
-                        <a:latin typeface="+mn-lt"/>
-                        <a:ea typeface="+mn-ea"/>
-                        <a:cs typeface="Open Sans Hebrew" panose="00000500000000000000" pitchFamily="2" charset="-79"/>
-                      </a:endParaRPr>
-                    </a:p>
-                    <a:p>
-                      <a:pPr marL="0" marR="0" lvl="0" indent="0" algn="l" defTabSz="2519995" rtl="0" eaLnBrk="1" fontAlgn="auto" latinLnBrk="0" hangingPunct="1">
-                        <a:lnSpc>
-                          <a:spcPct val="100000"/>
-                        </a:lnSpc>
-                        <a:spcBef>
-                          <a:spcPts val="0"/>
-                        </a:spcBef>
-                        <a:spcAft>
-                          <a:spcPts val="0"/>
-                        </a:spcAft>
-                        <a:buClrTx/>
-                        <a:buSzTx/>
-                        <a:buFontTx/>
-                        <a:buNone/>
-                        <a:tabLst/>
-                        <a:defRPr/>
-                      </a:pPr>
-                      <a:endParaRPr lang="en-US" sz="3200" kern="1200" baseline="0" dirty="0" smtClean="0">
-                        <a:solidFill>
-                          <a:schemeClr val="tx1"/>
-                        </a:solidFill>
-                        <a:effectLst/>
-                        <a:latin typeface="+mn-lt"/>
-                        <a:ea typeface="+mn-ea"/>
-                        <a:cs typeface="Open Sans Hebrew" panose="00000500000000000000" pitchFamily="2" charset="-79"/>
-                      </a:endParaRPr>
-                    </a:p>
-                    <a:p>
-                      <a:pPr marL="0" marR="0" lvl="0" indent="0" algn="l" defTabSz="2519995" rtl="0" eaLnBrk="1" fontAlgn="auto" latinLnBrk="0" hangingPunct="1">
-                        <a:lnSpc>
-                          <a:spcPct val="100000"/>
-                        </a:lnSpc>
-                        <a:spcBef>
-                          <a:spcPts val="0"/>
-                        </a:spcBef>
-                        <a:spcAft>
-                          <a:spcPts val="0"/>
-                        </a:spcAft>
-                        <a:buClrTx/>
-                        <a:buSzTx/>
-                        <a:buFontTx/>
-                        <a:buNone/>
-                        <a:tabLst/>
-                        <a:defRPr/>
-                      </a:pPr>
-                      <a:endParaRPr lang="en-US" sz="3200" kern="1200" baseline="0" dirty="0" smtClean="0">
-                        <a:solidFill>
-                          <a:schemeClr val="tx1"/>
-                        </a:solidFill>
-                        <a:effectLst/>
-                        <a:latin typeface="+mn-lt"/>
-                        <a:ea typeface="+mn-ea"/>
-                        <a:cs typeface="Open Sans Hebrew" panose="00000500000000000000" pitchFamily="2" charset="-79"/>
-                      </a:endParaRPr>
-                    </a:p>
-                    <a:p>
-                      <a:pPr marL="0" marR="0" lvl="0" indent="0" algn="l" defTabSz="2519995" rtl="0" eaLnBrk="1" fontAlgn="auto" latinLnBrk="0" hangingPunct="1">
-                        <a:lnSpc>
-                          <a:spcPct val="100000"/>
-                        </a:lnSpc>
-                        <a:spcBef>
-                          <a:spcPts val="0"/>
-                        </a:spcBef>
-                        <a:spcAft>
-                          <a:spcPts val="0"/>
-                        </a:spcAft>
-                        <a:buClrTx/>
-                        <a:buSzTx/>
-                        <a:buFontTx/>
-                        <a:buNone/>
-                        <a:tabLst/>
-                        <a:defRPr/>
-                      </a:pPr>
-                      <a:endParaRPr lang="en-US" sz="3200" kern="1200" dirty="0" smtClean="0">
-                        <a:solidFill>
-                          <a:schemeClr val="tx1"/>
-                        </a:solidFill>
-                        <a:effectLst/>
-                        <a:latin typeface="+mn-lt"/>
-                        <a:ea typeface="+mn-ea"/>
-                        <a:cs typeface="Open Sans Hebrew" panose="00000500000000000000" pitchFamily="2" charset="-79"/>
-                      </a:endParaRPr>
-                    </a:p>
-                    <a:p>
-                      <a:pPr marL="0" marR="0" lvl="0" indent="0" algn="l" defTabSz="2519995" rtl="0" eaLnBrk="1" fontAlgn="auto" latinLnBrk="0" hangingPunct="1">
-                        <a:lnSpc>
-                          <a:spcPct val="100000"/>
-                        </a:lnSpc>
-                        <a:spcBef>
-                          <a:spcPts val="0"/>
-                        </a:spcBef>
-                        <a:spcAft>
-                          <a:spcPts val="0"/>
-                        </a:spcAft>
-                        <a:buClrTx/>
-                        <a:buSzTx/>
-                        <a:buFontTx/>
-                        <a:buNone/>
-                        <a:tabLst/>
-                        <a:defRPr/>
-                      </a:pPr>
-                      <a:endParaRPr lang="en-US" sz="5400" b="1" kern="1200" dirty="0" smtClean="0">
-                        <a:solidFill>
-                          <a:schemeClr val="tx1"/>
-                        </a:solidFill>
-                        <a:effectLst/>
-                        <a:latin typeface="+mn-lt"/>
-                        <a:ea typeface="+mn-ea"/>
-                        <a:cs typeface="Open Sans Hebrew" panose="00000500000000000000" pitchFamily="2" charset="-79"/>
-                      </a:endParaRPr>
-                    </a:p>
-                    <a:p>
-                      <a:pPr marL="0" marR="0" lvl="0" indent="0" algn="l" defTabSz="2519995" rtl="0" eaLnBrk="1" fontAlgn="auto" latinLnBrk="0" hangingPunct="1">
-                        <a:lnSpc>
-                          <a:spcPct val="100000"/>
-                        </a:lnSpc>
-                        <a:spcBef>
-                          <a:spcPts val="0"/>
-                        </a:spcBef>
-                        <a:spcAft>
-                          <a:spcPts val="0"/>
-                        </a:spcAft>
-                        <a:buClrTx/>
-                        <a:buSzTx/>
-                        <a:buFontTx/>
-                        <a:buNone/>
-                        <a:tabLst/>
-                        <a:defRPr/>
-                      </a:pPr>
-                      <a:endParaRPr lang="en-US" sz="5400" b="1" kern="1200" dirty="0" smtClean="0">
-                        <a:solidFill>
-                          <a:schemeClr val="tx1"/>
-                        </a:solidFill>
-                        <a:effectLst/>
-                        <a:latin typeface="+mn-lt"/>
-                        <a:ea typeface="+mn-ea"/>
-                        <a:cs typeface="Open Sans Hebrew" panose="00000500000000000000" pitchFamily="2" charset="-79"/>
-                      </a:endParaRPr>
-                    </a:p>
-                    <a:p>
-                      <a:pPr marL="0" marR="0" lvl="0" indent="0" algn="l" defTabSz="2519995" rtl="0" eaLnBrk="1" fontAlgn="auto" latinLnBrk="0" hangingPunct="1">
-                        <a:lnSpc>
-                          <a:spcPct val="100000"/>
-                        </a:lnSpc>
-                        <a:spcBef>
-                          <a:spcPts val="0"/>
-                        </a:spcBef>
-                        <a:spcAft>
-                          <a:spcPts val="0"/>
-                        </a:spcAft>
-                        <a:buClrTx/>
-                        <a:buSzTx/>
-                        <a:buFontTx/>
-                        <a:buNone/>
-                        <a:tabLst/>
-                        <a:defRPr/>
-                      </a:pPr>
-                      <a:endParaRPr lang="en-US" sz="5400" b="1" kern="1200" dirty="0" smtClean="0">
-                        <a:solidFill>
-                          <a:schemeClr val="tx1"/>
-                        </a:solidFill>
-                        <a:effectLst/>
-                        <a:latin typeface="+mn-lt"/>
-                        <a:ea typeface="+mn-ea"/>
-                        <a:cs typeface="Open Sans Hebrew" panose="00000500000000000000" pitchFamily="2" charset="-79"/>
-                      </a:endParaRPr>
-                    </a:p>
-                    <a:p>
-                      <a:pPr marL="0" marR="0" lvl="0" indent="0" algn="l" defTabSz="2519995" rtl="0" eaLnBrk="1" fontAlgn="auto" latinLnBrk="0" hangingPunct="1">
-                        <a:lnSpc>
-                          <a:spcPct val="100000"/>
-                        </a:lnSpc>
-                        <a:spcBef>
-                          <a:spcPts val="0"/>
-                        </a:spcBef>
-                        <a:spcAft>
-                          <a:spcPts val="0"/>
-                        </a:spcAft>
-                        <a:buClrTx/>
-                        <a:buSzTx/>
-                        <a:buFontTx/>
-                        <a:buNone/>
-                        <a:tabLst/>
-                        <a:defRPr/>
-                      </a:pPr>
-                      <a:endParaRPr lang="en-US" sz="5400" b="1" kern="1200" dirty="0" smtClean="0">
-                        <a:solidFill>
-                          <a:schemeClr val="tx1"/>
-                        </a:solidFill>
-                        <a:effectLst/>
-                        <a:latin typeface="+mn-lt"/>
-                        <a:ea typeface="+mn-ea"/>
-                        <a:cs typeface="Open Sans Hebrew" panose="00000500000000000000" pitchFamily="2" charset="-79"/>
-                      </a:endParaRPr>
-                    </a:p>
-                    <a:p>
-                      <a:pPr marL="0" marR="0" lvl="0" indent="0" algn="l" defTabSz="2519995" rtl="0" eaLnBrk="1" fontAlgn="auto" latinLnBrk="0" hangingPunct="1">
-                        <a:lnSpc>
-                          <a:spcPct val="100000"/>
-                        </a:lnSpc>
-                        <a:spcBef>
-                          <a:spcPts val="0"/>
-                        </a:spcBef>
-                        <a:spcAft>
-                          <a:spcPts val="0"/>
-                        </a:spcAft>
-                        <a:buClrTx/>
-                        <a:buSzTx/>
-                        <a:buFontTx/>
-                        <a:buNone/>
-                        <a:tabLst/>
-                        <a:defRPr/>
-                      </a:pPr>
-                      <a:endParaRPr lang="en-US" sz="5400" b="1" kern="1200" dirty="0" smtClean="0">
-                        <a:solidFill>
-                          <a:schemeClr val="tx1"/>
-                        </a:solidFill>
-                        <a:effectLst/>
-                        <a:latin typeface="+mn-lt"/>
-                        <a:ea typeface="+mn-ea"/>
-                        <a:cs typeface="Open Sans Hebrew" panose="00000500000000000000" pitchFamily="2" charset="-79"/>
-                      </a:endParaRPr>
-                    </a:p>
-                    <a:p>
-                      <a:pPr marL="0" marR="0" lvl="0" indent="0" algn="l" defTabSz="2519995" rtl="0" eaLnBrk="1" fontAlgn="auto" latinLnBrk="0" hangingPunct="1">
-                        <a:lnSpc>
-                          <a:spcPct val="100000"/>
-                        </a:lnSpc>
-                        <a:spcBef>
-                          <a:spcPts val="0"/>
-                        </a:spcBef>
-                        <a:spcAft>
-                          <a:spcPts val="0"/>
-                        </a:spcAft>
-                        <a:buClrTx/>
-                        <a:buSzTx/>
-                        <a:buFontTx/>
-                        <a:buNone/>
-                        <a:tabLst/>
-                        <a:defRPr/>
-                      </a:pPr>
-                      <a:endParaRPr lang="en-US" sz="5400" b="1" kern="1200" dirty="0" smtClean="0">
-                        <a:solidFill>
-                          <a:schemeClr val="tx1"/>
-                        </a:solidFill>
-                        <a:effectLst/>
-                        <a:latin typeface="+mn-lt"/>
-                        <a:ea typeface="+mn-ea"/>
-                        <a:cs typeface="Open Sans Hebrew" panose="00000500000000000000" pitchFamily="2" charset="-79"/>
-                      </a:endParaRPr>
-                    </a:p>
-                    <a:p>
-                      <a:pPr marL="0" marR="0" lvl="0" indent="0" algn="l" defTabSz="2519995" rtl="0" eaLnBrk="1" fontAlgn="auto" latinLnBrk="0" hangingPunct="1">
-                        <a:lnSpc>
-                          <a:spcPct val="100000"/>
-                        </a:lnSpc>
-                        <a:spcBef>
-                          <a:spcPts val="0"/>
-                        </a:spcBef>
-                        <a:spcAft>
-                          <a:spcPts val="0"/>
-                        </a:spcAft>
-                        <a:buClrTx/>
-                        <a:buSzTx/>
-                        <a:buFontTx/>
-                        <a:buNone/>
-                        <a:tabLst/>
-                        <a:defRPr/>
-                      </a:pPr>
-                      <a:endParaRPr lang="en-US" sz="5400" b="1" kern="1200" dirty="0" smtClean="0">
-                        <a:solidFill>
-                          <a:schemeClr val="tx1"/>
-                        </a:solidFill>
-                        <a:effectLst/>
-                        <a:latin typeface="+mn-lt"/>
-                        <a:ea typeface="+mn-ea"/>
-                        <a:cs typeface="Open Sans Hebrew" panose="00000500000000000000" pitchFamily="2" charset="-79"/>
-                      </a:endParaRPr>
-                    </a:p>
-                    <a:p>
-                      <a:pPr marL="0" marR="0" lvl="0" indent="0" algn="l" defTabSz="2519995" rtl="0" eaLnBrk="1" fontAlgn="auto" latinLnBrk="0" hangingPunct="1">
-                        <a:lnSpc>
-                          <a:spcPct val="100000"/>
-                        </a:lnSpc>
-                        <a:spcBef>
-                          <a:spcPts val="0"/>
-                        </a:spcBef>
-                        <a:spcAft>
-                          <a:spcPts val="0"/>
-                        </a:spcAft>
-                        <a:buClrTx/>
-                        <a:buSzTx/>
-                        <a:buFontTx/>
-                        <a:buNone/>
-                        <a:tabLst/>
-                        <a:defRPr/>
-                      </a:pPr>
-                      <a:endParaRPr lang="en-US" sz="5400" b="1" kern="1200" dirty="0" smtClean="0">
-                        <a:solidFill>
-                          <a:schemeClr val="tx1"/>
-                        </a:solidFill>
-                        <a:effectLst/>
-                        <a:latin typeface="+mn-lt"/>
-                        <a:ea typeface="+mn-ea"/>
-                        <a:cs typeface="Open Sans Hebrew" panose="00000500000000000000" pitchFamily="2" charset="-79"/>
-                      </a:endParaRPr>
-                    </a:p>
-                    <a:p>
-                      <a:pPr marL="0" marR="0" lvl="0" indent="0" algn="l" defTabSz="2519995" rtl="0" eaLnBrk="1" fontAlgn="auto" latinLnBrk="0" hangingPunct="1">
-                        <a:lnSpc>
-                          <a:spcPct val="100000"/>
-                        </a:lnSpc>
-                        <a:spcBef>
-                          <a:spcPts val="0"/>
-                        </a:spcBef>
-                        <a:spcAft>
-                          <a:spcPts val="0"/>
-                        </a:spcAft>
-                        <a:buClrTx/>
-                        <a:buSzTx/>
-                        <a:buFontTx/>
-                        <a:buNone/>
-                        <a:tabLst/>
-                        <a:defRPr/>
-                      </a:pPr>
-                      <a:endParaRPr lang="en-US" sz="3400" b="1" kern="1200" dirty="0" smtClean="0">
-                        <a:solidFill>
-                          <a:schemeClr val="tx1"/>
-                        </a:solidFill>
-                        <a:effectLst/>
-                        <a:latin typeface="+mn-lt"/>
-                        <a:ea typeface="+mn-ea"/>
-                        <a:cs typeface="Open Sans Hebrew" panose="00000500000000000000" pitchFamily="2" charset="-79"/>
-                      </a:endParaRPr>
-                    </a:p>
-                    <a:p>
-                      <a:pPr marL="0" marR="0" lvl="0" indent="0" algn="l" defTabSz="2519995" rtl="0" eaLnBrk="1" fontAlgn="auto" latinLnBrk="0" hangingPunct="1">
-                        <a:lnSpc>
-                          <a:spcPct val="100000"/>
-                        </a:lnSpc>
-                        <a:spcBef>
-                          <a:spcPts val="0"/>
-                        </a:spcBef>
-                        <a:spcAft>
-                          <a:spcPts val="0"/>
-                        </a:spcAft>
-                        <a:buClrTx/>
-                        <a:buSzTx/>
-                        <a:buFontTx/>
-                        <a:buNone/>
-                        <a:tabLst/>
-                        <a:defRPr/>
-                      </a:pPr>
-                      <a:endParaRPr lang="en-US" sz="3400" b="1" kern="1200" dirty="0" smtClean="0">
-                        <a:solidFill>
-                          <a:schemeClr val="tx1"/>
-                        </a:solidFill>
-                        <a:effectLst/>
-                        <a:latin typeface="+mn-lt"/>
-                        <a:ea typeface="+mn-ea"/>
-                        <a:cs typeface="Open Sans Hebrew" panose="00000500000000000000" pitchFamily="2" charset="-79"/>
-                      </a:endParaRPr>
-                    </a:p>
-                    <a:p>
-                      <a:pPr marL="0" marR="0" lvl="0" indent="0" algn="l" defTabSz="2519995" rtl="0" eaLnBrk="1" fontAlgn="auto" latinLnBrk="0" hangingPunct="1">
-                        <a:lnSpc>
-                          <a:spcPct val="100000"/>
-                        </a:lnSpc>
-                        <a:spcBef>
-                          <a:spcPts val="0"/>
-                        </a:spcBef>
-                        <a:spcAft>
-                          <a:spcPts val="0"/>
-                        </a:spcAft>
-                        <a:buClrTx/>
-                        <a:buSzTx/>
-                        <a:buFontTx/>
-                        <a:buNone/>
-                        <a:tabLst/>
-                        <a:defRPr/>
-                      </a:pPr>
-                      <a:endParaRPr lang="en-US" sz="3400" b="1" kern="1200" dirty="0" smtClean="0">
-                        <a:solidFill>
-                          <a:schemeClr val="tx1"/>
-                        </a:solidFill>
-                        <a:effectLst/>
-                        <a:latin typeface="+mn-lt"/>
-                        <a:ea typeface="+mn-ea"/>
-                        <a:cs typeface="Open Sans Hebrew" panose="00000500000000000000" pitchFamily="2" charset="-79"/>
-                      </a:endParaRPr>
-                    </a:p>
-                    <a:p>
-                      <a:pPr marL="0" marR="0" lvl="0" indent="0" algn="l" defTabSz="2519995" rtl="0" eaLnBrk="1" fontAlgn="auto" latinLnBrk="0" hangingPunct="1">
-                        <a:lnSpc>
-                          <a:spcPct val="100000"/>
-                        </a:lnSpc>
-                        <a:spcBef>
-                          <a:spcPts val="0"/>
-                        </a:spcBef>
-                        <a:spcAft>
-                          <a:spcPts val="0"/>
-                        </a:spcAft>
-                        <a:buClrTx/>
-                        <a:buSzTx/>
-                        <a:buFontTx/>
-                        <a:buNone/>
-                        <a:tabLst/>
-                        <a:defRPr/>
-                      </a:pPr>
-                      <a:endParaRPr lang="en-US" sz="7200" dirty="0" smtClean="0">
-                        <a:effectLst/>
-                        <a:latin typeface="+mn-lt"/>
-                        <a:cs typeface="Open Sans Hebrew" panose="00000500000000000000" pitchFamily="2" charset="-79"/>
-                      </a:endParaRPr>
-                    </a:p>
-                  </a:txBody>
-                  <a:tcPr marL="137160" marR="137160" marT="137160" marB="137160">
-                    <a:lnL w="12700" cap="flat" cmpd="sng" algn="ctr">
-                      <a:noFill/>
-                      <a:prstDash val="solid"/>
-                      <a:round/>
-                      <a:headEnd type="none" w="med" len="med"/>
-                      <a:tailEnd type="none" w="med" len="med"/>
-                    </a:lnL>
-                    <a:lnR w="12700" cap="flat" cmpd="sng" algn="ctr">
-                      <a:noFill/>
-                      <a:prstDash val="solid"/>
-                      <a:round/>
-                      <a:headEnd type="none" w="med" len="med"/>
-                      <a:tailEnd type="none" w="med" len="med"/>
-                    </a:lnR>
-                    <a:lnT w="12700" cap="flat" cmpd="sng" algn="ctr">
-                      <a:noFill/>
-                      <a:prstDash val="solid"/>
-                      <a:round/>
-                      <a:headEnd type="none" w="med" len="med"/>
-                      <a:tailEnd type="none" w="med" len="med"/>
-                    </a:lnT>
-                    <a:lnB w="12700" cap="flat" cmpd="sng" algn="ctr">
-                      <a:noFill/>
-                      <a:prstDash val="solid"/>
-                      <a:round/>
-                      <a:headEnd type="none" w="med" len="med"/>
-                      <a:tailEnd type="none" w="med" len="med"/>
-                    </a:lnB>
-                    <a:lnTlToBr w="12700" cmpd="sng">
-                      <a:noFill/>
-                      <a:prstDash val="solid"/>
-                    </a:lnTlToBr>
-                    <a:lnBlToTr w="12700" cmpd="sng">
-                      <a:noFill/>
-                      <a:prstDash val="solid"/>
-                    </a:lnBlToTr>
-                  </a:tcPr>
-                </a:tc>
-                <a:extLst>
-                  <a:ext uri="{0D108BD9-81ED-4DB2-BD59-A6C34878D82A}">
-                    <a16:rowId xmlns:a16="http://schemas.microsoft.com/office/drawing/2014/main" val="10000"/>
-                  </a:ext>
-                </a:extLst>
-              </a:tr>
-            </a:tbl>
-          </a:graphicData>
-        </a:graphic>
-      </p:graphicFrame>
+      <mc:AlternateContent xmlns:mc="http://schemas.openxmlformats.org/markup-compatibility/2006">
+        <mc:Choice xmlns:a14="http://schemas.microsoft.com/office/drawing/2010/main" Requires="a14">
+          <p:graphicFrame>
+            <p:nvGraphicFramePr>
+              <p:cNvPr id="8" name="Table 7"/>
+              <p:cNvGraphicFramePr>
+                <a:graphicFrameLocks noGrp="1"/>
+              </p:cNvGraphicFramePr>
+              <p:nvPr>
+                <p:extLst>
+                  <p:ext uri="{D42A27DB-BD31-4B8C-83A1-F6EECF244321}">
+                    <p14:modId xmlns:p14="http://schemas.microsoft.com/office/powerpoint/2010/main" val="4013596784"/>
+                  </p:ext>
+                </p:extLst>
+              </p:nvPr>
+            </p:nvGraphicFramePr>
+            <p:xfrm>
+              <a:off x="384740" y="3698810"/>
+              <a:ext cx="35185420" cy="26730960"/>
+            </p:xfrm>
+            <a:graphic>
+              <a:graphicData uri="http://schemas.openxmlformats.org/drawingml/2006/table">
+                <a:tbl>
+                  <a:tblPr>
+                    <a:tableStyleId>{2D5ABB26-0587-4C30-8999-92F81FD0307C}</a:tableStyleId>
+                  </a:tblPr>
+                  <a:tblGrid>
+                    <a:gridCol w="11746393">
+                      <a:extLst>
+                        <a:ext uri="{9D8B030D-6E8A-4147-A177-3AD203B41FA5}">
+                          <a16:colId xmlns:a16="http://schemas.microsoft.com/office/drawing/2014/main" val="20000"/>
+                        </a:ext>
+                      </a:extLst>
+                    </a:gridCol>
+                    <a:gridCol w="11734833">
+                      <a:extLst>
+                        <a:ext uri="{9D8B030D-6E8A-4147-A177-3AD203B41FA5}">
+                          <a16:colId xmlns:a16="http://schemas.microsoft.com/office/drawing/2014/main" val="20001"/>
+                        </a:ext>
+                      </a:extLst>
+                    </a:gridCol>
+                    <a:gridCol w="11704194">
+                      <a:extLst>
+                        <a:ext uri="{9D8B030D-6E8A-4147-A177-3AD203B41FA5}">
+                          <a16:colId xmlns:a16="http://schemas.microsoft.com/office/drawing/2014/main" val="4117049268"/>
+                        </a:ext>
+                      </a:extLst>
+                    </a:gridCol>
+                  </a:tblGrid>
+                  <a:tr h="20868070">
+                    <a:tc>
+                      <a:txBody>
+                        <a:bodyPr/>
+                        <a:lstStyle/>
+                        <a:p>
+                          <a:pPr marL="0" marR="0" lvl="0" indent="0" algn="l" defTabSz="2519995" rtl="0" eaLnBrk="1" fontAlgn="auto" latinLnBrk="0" hangingPunct="1">
+                            <a:lnSpc>
+                              <a:spcPct val="100000"/>
+                            </a:lnSpc>
+                            <a:spcBef>
+                              <a:spcPts val="0"/>
+                            </a:spcBef>
+                            <a:spcAft>
+                              <a:spcPts val="0"/>
+                            </a:spcAft>
+                            <a:buClrTx/>
+                            <a:buSzTx/>
+                            <a:buFontTx/>
+                            <a:buNone/>
+                            <a:tabLst/>
+                            <a:defRPr/>
+                          </a:pPr>
+                          <a:r>
+                            <a:rPr lang="en-US" sz="2800" b="1" dirty="0" smtClean="0">
+                              <a:effectLst/>
+                              <a:latin typeface="+mn-lt"/>
+                              <a:cs typeface="Open Sans Hebrew" panose="00000500000000000000" pitchFamily="2" charset="-79"/>
+                            </a:rPr>
+                            <a:t>Introduction</a:t>
+                          </a:r>
+                        </a:p>
+                        <a:p>
+                          <a:pPr marL="457200" marR="0" lvl="0" indent="-457200" algn="l" defTabSz="2519995" rtl="0" eaLnBrk="1" fontAlgn="auto" latinLnBrk="0" hangingPunct="1">
+                            <a:lnSpc>
+                              <a:spcPct val="100000"/>
+                            </a:lnSpc>
+                            <a:spcBef>
+                              <a:spcPts val="0"/>
+                            </a:spcBef>
+                            <a:spcAft>
+                              <a:spcPts val="0"/>
+                            </a:spcAft>
+                            <a:buClrTx/>
+                            <a:buSzTx/>
+                            <a:buFont typeface="Arial" panose="020B0604020202020204" pitchFamily="34" charset="0"/>
+                            <a:buChar char="•"/>
+                            <a:tabLst/>
+                            <a:defRPr/>
+                          </a:pPr>
+                          <a:r>
+                            <a:rPr lang="en-US" sz="2800" kern="1200" dirty="0" smtClean="0">
+                              <a:solidFill>
+                                <a:schemeClr val="tx1"/>
+                              </a:solidFill>
+                              <a:effectLst/>
+                              <a:latin typeface="+mn-lt"/>
+                              <a:ea typeface="+mn-ea"/>
+                              <a:cs typeface="Open Sans Hebrew" panose="00000500000000000000" pitchFamily="2" charset="-79"/>
+                            </a:rPr>
+                            <a:t>This final project focuses on developing an Arduino-based framework to support upcoming electrical engineering endeavors, specifically targeting applications within the realm of physiotherapy.</a:t>
+                          </a:r>
+                        </a:p>
+                        <a:p>
+                          <a:pPr marL="457200" marR="0" lvl="0" indent="-457200" algn="l" defTabSz="2519995" rtl="0" eaLnBrk="1" fontAlgn="auto" latinLnBrk="0" hangingPunct="1">
+                            <a:lnSpc>
+                              <a:spcPct val="100000"/>
+                            </a:lnSpc>
+                            <a:spcBef>
+                              <a:spcPts val="0"/>
+                            </a:spcBef>
+                            <a:spcAft>
+                              <a:spcPts val="0"/>
+                            </a:spcAft>
+                            <a:buClrTx/>
+                            <a:buSzTx/>
+                            <a:buFont typeface="Arial" panose="020B0604020202020204" pitchFamily="34" charset="0"/>
+                            <a:buChar char="•"/>
+                            <a:tabLst/>
+                            <a:defRPr/>
+                          </a:pPr>
+                          <a:r>
+                            <a:rPr lang="en-US" sz="2800" kern="1200" dirty="0" smtClean="0">
+                              <a:solidFill>
+                                <a:schemeClr val="tx1"/>
+                              </a:solidFill>
+                              <a:effectLst/>
+                              <a:latin typeface="+mn-lt"/>
+                              <a:ea typeface="+mn-ea"/>
+                              <a:cs typeface="Open Sans Hebrew" panose="00000500000000000000" pitchFamily="2" charset="-79"/>
+                            </a:rPr>
+                            <a:t>This versatile system is engineered to integrate seamlessly with both I2C and GPIO sensors, streamlining the process of connecting hardware and developing tailored software solutions.</a:t>
+                          </a:r>
+                        </a:p>
+                        <a:p>
+                          <a:pPr marL="457200" marR="0" lvl="0" indent="-457200" algn="l" defTabSz="2519995" rtl="0" eaLnBrk="1" fontAlgn="auto" latinLnBrk="0" hangingPunct="1">
+                            <a:lnSpc>
+                              <a:spcPct val="100000"/>
+                            </a:lnSpc>
+                            <a:spcBef>
+                              <a:spcPts val="0"/>
+                            </a:spcBef>
+                            <a:spcAft>
+                              <a:spcPts val="0"/>
+                            </a:spcAft>
+                            <a:buClrTx/>
+                            <a:buSzTx/>
+                            <a:buFont typeface="Arial" panose="020B0604020202020204" pitchFamily="34" charset="0"/>
+                            <a:buChar char="•"/>
+                            <a:tabLst/>
+                            <a:defRPr/>
+                          </a:pPr>
+                          <a:r>
+                            <a:rPr lang="en-US" sz="2800" kern="1200" dirty="0" smtClean="0">
+                              <a:solidFill>
+                                <a:schemeClr val="tx1"/>
+                              </a:solidFill>
+                              <a:effectLst/>
+                              <a:latin typeface="+mn-lt"/>
+                              <a:ea typeface="+mn-ea"/>
+                              <a:cs typeface="Open Sans Hebrew" panose="00000500000000000000" pitchFamily="2" charset="-79"/>
+                            </a:rPr>
+                            <a:t>Software</a:t>
+                          </a:r>
+                          <a:r>
+                            <a:rPr lang="en-US" sz="2800" kern="1200" baseline="0" dirty="0" smtClean="0">
+                              <a:solidFill>
+                                <a:schemeClr val="tx1"/>
+                              </a:solidFill>
+                              <a:effectLst/>
+                              <a:latin typeface="+mn-lt"/>
+                              <a:ea typeface="+mn-ea"/>
+                              <a:cs typeface="Open Sans Hebrew" panose="00000500000000000000" pitchFamily="2" charset="-79"/>
+                            </a:rPr>
+                            <a:t> running modes - </a:t>
+                          </a:r>
+                          <a:r>
+                            <a:rPr lang="en-US" sz="2800" kern="1200" dirty="0" smtClean="0">
+                              <a:solidFill>
+                                <a:schemeClr val="tx1"/>
+                              </a:solidFill>
+                              <a:effectLst/>
+                              <a:latin typeface="+mn-lt"/>
+                              <a:ea typeface="+mn-ea"/>
+                              <a:cs typeface="Open Sans Hebrew" panose="00000500000000000000" pitchFamily="2" charset="-79"/>
+                            </a:rPr>
+                            <a:t> Standalone or slave mode.</a:t>
+                          </a:r>
+                          <a:r>
+                            <a:rPr lang="en-US" sz="2800" kern="1200" baseline="0" dirty="0" smtClean="0">
+                              <a:solidFill>
+                                <a:schemeClr val="tx1"/>
+                              </a:solidFill>
+                              <a:effectLst/>
+                              <a:latin typeface="+mn-lt"/>
+                              <a:ea typeface="+mn-ea"/>
+                              <a:cs typeface="Open Sans Hebrew" panose="00000500000000000000" pitchFamily="2" charset="-79"/>
+                            </a:rPr>
+                            <a:t> In case of slave mode,</a:t>
+                          </a:r>
+                          <a:r>
+                            <a:rPr lang="en-US" sz="2800" kern="1200" dirty="0" smtClean="0">
+                              <a:solidFill>
+                                <a:schemeClr val="tx1"/>
+                              </a:solidFill>
+                              <a:effectLst/>
+                              <a:latin typeface="+mn-lt"/>
+                              <a:ea typeface="+mn-ea"/>
+                              <a:cs typeface="Open Sans Hebrew" panose="00000500000000000000" pitchFamily="2" charset="-79"/>
+                            </a:rPr>
+                            <a:t> offering robust control through serial and Wi-Fi connectivity</a:t>
+                          </a:r>
+                          <a:r>
+                            <a:rPr lang="en-US" sz="2800" kern="1200" baseline="0" dirty="0" smtClean="0">
+                              <a:solidFill>
+                                <a:schemeClr val="tx1"/>
+                              </a:solidFill>
+                              <a:effectLst/>
+                              <a:latin typeface="+mn-lt"/>
+                              <a:ea typeface="+mn-ea"/>
+                              <a:cs typeface="Open Sans Hebrew" panose="00000500000000000000" pitchFamily="2" charset="-79"/>
+                            </a:rPr>
+                            <a:t> and integration with Raspberry PI.</a:t>
+                          </a:r>
+                          <a:endParaRPr lang="en-US" sz="2800" kern="1200" dirty="0" smtClean="0">
+                            <a:solidFill>
+                              <a:schemeClr val="tx1"/>
+                            </a:solidFill>
+                            <a:effectLst/>
+                            <a:latin typeface="+mn-lt"/>
+                            <a:ea typeface="+mn-ea"/>
+                            <a:cs typeface="Open Sans Hebrew" panose="00000500000000000000" pitchFamily="2" charset="-79"/>
+                          </a:endParaRPr>
+                        </a:p>
+                        <a:p>
+                          <a:pPr marL="457200" marR="0" lvl="0" indent="-457200" algn="l" defTabSz="2519995" rtl="0" eaLnBrk="1" fontAlgn="auto" latinLnBrk="0" hangingPunct="1">
+                            <a:lnSpc>
+                              <a:spcPct val="100000"/>
+                            </a:lnSpc>
+                            <a:spcBef>
+                              <a:spcPts val="0"/>
+                            </a:spcBef>
+                            <a:spcAft>
+                              <a:spcPts val="0"/>
+                            </a:spcAft>
+                            <a:buClrTx/>
+                            <a:buSzTx/>
+                            <a:buFont typeface="Arial" panose="020B0604020202020204" pitchFamily="34" charset="0"/>
+                            <a:buChar char="•"/>
+                            <a:tabLst/>
+                            <a:defRPr/>
+                          </a:pPr>
+                          <a:r>
+                            <a:rPr lang="en-US" sz="2800" kern="1200" baseline="0" dirty="0" smtClean="0">
+                              <a:solidFill>
+                                <a:schemeClr val="tx1"/>
+                              </a:solidFill>
+                              <a:effectLst/>
+                              <a:latin typeface="+mn-lt"/>
+                              <a:ea typeface="+mn-ea"/>
+                              <a:cs typeface="Open Sans Hebrew" panose="00000500000000000000" pitchFamily="2" charset="-79"/>
+                            </a:rPr>
+                            <a:t>Accompanying this hardware is a thorough documentation, meticulously detailing the setup procedures and operational guidelines for the custom software we have developed, and regard the hardware and testing.</a:t>
+                          </a:r>
+                          <a:endParaRPr lang="en-US" sz="2800" dirty="0" smtClean="0">
+                            <a:effectLst/>
+                            <a:latin typeface="+mn-lt"/>
+                            <a:cs typeface="Open Sans Hebrew" panose="00000500000000000000" pitchFamily="2" charset="-79"/>
+                          </a:endParaRPr>
+                        </a:p>
+                        <a:p>
+                          <a:pPr marL="0" marR="0" lvl="0" indent="0" algn="l" defTabSz="2519995" rtl="0" eaLnBrk="1" fontAlgn="auto" latinLnBrk="0" hangingPunct="1">
+                            <a:lnSpc>
+                              <a:spcPct val="100000"/>
+                            </a:lnSpc>
+                            <a:spcBef>
+                              <a:spcPts val="0"/>
+                            </a:spcBef>
+                            <a:spcAft>
+                              <a:spcPts val="0"/>
+                            </a:spcAft>
+                            <a:buClrTx/>
+                            <a:buSzTx/>
+                            <a:buFontTx/>
+                            <a:buNone/>
+                            <a:tabLst/>
+                            <a:defRPr/>
+                          </a:pPr>
+                          <a:endParaRPr lang="en-US" sz="2800" b="1" kern="1200" dirty="0" smtClean="0">
+                            <a:solidFill>
+                              <a:schemeClr val="tx1"/>
+                            </a:solidFill>
+                            <a:effectLst/>
+                            <a:latin typeface="+mn-lt"/>
+                            <a:ea typeface="+mn-ea"/>
+                            <a:cs typeface="Open Sans Hebrew" panose="00000500000000000000" pitchFamily="2" charset="-79"/>
+                          </a:endParaRPr>
+                        </a:p>
+                        <a:p>
+                          <a:pPr marL="0" marR="0" lvl="0" indent="0" algn="l" defTabSz="2519995" rtl="0" eaLnBrk="1" fontAlgn="auto" latinLnBrk="0" hangingPunct="1">
+                            <a:lnSpc>
+                              <a:spcPct val="100000"/>
+                            </a:lnSpc>
+                            <a:spcBef>
+                              <a:spcPts val="0"/>
+                            </a:spcBef>
+                            <a:spcAft>
+                              <a:spcPts val="0"/>
+                            </a:spcAft>
+                            <a:buClrTx/>
+                            <a:buSzTx/>
+                            <a:buFontTx/>
+                            <a:buNone/>
+                            <a:tabLst/>
+                            <a:defRPr/>
+                          </a:pPr>
+                          <a:r>
+                            <a:rPr lang="en-US" sz="2800" b="1" kern="1200" dirty="0" smtClean="0">
+                              <a:solidFill>
+                                <a:schemeClr val="tx1"/>
+                              </a:solidFill>
+                              <a:effectLst/>
+                              <a:latin typeface="+mn-lt"/>
+                              <a:ea typeface="+mn-ea"/>
+                              <a:cs typeface="Open Sans Hebrew" panose="00000500000000000000" pitchFamily="2" charset="-79"/>
+                            </a:rPr>
+                            <a:t>Motivation/Objectives</a:t>
+                          </a:r>
+                        </a:p>
+                        <a:p>
+                          <a:pPr marL="0" marR="0" lvl="0" indent="0" algn="l" defTabSz="2519995" rtl="0" eaLnBrk="1" fontAlgn="auto" latinLnBrk="0" hangingPunct="1">
+                            <a:lnSpc>
+                              <a:spcPct val="100000"/>
+                            </a:lnSpc>
+                            <a:spcBef>
+                              <a:spcPts val="0"/>
+                            </a:spcBef>
+                            <a:spcAft>
+                              <a:spcPts val="0"/>
+                            </a:spcAft>
+                            <a:buClrTx/>
+                            <a:buSzTx/>
+                            <a:buFontTx/>
+                            <a:buNone/>
+                            <a:tabLst/>
+                            <a:defRPr/>
+                          </a:pPr>
+                          <a:endParaRPr lang="en-US" sz="2800" kern="1200" dirty="0" smtClean="0">
+                            <a:solidFill>
+                              <a:schemeClr val="tx1"/>
+                            </a:solidFill>
+                            <a:effectLst/>
+                            <a:latin typeface="+mn-lt"/>
+                            <a:ea typeface="+mn-ea"/>
+                            <a:cs typeface="Open Sans Hebrew" panose="00000500000000000000" pitchFamily="2" charset="-79"/>
+                          </a:endParaRPr>
+                        </a:p>
+                        <a:p>
+                          <a:pPr algn="l"/>
+                          <a:r>
+                            <a:rPr lang="en-US" sz="2800" b="0" i="0" smtClean="0">
+                              <a:solidFill>
+                                <a:srgbClr val="0D0D0D"/>
+                              </a:solidFill>
+                              <a:effectLst/>
+                              <a:latin typeface="+mn-lt"/>
+                            </a:rPr>
+                            <a:t>A robust </a:t>
+                          </a:r>
+                          <a:r>
+                            <a:rPr lang="en-US" sz="2800" b="0" i="0" dirty="0" smtClean="0">
+                              <a:solidFill>
+                                <a:srgbClr val="0D0D0D"/>
+                              </a:solidFill>
+                              <a:effectLst/>
+                              <a:latin typeface="+mn-lt"/>
+                            </a:rPr>
+                            <a:t>framework around the M5 Stack controller with an ESP32 core, featuring a </a:t>
+                          </a:r>
+                          <a:r>
+                            <a:rPr lang="en-US" sz="2800" b="0" i="0" dirty="0" err="1" smtClean="0">
+                              <a:solidFill>
+                                <a:srgbClr val="0D0D0D"/>
+                              </a:solidFill>
+                              <a:effectLst/>
+                              <a:latin typeface="+mn-lt"/>
+                            </a:rPr>
+                            <a:t>ToF</a:t>
+                          </a:r>
+                          <a:r>
+                            <a:rPr lang="en-US" sz="2800" b="0" i="0" dirty="0" smtClean="0">
+                              <a:solidFill>
+                                <a:srgbClr val="0D0D0D"/>
+                              </a:solidFill>
+                              <a:effectLst/>
+                              <a:latin typeface="+mn-lt"/>
+                            </a:rPr>
+                            <a:t> sensor, AMG8833 thermal camera, and FSR, along with an integrated IMU for motion tracking. Rigorous testing across the board ensures reliability: gyro and acceleration precision for the IMU, proximity accuracy for the </a:t>
+                          </a:r>
+                          <a:r>
+                            <a:rPr lang="en-US" sz="2800" b="0" i="0" dirty="0" err="1" smtClean="0">
+                              <a:solidFill>
+                                <a:srgbClr val="0D0D0D"/>
+                              </a:solidFill>
+                              <a:effectLst/>
+                              <a:latin typeface="+mn-lt"/>
+                            </a:rPr>
+                            <a:t>ToF</a:t>
+                          </a:r>
+                          <a:r>
+                            <a:rPr lang="en-US" sz="2800" b="0" i="0" dirty="0" smtClean="0">
+                              <a:solidFill>
+                                <a:srgbClr val="0D0D0D"/>
+                              </a:solidFill>
+                              <a:effectLst/>
+                              <a:latin typeface="+mn-lt"/>
+                            </a:rPr>
+                            <a:t>, heat detection for the AMG8833, and sensitivity for the FSR. Output hardware—such as a button, speaker, vibration motor  and RGB LEDs—enhances user interaction. Embedded documentation facilitates easy adoption, setting a solid foundation for future projects without redundant testing.</a:t>
+                          </a:r>
+                        </a:p>
+                        <a:p>
+                          <a:pPr algn="l"/>
+                          <a:endParaRPr lang="en-US" sz="2800" b="0" i="0" dirty="0" smtClean="0">
+                            <a:solidFill>
+                              <a:srgbClr val="0D0D0D"/>
+                            </a:solidFill>
+                            <a:effectLst/>
+                            <a:latin typeface="+mn-lt"/>
+                          </a:endParaRPr>
+                        </a:p>
+                        <a:p>
+                          <a:pPr algn="l"/>
+                          <a:endParaRPr lang="en-US" sz="2800" b="0" i="0" dirty="0" smtClean="0">
+                            <a:solidFill>
+                              <a:srgbClr val="0D0D0D"/>
+                            </a:solidFill>
+                            <a:effectLst/>
+                            <a:latin typeface="+mn-lt"/>
+                          </a:endParaRPr>
+                        </a:p>
+                        <a:p>
+                          <a:pPr algn="l"/>
+                          <a:endParaRPr lang="en-US" sz="2800" b="0" i="0" dirty="0" smtClean="0">
+                            <a:solidFill>
+                              <a:srgbClr val="0D0D0D"/>
+                            </a:solidFill>
+                            <a:effectLst/>
+                            <a:latin typeface="+mn-lt"/>
+                          </a:endParaRPr>
+                        </a:p>
+                        <a:p>
+                          <a:pPr algn="l"/>
+                          <a:endParaRPr lang="en-US" sz="2800" b="0" i="0" dirty="0" smtClean="0">
+                            <a:solidFill>
+                              <a:srgbClr val="0D0D0D"/>
+                            </a:solidFill>
+                            <a:effectLst/>
+                            <a:latin typeface="+mn-lt"/>
+                          </a:endParaRPr>
+                        </a:p>
+                        <a:p>
+                          <a:pPr algn="l"/>
+                          <a:endParaRPr lang="en-US" sz="2800" b="0" i="0" dirty="0" smtClean="0">
+                            <a:solidFill>
+                              <a:srgbClr val="0D0D0D"/>
+                            </a:solidFill>
+                            <a:effectLst/>
+                            <a:latin typeface="+mn-lt"/>
+                          </a:endParaRPr>
+                        </a:p>
+                        <a:p>
+                          <a:pPr algn="l"/>
+                          <a:endParaRPr lang="en-US" sz="2800" b="0" i="0" dirty="0" smtClean="0">
+                            <a:solidFill>
+                              <a:srgbClr val="0D0D0D"/>
+                            </a:solidFill>
+                            <a:effectLst/>
+                            <a:latin typeface="+mn-lt"/>
+                          </a:endParaRPr>
+                        </a:p>
+                        <a:p>
+                          <a:pPr algn="l"/>
+                          <a:endParaRPr lang="en-US" sz="2800" b="0" i="0" dirty="0" smtClean="0">
+                            <a:solidFill>
+                              <a:srgbClr val="0D0D0D"/>
+                            </a:solidFill>
+                            <a:effectLst/>
+                            <a:latin typeface="+mn-lt"/>
+                          </a:endParaRPr>
+                        </a:p>
+                        <a:p>
+                          <a:pPr algn="l"/>
+                          <a:endParaRPr lang="en-US" sz="2800" b="0" i="0" dirty="0" smtClean="0">
+                            <a:solidFill>
+                              <a:srgbClr val="0D0D0D"/>
+                            </a:solidFill>
+                            <a:effectLst/>
+                            <a:latin typeface="+mn-lt"/>
+                          </a:endParaRPr>
+                        </a:p>
+                        <a:p>
+                          <a:pPr algn="l"/>
+                          <a:endParaRPr lang="en-US" sz="2800" b="0" i="0" dirty="0" smtClean="0">
+                            <a:solidFill>
+                              <a:srgbClr val="0D0D0D"/>
+                            </a:solidFill>
+                            <a:effectLst/>
+                            <a:latin typeface="+mn-lt"/>
+                          </a:endParaRPr>
+                        </a:p>
+                        <a:p>
+                          <a:pPr algn="l"/>
+                          <a:endParaRPr lang="en-US" sz="2800" b="0" i="0" dirty="0" smtClean="0">
+                            <a:solidFill>
+                              <a:srgbClr val="0D0D0D"/>
+                            </a:solidFill>
+                            <a:effectLst/>
+                            <a:latin typeface="+mn-lt"/>
+                          </a:endParaRPr>
+                        </a:p>
+                        <a:p>
+                          <a:pPr algn="l"/>
+                          <a:endParaRPr lang="en-US" sz="2800" b="0" i="0" dirty="0" smtClean="0">
+                            <a:solidFill>
+                              <a:srgbClr val="0D0D0D"/>
+                            </a:solidFill>
+                            <a:effectLst/>
+                            <a:latin typeface="+mn-lt"/>
+                          </a:endParaRPr>
+                        </a:p>
+                        <a:p>
+                          <a:pPr marL="0" marR="0" lvl="0" indent="0" algn="l" defTabSz="3359963" rtl="0" eaLnBrk="1" fontAlgn="auto" latinLnBrk="0" hangingPunct="1">
+                            <a:lnSpc>
+                              <a:spcPct val="100000"/>
+                            </a:lnSpc>
+                            <a:spcBef>
+                              <a:spcPts val="0"/>
+                            </a:spcBef>
+                            <a:spcAft>
+                              <a:spcPts val="0"/>
+                            </a:spcAft>
+                            <a:buClrTx/>
+                            <a:buSzTx/>
+                            <a:buFontTx/>
+                            <a:buNone/>
+                            <a:tabLst/>
+                            <a:defRPr/>
+                          </a:pPr>
+                          <a:r>
+                            <a:rPr lang="en-US" sz="2800" b="1" kern="1200" dirty="0" smtClean="0">
+                              <a:solidFill>
+                                <a:schemeClr val="tx1"/>
+                              </a:solidFill>
+                              <a:effectLst/>
+                              <a:latin typeface="+mn-lt"/>
+                              <a:ea typeface="+mn-ea"/>
+                              <a:cs typeface="Open Sans Hebrew" panose="00000500000000000000" pitchFamily="2" charset="-79"/>
+                            </a:rPr>
+                            <a:t>Methods/Implementation</a:t>
+                          </a:r>
+                        </a:p>
+                        <a:p>
+                          <a:pPr algn="l"/>
+                          <a:endParaRPr lang="en-US" sz="2800" b="0" i="0" dirty="0" smtClean="0">
+                            <a:solidFill>
+                              <a:srgbClr val="0D0D0D"/>
+                            </a:solidFill>
+                            <a:effectLst/>
+                            <a:latin typeface="+mn-lt"/>
+                          </a:endParaRPr>
+                        </a:p>
+                        <a:p>
+                          <a:pPr algn="l"/>
+                          <a:endParaRPr lang="en-US" sz="2800" b="0" i="0" dirty="0" smtClean="0">
+                            <a:solidFill>
+                              <a:srgbClr val="0D0D0D"/>
+                            </a:solidFill>
+                            <a:effectLst/>
+                            <a:latin typeface="+mn-lt"/>
+                          </a:endParaRPr>
+                        </a:p>
+                        <a:p>
+                          <a:pPr algn="l"/>
+                          <a:endParaRPr lang="en-US" sz="2800" b="0" i="0" dirty="0" smtClean="0">
+                            <a:solidFill>
+                              <a:srgbClr val="0D0D0D"/>
+                            </a:solidFill>
+                            <a:effectLst/>
+                            <a:latin typeface="+mn-lt"/>
+                          </a:endParaRPr>
+                        </a:p>
+                        <a:p>
+                          <a:pPr algn="l"/>
+                          <a:endParaRPr lang="en-US" sz="2800" b="0" i="0" dirty="0" smtClean="0">
+                            <a:solidFill>
+                              <a:srgbClr val="0D0D0D"/>
+                            </a:solidFill>
+                            <a:effectLst/>
+                            <a:latin typeface="+mn-lt"/>
+                          </a:endParaRPr>
+                        </a:p>
+                        <a:p>
+                          <a:pPr algn="l"/>
+                          <a:endParaRPr lang="en-US" sz="2800" b="0" i="0" dirty="0" smtClean="0">
+                            <a:solidFill>
+                              <a:srgbClr val="0D0D0D"/>
+                            </a:solidFill>
+                            <a:effectLst/>
+                            <a:latin typeface="+mn-lt"/>
+                          </a:endParaRPr>
+                        </a:p>
+                        <a:p>
+                          <a:pPr algn="l"/>
+                          <a:endParaRPr lang="en-US" sz="2800" b="0" i="0" dirty="0" smtClean="0">
+                            <a:solidFill>
+                              <a:srgbClr val="0D0D0D"/>
+                            </a:solidFill>
+                            <a:effectLst/>
+                            <a:latin typeface="+mn-lt"/>
+                          </a:endParaRPr>
+                        </a:p>
+                        <a:p>
+                          <a:pPr algn="l"/>
+                          <a:r>
+                            <a:rPr lang="en-US" sz="2800" dirty="0" smtClean="0"/>
+                            <a:t/>
+                          </a:r>
+                          <a:br>
+                            <a:rPr lang="en-US" sz="2800" dirty="0" smtClean="0"/>
+                          </a:br>
+                          <a:endParaRPr lang="en-US" sz="2800" dirty="0" smtClean="0"/>
+                        </a:p>
+                        <a:p>
+                          <a:pPr algn="l"/>
+                          <a:endParaRPr lang="en-US" sz="2800" baseline="0" dirty="0" smtClean="0">
+                            <a:effectLst/>
+                            <a:latin typeface="+mn-lt"/>
+                            <a:cs typeface="Open Sans Hebrew" panose="00000500000000000000" pitchFamily="2" charset="-79"/>
+                          </a:endParaRPr>
+                        </a:p>
+                      </a:txBody>
+                      <a:tcPr marL="137160" marR="137160" marT="137160" marB="137160">
+                        <a:lnL w="12700" cap="flat" cmpd="sng" algn="ctr">
+                          <a:noFill/>
+                          <a:prstDash val="solid"/>
+                          <a:round/>
+                          <a:headEnd type="none" w="med" len="med"/>
+                          <a:tailEnd type="none" w="med" len="med"/>
+                        </a:lnL>
+                        <a:lnR w="12700" cap="flat" cmpd="sng" algn="ctr">
+                          <a:noFill/>
+                          <a:prstDash val="solid"/>
+                          <a:round/>
+                          <a:headEnd type="none" w="med" len="med"/>
+                          <a:tailEnd type="none" w="med" len="med"/>
+                        </a:lnR>
+                        <a:lnT w="12700" cap="flat" cmpd="sng" algn="ctr">
+                          <a:noFill/>
+                          <a:prstDash val="solid"/>
+                          <a:round/>
+                          <a:headEnd type="none" w="med" len="med"/>
+                          <a:tailEnd type="none" w="med" len="med"/>
+                        </a:lnT>
+                        <a:lnB w="12700" cap="flat" cmpd="sng" algn="ctr">
+                          <a:noFill/>
+                          <a:prstDash val="solid"/>
+                          <a:round/>
+                          <a:headEnd type="none" w="med" len="med"/>
+                          <a:tailEnd type="none" w="med" len="med"/>
+                        </a:lnB>
+                        <a:lnTlToBr w="12700" cmpd="sng">
+                          <a:noFill/>
+                          <a:prstDash val="solid"/>
+                        </a:lnTlToBr>
+                        <a:lnBlToTr w="12700" cmpd="sng">
+                          <a:noFill/>
+                          <a:prstDash val="solid"/>
+                        </a:lnBlToTr>
+                      </a:tcPr>
+                    </a:tc>
+                    <a:tc>
+                      <a:txBody>
+                        <a:bodyPr/>
+                        <a:lstStyle/>
+                        <a:p>
+                          <a:pPr marL="0" marR="0" lvl="0" indent="0" algn="l" defTabSz="2519995" rtl="0" eaLnBrk="1" fontAlgn="auto" latinLnBrk="0" hangingPunct="1">
+                            <a:lnSpc>
+                              <a:spcPct val="100000"/>
+                            </a:lnSpc>
+                            <a:spcBef>
+                              <a:spcPts val="0"/>
+                            </a:spcBef>
+                            <a:spcAft>
+                              <a:spcPts val="0"/>
+                            </a:spcAft>
+                            <a:buClrTx/>
+                            <a:buSzTx/>
+                            <a:buFontTx/>
+                            <a:buNone/>
+                            <a:tabLst/>
+                            <a:defRPr/>
+                          </a:pPr>
+                          <a:endParaRPr lang="en-US" sz="2800" b="1" kern="1200" dirty="0" smtClean="0">
+                            <a:solidFill>
+                              <a:schemeClr val="tx1"/>
+                            </a:solidFill>
+                            <a:effectLst/>
+                            <a:latin typeface="+mn-lt"/>
+                            <a:ea typeface="+mn-ea"/>
+                            <a:cs typeface="Open Sans Hebrew" panose="00000500000000000000" pitchFamily="2" charset="-79"/>
+                          </a:endParaRPr>
+                        </a:p>
+                        <a:p>
+                          <a:pPr marL="0" marR="0" lvl="0" indent="0" algn="l" defTabSz="2519995" rtl="0" eaLnBrk="1" fontAlgn="auto" latinLnBrk="0" hangingPunct="1">
+                            <a:lnSpc>
+                              <a:spcPct val="100000"/>
+                            </a:lnSpc>
+                            <a:spcBef>
+                              <a:spcPts val="0"/>
+                            </a:spcBef>
+                            <a:spcAft>
+                              <a:spcPts val="0"/>
+                            </a:spcAft>
+                            <a:buClrTx/>
+                            <a:buSzTx/>
+                            <a:buFontTx/>
+                            <a:buNone/>
+                            <a:tabLst/>
+                            <a:defRPr/>
+                          </a:pPr>
+                          <a:r>
+                            <a:rPr lang="en-US" sz="2800" baseline="0" dirty="0" smtClean="0">
+                              <a:effectLst/>
+                              <a:latin typeface="+mn-lt"/>
+                              <a:cs typeface="Open Sans Hebrew" panose="00000500000000000000" pitchFamily="2" charset="-79"/>
+                            </a:rPr>
+                            <a:t>Our design utilizes the M5 Stack Core S3 Controller, operating on a 5V supply. It interfaces with the </a:t>
+                          </a:r>
+                          <a:r>
+                            <a:rPr lang="en-US" sz="2800" baseline="0" dirty="0" err="1" smtClean="0">
+                              <a:effectLst/>
+                              <a:latin typeface="+mn-lt"/>
+                              <a:cs typeface="Open Sans Hebrew" panose="00000500000000000000" pitchFamily="2" charset="-79"/>
+                            </a:rPr>
+                            <a:t>PaHub</a:t>
+                          </a:r>
+                          <a:r>
+                            <a:rPr lang="en-US" sz="2800" baseline="0" dirty="0" smtClean="0">
+                              <a:effectLst/>
+                              <a:latin typeface="+mn-lt"/>
+                              <a:cs typeface="Open Sans Hebrew" panose="00000500000000000000" pitchFamily="2" charset="-79"/>
+                            </a:rPr>
+                            <a:t> multiplexer, linking I2C sensors such as the </a:t>
+                          </a:r>
+                          <a:r>
+                            <a:rPr lang="en-US" sz="2800" baseline="0" dirty="0" err="1" smtClean="0">
+                              <a:effectLst/>
+                              <a:latin typeface="+mn-lt"/>
+                              <a:cs typeface="Open Sans Hebrew" panose="00000500000000000000" pitchFamily="2" charset="-79"/>
+                            </a:rPr>
+                            <a:t>ToF</a:t>
+                          </a:r>
+                          <a:r>
+                            <a:rPr lang="en-US" sz="2800" baseline="0" dirty="0" smtClean="0">
+                              <a:effectLst/>
+                              <a:latin typeface="+mn-lt"/>
+                              <a:cs typeface="Open Sans Hebrew" panose="00000500000000000000" pitchFamily="2" charset="-79"/>
+                            </a:rPr>
+                            <a:t> distance sensor and the AMG8833 Thermal camera. A stepdown to 3.3V was necessary  to be soldered for compatibility. The </a:t>
+                          </a:r>
+                          <a:r>
+                            <a:rPr lang="en-US" sz="2800" baseline="0" dirty="0" err="1" smtClean="0">
+                              <a:effectLst/>
+                              <a:latin typeface="+mn-lt"/>
+                              <a:cs typeface="Open Sans Hebrew" panose="00000500000000000000" pitchFamily="2" charset="-79"/>
+                            </a:rPr>
+                            <a:t>PbHub</a:t>
+                          </a:r>
+                          <a:r>
+                            <a:rPr lang="en-US" sz="2800" baseline="0" dirty="0" smtClean="0">
+                              <a:effectLst/>
+                              <a:latin typeface="+mn-lt"/>
+                              <a:cs typeface="Open Sans Hebrew" panose="00000500000000000000" pitchFamily="2" charset="-79"/>
+                            </a:rPr>
+                            <a:t>, another multiplexer, manages GPIO, Analog, and PWM inputs, including a built-in ADC, and connects devices like buttons, speakers, and FSRs. For display output, the built-in port B powers an RGB </a:t>
+                          </a:r>
+                          <a:r>
+                            <a:rPr lang="en-US" sz="2800" baseline="0" dirty="0" err="1" smtClean="0">
+                              <a:effectLst/>
+                              <a:latin typeface="+mn-lt"/>
+                              <a:cs typeface="Open Sans Hebrew" panose="00000500000000000000" pitchFamily="2" charset="-79"/>
+                            </a:rPr>
+                            <a:t>Neopixel</a:t>
+                          </a:r>
+                          <a:r>
+                            <a:rPr lang="en-US" sz="2800" baseline="0" dirty="0" smtClean="0">
+                              <a:effectLst/>
+                              <a:latin typeface="+mn-lt"/>
+                              <a:cs typeface="Open Sans Hebrew" panose="00000500000000000000" pitchFamily="2" charset="-79"/>
+                            </a:rPr>
+                            <a:t>.</a:t>
+                          </a:r>
+                        </a:p>
+                        <a:p>
+                          <a:pPr marL="0" marR="0" lvl="0" indent="0" algn="l" defTabSz="2519995" rtl="0" eaLnBrk="1" fontAlgn="auto" latinLnBrk="0" hangingPunct="1">
+                            <a:lnSpc>
+                              <a:spcPct val="100000"/>
+                            </a:lnSpc>
+                            <a:spcBef>
+                              <a:spcPts val="0"/>
+                            </a:spcBef>
+                            <a:spcAft>
+                              <a:spcPts val="0"/>
+                            </a:spcAft>
+                            <a:buClrTx/>
+                            <a:buSzTx/>
+                            <a:buFontTx/>
+                            <a:buNone/>
+                            <a:tabLst/>
+                            <a:defRPr/>
+                          </a:pPr>
+                          <a:endParaRPr lang="en-US" sz="2800" baseline="0" dirty="0" smtClean="0">
+                            <a:effectLst/>
+                            <a:latin typeface="+mn-lt"/>
+                            <a:cs typeface="Open Sans Hebrew" panose="00000500000000000000" pitchFamily="2" charset="-79"/>
+                          </a:endParaRPr>
+                        </a:p>
+                        <a:p>
+                          <a:pPr marL="0" marR="0" lvl="0" indent="0" algn="l" defTabSz="2519995" rtl="0" eaLnBrk="1" fontAlgn="auto" latinLnBrk="0" hangingPunct="1">
+                            <a:lnSpc>
+                              <a:spcPct val="100000"/>
+                            </a:lnSpc>
+                            <a:spcBef>
+                              <a:spcPts val="0"/>
+                            </a:spcBef>
+                            <a:spcAft>
+                              <a:spcPts val="0"/>
+                            </a:spcAft>
+                            <a:buClrTx/>
+                            <a:buSzTx/>
+                            <a:buFontTx/>
+                            <a:buNone/>
+                            <a:tabLst/>
+                            <a:defRPr/>
+                          </a:pPr>
+                          <a:r>
+                            <a:rPr lang="en-US" sz="2800" baseline="0" dirty="0" smtClean="0">
+                              <a:effectLst/>
+                              <a:latin typeface="+mn-lt"/>
+                              <a:cs typeface="Open Sans Hebrew" panose="00000500000000000000" pitchFamily="2" charset="-79"/>
+                            </a:rPr>
+                            <a:t>We’ve engineered two operational modes: a standalone mode that displays sensor readings on an LCD, and a slave mode which leverages a Python API for sensor data output and command input to peripherals, such as speakers or vibration motors. Outputs can be exported as </a:t>
+                          </a:r>
+                          <a:r>
+                            <a:rPr lang="en-US" sz="2800" baseline="0" dirty="0" err="1" smtClean="0">
+                              <a:effectLst/>
+                              <a:latin typeface="+mn-lt"/>
+                              <a:cs typeface="Open Sans Hebrew" panose="00000500000000000000" pitchFamily="2" charset="-79"/>
+                            </a:rPr>
+                            <a:t>numpy</a:t>
+                          </a:r>
+                          <a:r>
+                            <a:rPr lang="en-US" sz="2800" baseline="0" dirty="0" smtClean="0">
+                              <a:effectLst/>
+                              <a:latin typeface="+mn-lt"/>
+                              <a:cs typeface="Open Sans Hebrew" panose="00000500000000000000" pitchFamily="2" charset="-79"/>
+                            </a:rPr>
+                            <a:t> matrices for in-depth analysis. To ease integration, we've compiled documentation covering installation, usage, and tutorials for extending the API's capabilities.</a:t>
+                          </a:r>
+                        </a:p>
+                        <a:p>
+                          <a:pPr marL="0" marR="0" lvl="0" indent="0" algn="l" defTabSz="2519995" rtl="0" eaLnBrk="1" fontAlgn="auto" latinLnBrk="0" hangingPunct="1">
+                            <a:lnSpc>
+                              <a:spcPct val="100000"/>
+                            </a:lnSpc>
+                            <a:spcBef>
+                              <a:spcPts val="0"/>
+                            </a:spcBef>
+                            <a:spcAft>
+                              <a:spcPts val="0"/>
+                            </a:spcAft>
+                            <a:buClrTx/>
+                            <a:buSzTx/>
+                            <a:buFontTx/>
+                            <a:buNone/>
+                            <a:tabLst/>
+                            <a:defRPr/>
+                          </a:pPr>
+                          <a:endParaRPr lang="en-US" sz="2800" b="1" kern="1200" dirty="0" smtClean="0">
+                            <a:solidFill>
+                              <a:schemeClr val="tx1"/>
+                            </a:solidFill>
+                            <a:effectLst/>
+                            <a:latin typeface="+mn-lt"/>
+                            <a:ea typeface="+mn-ea"/>
+                            <a:cs typeface="Open Sans Hebrew" panose="00000500000000000000" pitchFamily="2" charset="-79"/>
+                          </a:endParaRPr>
+                        </a:p>
+                        <a:p>
+                          <a:pPr marL="0" marR="0" lvl="0" indent="0" algn="l" defTabSz="2519995" rtl="0" eaLnBrk="1" fontAlgn="auto" latinLnBrk="0" hangingPunct="1">
+                            <a:lnSpc>
+                              <a:spcPct val="100000"/>
+                            </a:lnSpc>
+                            <a:spcBef>
+                              <a:spcPts val="0"/>
+                            </a:spcBef>
+                            <a:spcAft>
+                              <a:spcPts val="0"/>
+                            </a:spcAft>
+                            <a:buClrTx/>
+                            <a:buSzTx/>
+                            <a:buFontTx/>
+                            <a:buNone/>
+                            <a:tabLst/>
+                            <a:defRPr/>
+                          </a:pPr>
+                          <a:r>
+                            <a:rPr lang="en-US" sz="2800" b="1" kern="1200" dirty="0" smtClean="0">
+                              <a:solidFill>
+                                <a:schemeClr val="tx1"/>
+                              </a:solidFill>
+                              <a:effectLst/>
+                              <a:latin typeface="+mn-lt"/>
+                              <a:ea typeface="+mn-ea"/>
+                              <a:cs typeface="Open Sans Hebrew" panose="00000500000000000000" pitchFamily="2" charset="-79"/>
+                            </a:rPr>
+                            <a:t>Results</a:t>
+                          </a:r>
+                        </a:p>
+                        <a:p>
+                          <a:pPr marL="0" marR="0" lvl="0" indent="0" algn="l" defTabSz="2519995" rtl="0" eaLnBrk="1" fontAlgn="auto" latinLnBrk="0" hangingPunct="1">
+                            <a:lnSpc>
+                              <a:spcPct val="100000"/>
+                            </a:lnSpc>
+                            <a:spcBef>
+                              <a:spcPts val="0"/>
+                            </a:spcBef>
+                            <a:spcAft>
+                              <a:spcPts val="0"/>
+                            </a:spcAft>
+                            <a:buClrTx/>
+                            <a:buSzTx/>
+                            <a:buFontTx/>
+                            <a:buNone/>
+                            <a:tabLst/>
+                            <a:defRPr/>
+                          </a:pPr>
+                          <a:r>
+                            <a:rPr lang="en-US" sz="2800" b="0" i="0" dirty="0" smtClean="0">
+                              <a:solidFill>
+                                <a:srgbClr val="0D0D0D"/>
+                              </a:solidFill>
+                              <a:effectLst/>
+                              <a:latin typeface="Söhne"/>
+                            </a:rPr>
+                            <a:t>Post-testing, we applied interpolation techniques to refine the thermal readings obtained with the AMG8833 thermal camera, transforming an 8x8 grid into a detailed 256x256 matrix. This upgrade allowed us to test the camera's capability to discern and enhance heat signatures, as demonstrated when a hand was placed in front of the sensor.</a:t>
+                          </a:r>
+                          <a:endParaRPr lang="en-US" sz="2800" kern="1200" baseline="0" dirty="0" smtClean="0">
+                            <a:solidFill>
+                              <a:schemeClr val="tx1"/>
+                            </a:solidFill>
+                            <a:effectLst/>
+                            <a:latin typeface="+mn-lt"/>
+                            <a:ea typeface="+mn-ea"/>
+                            <a:cs typeface="Open Sans Hebrew" panose="00000500000000000000" pitchFamily="2" charset="-79"/>
+                          </a:endParaRPr>
+                        </a:p>
+                        <a:p>
+                          <a:pPr marL="0" marR="0" lvl="0" indent="0" algn="l" defTabSz="2519995" rtl="0" eaLnBrk="1" fontAlgn="auto" latinLnBrk="0" hangingPunct="1">
+                            <a:lnSpc>
+                              <a:spcPct val="100000"/>
+                            </a:lnSpc>
+                            <a:spcBef>
+                              <a:spcPts val="0"/>
+                            </a:spcBef>
+                            <a:spcAft>
+                              <a:spcPts val="0"/>
+                            </a:spcAft>
+                            <a:buClrTx/>
+                            <a:buSzTx/>
+                            <a:buFontTx/>
+                            <a:buNone/>
+                            <a:tabLst/>
+                            <a:defRPr/>
+                          </a:pPr>
+                          <a:endParaRPr lang="en-US" sz="2800" kern="1200" baseline="0" dirty="0" smtClean="0">
+                            <a:solidFill>
+                              <a:schemeClr val="tx1"/>
+                            </a:solidFill>
+                            <a:effectLst/>
+                            <a:latin typeface="+mn-lt"/>
+                            <a:ea typeface="+mn-ea"/>
+                            <a:cs typeface="Open Sans Hebrew" panose="00000500000000000000" pitchFamily="2" charset="-79"/>
+                          </a:endParaRPr>
+                        </a:p>
+                        <a:p>
+                          <a:pPr marL="0" marR="0" lvl="0" indent="0" algn="l" defTabSz="2519995" rtl="0" eaLnBrk="1" fontAlgn="auto" latinLnBrk="0" hangingPunct="1">
+                            <a:lnSpc>
+                              <a:spcPct val="100000"/>
+                            </a:lnSpc>
+                            <a:spcBef>
+                              <a:spcPts val="0"/>
+                            </a:spcBef>
+                            <a:spcAft>
+                              <a:spcPts val="0"/>
+                            </a:spcAft>
+                            <a:buClrTx/>
+                            <a:buSzTx/>
+                            <a:buFontTx/>
+                            <a:buNone/>
+                            <a:tabLst/>
+                            <a:defRPr/>
+                          </a:pPr>
+                          <a:endParaRPr lang="en-US" sz="2800" kern="1200" baseline="0" dirty="0" smtClean="0">
+                            <a:solidFill>
+                              <a:schemeClr val="tx1"/>
+                            </a:solidFill>
+                            <a:effectLst/>
+                            <a:latin typeface="+mn-lt"/>
+                            <a:ea typeface="+mn-ea"/>
+                            <a:cs typeface="Open Sans Hebrew" panose="00000500000000000000" pitchFamily="2" charset="-79"/>
+                          </a:endParaRPr>
+                        </a:p>
+                        <a:p>
+                          <a:pPr marL="0" marR="0" lvl="0" indent="0" algn="l" defTabSz="2519995" rtl="0" eaLnBrk="1" fontAlgn="auto" latinLnBrk="0" hangingPunct="1">
+                            <a:lnSpc>
+                              <a:spcPct val="100000"/>
+                            </a:lnSpc>
+                            <a:spcBef>
+                              <a:spcPts val="0"/>
+                            </a:spcBef>
+                            <a:spcAft>
+                              <a:spcPts val="0"/>
+                            </a:spcAft>
+                            <a:buClrTx/>
+                            <a:buSzTx/>
+                            <a:buFontTx/>
+                            <a:buNone/>
+                            <a:tabLst/>
+                            <a:defRPr/>
+                          </a:pPr>
+                          <a:endParaRPr lang="en-US" sz="2800" kern="1200" baseline="0" dirty="0" smtClean="0">
+                            <a:solidFill>
+                              <a:schemeClr val="tx1"/>
+                            </a:solidFill>
+                            <a:effectLst/>
+                            <a:latin typeface="+mn-lt"/>
+                            <a:ea typeface="+mn-ea"/>
+                            <a:cs typeface="Open Sans Hebrew" panose="00000500000000000000" pitchFamily="2" charset="-79"/>
+                          </a:endParaRPr>
+                        </a:p>
+                        <a:p>
+                          <a:pPr marL="0" marR="0" lvl="0" indent="0" algn="l" defTabSz="2519995" rtl="0" eaLnBrk="1" fontAlgn="auto" latinLnBrk="0" hangingPunct="1">
+                            <a:lnSpc>
+                              <a:spcPct val="100000"/>
+                            </a:lnSpc>
+                            <a:spcBef>
+                              <a:spcPts val="0"/>
+                            </a:spcBef>
+                            <a:spcAft>
+                              <a:spcPts val="0"/>
+                            </a:spcAft>
+                            <a:buClrTx/>
+                            <a:buSzTx/>
+                            <a:buFontTx/>
+                            <a:buNone/>
+                            <a:tabLst/>
+                            <a:defRPr/>
+                          </a:pPr>
+                          <a:endParaRPr lang="en-US" sz="2800" kern="1200" baseline="0" dirty="0" smtClean="0">
+                            <a:solidFill>
+                              <a:schemeClr val="tx1"/>
+                            </a:solidFill>
+                            <a:effectLst/>
+                            <a:latin typeface="+mn-lt"/>
+                            <a:ea typeface="+mn-ea"/>
+                            <a:cs typeface="Open Sans Hebrew" panose="00000500000000000000" pitchFamily="2" charset="-79"/>
+                          </a:endParaRPr>
+                        </a:p>
+                        <a:p>
+                          <a:pPr marL="0" marR="0" lvl="0" indent="0" algn="l" defTabSz="2519995" rtl="0" eaLnBrk="1" fontAlgn="auto" latinLnBrk="0" hangingPunct="1">
+                            <a:lnSpc>
+                              <a:spcPct val="100000"/>
+                            </a:lnSpc>
+                            <a:spcBef>
+                              <a:spcPts val="0"/>
+                            </a:spcBef>
+                            <a:spcAft>
+                              <a:spcPts val="0"/>
+                            </a:spcAft>
+                            <a:buClrTx/>
+                            <a:buSzTx/>
+                            <a:buFontTx/>
+                            <a:buNone/>
+                            <a:tabLst/>
+                            <a:defRPr/>
+                          </a:pPr>
+                          <a:endParaRPr lang="en-US" sz="2800" kern="1200" baseline="0" dirty="0" smtClean="0">
+                            <a:solidFill>
+                              <a:schemeClr val="tx1"/>
+                            </a:solidFill>
+                            <a:effectLst/>
+                            <a:latin typeface="+mn-lt"/>
+                            <a:ea typeface="+mn-ea"/>
+                            <a:cs typeface="Open Sans Hebrew" panose="00000500000000000000" pitchFamily="2" charset="-79"/>
+                          </a:endParaRPr>
+                        </a:p>
+                        <a:p>
+                          <a:pPr marL="0" marR="0" lvl="0" indent="0" algn="l" defTabSz="2519995" rtl="0" eaLnBrk="1" fontAlgn="auto" latinLnBrk="0" hangingPunct="1">
+                            <a:lnSpc>
+                              <a:spcPct val="100000"/>
+                            </a:lnSpc>
+                            <a:spcBef>
+                              <a:spcPts val="0"/>
+                            </a:spcBef>
+                            <a:spcAft>
+                              <a:spcPts val="0"/>
+                            </a:spcAft>
+                            <a:buClrTx/>
+                            <a:buSzTx/>
+                            <a:buFontTx/>
+                            <a:buNone/>
+                            <a:tabLst/>
+                            <a:defRPr/>
+                          </a:pPr>
+                          <a:endParaRPr lang="en-US" sz="2800" kern="1200" baseline="0" dirty="0" smtClean="0">
+                            <a:solidFill>
+                              <a:schemeClr val="tx1"/>
+                            </a:solidFill>
+                            <a:effectLst/>
+                            <a:latin typeface="+mn-lt"/>
+                            <a:ea typeface="+mn-ea"/>
+                            <a:cs typeface="Open Sans Hebrew" panose="00000500000000000000" pitchFamily="2" charset="-79"/>
+                          </a:endParaRPr>
+                        </a:p>
+                        <a:p>
+                          <a:pPr marL="0" marR="0" lvl="0" indent="0" algn="l" defTabSz="2519995" rtl="0" eaLnBrk="1" fontAlgn="auto" latinLnBrk="0" hangingPunct="1">
+                            <a:lnSpc>
+                              <a:spcPct val="100000"/>
+                            </a:lnSpc>
+                            <a:spcBef>
+                              <a:spcPts val="0"/>
+                            </a:spcBef>
+                            <a:spcAft>
+                              <a:spcPts val="0"/>
+                            </a:spcAft>
+                            <a:buClrTx/>
+                            <a:buSzTx/>
+                            <a:buFontTx/>
+                            <a:buNone/>
+                            <a:tabLst/>
+                            <a:defRPr/>
+                          </a:pPr>
+                          <a:endParaRPr lang="en-US" sz="2800" kern="1200" baseline="0" dirty="0" smtClean="0">
+                            <a:solidFill>
+                              <a:schemeClr val="tx1"/>
+                            </a:solidFill>
+                            <a:effectLst/>
+                            <a:latin typeface="+mn-lt"/>
+                            <a:ea typeface="+mn-ea"/>
+                            <a:cs typeface="Open Sans Hebrew" panose="00000500000000000000" pitchFamily="2" charset="-79"/>
+                          </a:endParaRPr>
+                        </a:p>
+                        <a:p>
+                          <a:pPr marL="0" marR="0" lvl="0" indent="0" algn="l" defTabSz="2519995" rtl="0" eaLnBrk="1" fontAlgn="auto" latinLnBrk="0" hangingPunct="1">
+                            <a:lnSpc>
+                              <a:spcPct val="100000"/>
+                            </a:lnSpc>
+                            <a:spcBef>
+                              <a:spcPts val="0"/>
+                            </a:spcBef>
+                            <a:spcAft>
+                              <a:spcPts val="0"/>
+                            </a:spcAft>
+                            <a:buClrTx/>
+                            <a:buSzTx/>
+                            <a:buFontTx/>
+                            <a:buNone/>
+                            <a:tabLst/>
+                            <a:defRPr/>
+                          </a:pPr>
+                          <a:endParaRPr lang="en-US" sz="2800" kern="1200" baseline="0" dirty="0" smtClean="0">
+                            <a:solidFill>
+                              <a:schemeClr val="tx1"/>
+                            </a:solidFill>
+                            <a:effectLst/>
+                            <a:latin typeface="+mn-lt"/>
+                            <a:ea typeface="+mn-ea"/>
+                            <a:cs typeface="Open Sans Hebrew" panose="00000500000000000000" pitchFamily="2" charset="-79"/>
+                          </a:endParaRPr>
+                        </a:p>
+                        <a:p>
+                          <a:pPr marL="0" marR="0" lvl="0" indent="0" algn="l" defTabSz="2519995" rtl="0" eaLnBrk="1" fontAlgn="auto" latinLnBrk="0" hangingPunct="1">
+                            <a:lnSpc>
+                              <a:spcPct val="100000"/>
+                            </a:lnSpc>
+                            <a:spcBef>
+                              <a:spcPts val="0"/>
+                            </a:spcBef>
+                            <a:spcAft>
+                              <a:spcPts val="0"/>
+                            </a:spcAft>
+                            <a:buClrTx/>
+                            <a:buSzTx/>
+                            <a:buFontTx/>
+                            <a:buNone/>
+                            <a:tabLst/>
+                            <a:defRPr/>
+                          </a:pPr>
+                          <a:endParaRPr lang="en-US" sz="2800" kern="1200" baseline="0" dirty="0" smtClean="0">
+                            <a:solidFill>
+                              <a:schemeClr val="tx1"/>
+                            </a:solidFill>
+                            <a:effectLst/>
+                            <a:latin typeface="+mn-lt"/>
+                            <a:ea typeface="+mn-ea"/>
+                            <a:cs typeface="Open Sans Hebrew" panose="00000500000000000000" pitchFamily="2" charset="-79"/>
+                          </a:endParaRPr>
+                        </a:p>
+                        <a:p>
+                          <a:pPr marL="0" marR="0" lvl="0" indent="0" algn="l" defTabSz="2519995" rtl="0" eaLnBrk="1" fontAlgn="auto" latinLnBrk="0" hangingPunct="1">
+                            <a:lnSpc>
+                              <a:spcPct val="100000"/>
+                            </a:lnSpc>
+                            <a:spcBef>
+                              <a:spcPts val="0"/>
+                            </a:spcBef>
+                            <a:spcAft>
+                              <a:spcPts val="0"/>
+                            </a:spcAft>
+                            <a:buClrTx/>
+                            <a:buSzTx/>
+                            <a:buFontTx/>
+                            <a:buNone/>
+                            <a:tabLst/>
+                            <a:defRPr/>
+                          </a:pPr>
+                          <a:endParaRPr lang="en-US" sz="2800" kern="1200" baseline="0" dirty="0" smtClean="0">
+                            <a:solidFill>
+                              <a:schemeClr val="tx1"/>
+                            </a:solidFill>
+                            <a:effectLst/>
+                            <a:latin typeface="+mn-lt"/>
+                            <a:ea typeface="+mn-ea"/>
+                            <a:cs typeface="Open Sans Hebrew" panose="00000500000000000000" pitchFamily="2" charset="-79"/>
+                          </a:endParaRPr>
+                        </a:p>
+                        <a:p>
+                          <a:pPr marL="0" marR="0" lvl="0" indent="0" algn="l" defTabSz="2519995" rtl="0" eaLnBrk="1" fontAlgn="auto" latinLnBrk="0" hangingPunct="1">
+                            <a:lnSpc>
+                              <a:spcPct val="100000"/>
+                            </a:lnSpc>
+                            <a:spcBef>
+                              <a:spcPts val="0"/>
+                            </a:spcBef>
+                            <a:spcAft>
+                              <a:spcPts val="0"/>
+                            </a:spcAft>
+                            <a:buClrTx/>
+                            <a:buSzTx/>
+                            <a:buFontTx/>
+                            <a:buNone/>
+                            <a:tabLst/>
+                            <a:defRPr/>
+                          </a:pPr>
+                          <a:endParaRPr lang="en-US" sz="2800" kern="1200" baseline="0" dirty="0" smtClean="0">
+                            <a:solidFill>
+                              <a:schemeClr val="tx1"/>
+                            </a:solidFill>
+                            <a:effectLst/>
+                            <a:latin typeface="+mn-lt"/>
+                            <a:ea typeface="+mn-ea"/>
+                            <a:cs typeface="Open Sans Hebrew" panose="00000500000000000000" pitchFamily="2" charset="-79"/>
+                          </a:endParaRPr>
+                        </a:p>
+                        <a:p>
+                          <a:pPr marL="0" marR="0" lvl="0" indent="0" algn="l" defTabSz="2519995" rtl="0" eaLnBrk="1" fontAlgn="auto" latinLnBrk="0" hangingPunct="1">
+                            <a:lnSpc>
+                              <a:spcPct val="100000"/>
+                            </a:lnSpc>
+                            <a:spcBef>
+                              <a:spcPts val="0"/>
+                            </a:spcBef>
+                            <a:spcAft>
+                              <a:spcPts val="0"/>
+                            </a:spcAft>
+                            <a:buClrTx/>
+                            <a:buSzTx/>
+                            <a:buFontTx/>
+                            <a:buNone/>
+                            <a:tabLst/>
+                            <a:defRPr/>
+                          </a:pPr>
+                          <a:endParaRPr lang="en-US" sz="2800" kern="1200" baseline="0" dirty="0" smtClean="0">
+                            <a:solidFill>
+                              <a:schemeClr val="tx1"/>
+                            </a:solidFill>
+                            <a:effectLst/>
+                            <a:latin typeface="+mn-lt"/>
+                            <a:ea typeface="+mn-ea"/>
+                            <a:cs typeface="Open Sans Hebrew" panose="00000500000000000000" pitchFamily="2" charset="-79"/>
+                          </a:endParaRPr>
+                        </a:p>
+                        <a:p>
+                          <a:pPr marL="0" marR="0" lvl="0" indent="0" algn="l" defTabSz="2519995" rtl="0" eaLnBrk="1" fontAlgn="auto" latinLnBrk="0" hangingPunct="1">
+                            <a:lnSpc>
+                              <a:spcPct val="100000"/>
+                            </a:lnSpc>
+                            <a:spcBef>
+                              <a:spcPts val="0"/>
+                            </a:spcBef>
+                            <a:spcAft>
+                              <a:spcPts val="0"/>
+                            </a:spcAft>
+                            <a:buClrTx/>
+                            <a:buSzTx/>
+                            <a:buFontTx/>
+                            <a:buNone/>
+                            <a:tabLst/>
+                            <a:defRPr/>
+                          </a:pPr>
+                          <a:endParaRPr lang="en-US" sz="2800" kern="1200" baseline="0" dirty="0" smtClean="0">
+                            <a:solidFill>
+                              <a:schemeClr val="tx1"/>
+                            </a:solidFill>
+                            <a:effectLst/>
+                            <a:latin typeface="+mn-lt"/>
+                            <a:ea typeface="+mn-ea"/>
+                            <a:cs typeface="Open Sans Hebrew" panose="00000500000000000000" pitchFamily="2" charset="-79"/>
+                          </a:endParaRPr>
+                        </a:p>
+                        <a:p>
+                          <a:pPr marL="0" marR="0" lvl="0" indent="0" algn="l" defTabSz="2519995" rtl="0" eaLnBrk="1" fontAlgn="auto" latinLnBrk="0" hangingPunct="1">
+                            <a:lnSpc>
+                              <a:spcPct val="100000"/>
+                            </a:lnSpc>
+                            <a:spcBef>
+                              <a:spcPts val="0"/>
+                            </a:spcBef>
+                            <a:spcAft>
+                              <a:spcPts val="0"/>
+                            </a:spcAft>
+                            <a:buClrTx/>
+                            <a:buSzTx/>
+                            <a:buFontTx/>
+                            <a:buNone/>
+                            <a:tabLst/>
+                            <a:defRPr/>
+                          </a:pPr>
+                          <a:r>
+                            <a:rPr lang="en-US" sz="2800" b="0" i="0" dirty="0" smtClean="0">
+                              <a:solidFill>
+                                <a:srgbClr val="0D0D0D"/>
+                              </a:solidFill>
+                              <a:effectLst/>
+                              <a:latin typeface="Söhne"/>
+                            </a:rPr>
+                            <a:t>Further testing of the IMU encompassed evaluations of its gyroscope and acceleration sensors. Notably, the z-axis acceleration, highlighted in green, aligned with predictions, substantiating the presence of Earth's gravitational force at around</a:t>
+                          </a:r>
+                          <a14:m>
+                            <m:oMath xmlns:m="http://schemas.openxmlformats.org/officeDocument/2006/math">
+                              <m:r>
+                                <a:rPr lang="en-US" sz="2800" b="0" i="1" dirty="0" smtClean="0">
+                                  <a:solidFill>
+                                    <a:srgbClr val="0D0D0D"/>
+                                  </a:solidFill>
+                                  <a:effectLst/>
+                                  <a:latin typeface="Cambria Math" panose="02040503050406030204" pitchFamily="18" charset="0"/>
+                                </a:rPr>
+                                <m:t>9</m:t>
+                              </m:r>
+                              <m:r>
+                                <a:rPr lang="en-US" sz="2800" b="0" i="1" dirty="0" smtClean="0">
+                                  <a:solidFill>
+                                    <a:srgbClr val="0D0D0D"/>
+                                  </a:solidFill>
+                                  <a:effectLst/>
+                                  <a:latin typeface="Cambria Math" panose="02040503050406030204" pitchFamily="18" charset="0"/>
+                                </a:rPr>
+                                <m:t>.</m:t>
+                              </m:r>
+                              <m:r>
+                                <a:rPr lang="en-US" sz="2800" b="0" i="1" dirty="0" smtClean="0">
+                                  <a:solidFill>
+                                    <a:srgbClr val="0D0D0D"/>
+                                  </a:solidFill>
+                                  <a:effectLst/>
+                                  <a:latin typeface="Cambria Math" panose="02040503050406030204" pitchFamily="18" charset="0"/>
+                                </a:rPr>
+                                <m:t>81</m:t>
+                              </m:r>
+                              <m:r>
+                                <a:rPr lang="en-US" sz="2800" b="0" i="1" dirty="0" smtClean="0">
+                                  <a:solidFill>
+                                    <a:srgbClr val="0D0D0D"/>
+                                  </a:solidFill>
+                                  <a:effectLst/>
+                                  <a:latin typeface="Cambria Math" panose="02040503050406030204" pitchFamily="18" charset="0"/>
+                                </a:rPr>
+                                <m:t>[</m:t>
+                              </m:r>
+                              <m:f>
+                                <m:fPr>
+                                  <m:ctrlPr>
+                                    <a:rPr lang="en-US" sz="2800" b="0" i="1" dirty="0" smtClean="0">
+                                      <a:solidFill>
+                                        <a:srgbClr val="0D0D0D"/>
+                                      </a:solidFill>
+                                      <a:effectLst/>
+                                      <a:latin typeface="Cambria Math" panose="02040503050406030204" pitchFamily="18" charset="0"/>
+                                    </a:rPr>
+                                  </m:ctrlPr>
+                                </m:fPr>
+                                <m:num>
+                                  <m:r>
+                                    <a:rPr lang="en-US" sz="2800" b="0" i="1" dirty="0" smtClean="0">
+                                      <a:solidFill>
+                                        <a:srgbClr val="0D0D0D"/>
+                                      </a:solidFill>
+                                      <a:effectLst/>
+                                      <a:latin typeface="Cambria Math" panose="02040503050406030204" pitchFamily="18" charset="0"/>
+                                    </a:rPr>
+                                    <m:t>𝑚</m:t>
+                                  </m:r>
+                                </m:num>
+                                <m:den>
+                                  <m:sSup>
+                                    <m:sSupPr>
+                                      <m:ctrlPr>
+                                        <a:rPr lang="en-US" sz="2800" b="0" i="1" dirty="0" smtClean="0">
+                                          <a:solidFill>
+                                            <a:srgbClr val="0D0D0D"/>
+                                          </a:solidFill>
+                                          <a:effectLst/>
+                                          <a:latin typeface="Cambria Math" panose="02040503050406030204" pitchFamily="18" charset="0"/>
+                                        </a:rPr>
+                                      </m:ctrlPr>
+                                    </m:sSupPr>
+                                    <m:e>
+                                      <m:r>
+                                        <a:rPr lang="en-US" sz="2800" b="0" i="1" dirty="0" smtClean="0">
+                                          <a:solidFill>
+                                            <a:srgbClr val="0D0D0D"/>
+                                          </a:solidFill>
+                                          <a:effectLst/>
+                                          <a:latin typeface="Cambria Math" panose="02040503050406030204" pitchFamily="18" charset="0"/>
+                                        </a:rPr>
+                                        <m:t>𝑠</m:t>
+                                      </m:r>
+                                    </m:e>
+                                    <m:sup>
+                                      <m:r>
+                                        <a:rPr lang="en-US" sz="2800" b="0" i="1" dirty="0" smtClean="0">
+                                          <a:solidFill>
+                                            <a:srgbClr val="0D0D0D"/>
+                                          </a:solidFill>
+                                          <a:effectLst/>
+                                          <a:latin typeface="Cambria Math" panose="02040503050406030204" pitchFamily="18" charset="0"/>
+                                        </a:rPr>
+                                        <m:t>2</m:t>
+                                      </m:r>
+                                    </m:sup>
+                                  </m:sSup>
+                                </m:den>
+                              </m:f>
+                              <m:r>
+                                <a:rPr lang="en-US" sz="2800" b="0" i="1" dirty="0" smtClean="0">
+                                  <a:solidFill>
+                                    <a:srgbClr val="0D0D0D"/>
+                                  </a:solidFill>
+                                  <a:effectLst/>
+                                  <a:latin typeface="Cambria Math" panose="02040503050406030204" pitchFamily="18" charset="0"/>
+                                </a:rPr>
+                                <m:t>]</m:t>
+                              </m:r>
+                            </m:oMath>
+                          </a14:m>
+                          <a:r>
+                            <a:rPr lang="en-US" sz="2800" b="0" i="0" dirty="0" smtClean="0">
+                              <a:solidFill>
+                                <a:srgbClr val="0D0D0D"/>
+                              </a:solidFill>
+                              <a:effectLst/>
+                              <a:latin typeface="Söhne"/>
+                            </a:rPr>
+                            <a:t>.</a:t>
+                          </a:r>
+                          <a:endParaRPr lang="en-US" sz="2800" b="0" kern="1200" baseline="0" dirty="0" smtClean="0">
+                            <a:solidFill>
+                              <a:schemeClr val="tx1"/>
+                            </a:solidFill>
+                            <a:effectLst/>
+                            <a:latin typeface="+mn-lt"/>
+                            <a:ea typeface="+mn-ea"/>
+                            <a:cs typeface="Open Sans Hebrew" panose="00000500000000000000" pitchFamily="2" charset="-79"/>
+                          </a:endParaRPr>
+                        </a:p>
+                      </a:txBody>
+                      <a:tcPr marL="137160" marR="137160" marT="137160" marB="137160">
+                        <a:lnL w="12700" cap="flat" cmpd="sng" algn="ctr">
+                          <a:noFill/>
+                          <a:prstDash val="solid"/>
+                          <a:round/>
+                          <a:headEnd type="none" w="med" len="med"/>
+                          <a:tailEnd type="none" w="med" len="med"/>
+                        </a:lnL>
+                        <a:lnR w="12700" cap="flat" cmpd="sng" algn="ctr">
+                          <a:noFill/>
+                          <a:prstDash val="solid"/>
+                          <a:round/>
+                          <a:headEnd type="none" w="med" len="med"/>
+                          <a:tailEnd type="none" w="med" len="med"/>
+                        </a:lnR>
+                        <a:lnT w="12700" cap="flat" cmpd="sng" algn="ctr">
+                          <a:noFill/>
+                          <a:prstDash val="solid"/>
+                          <a:round/>
+                          <a:headEnd type="none" w="med" len="med"/>
+                          <a:tailEnd type="none" w="med" len="med"/>
+                        </a:lnT>
+                        <a:lnB w="12700" cap="flat" cmpd="sng" algn="ctr">
+                          <a:noFill/>
+                          <a:prstDash val="solid"/>
+                          <a:round/>
+                          <a:headEnd type="none" w="med" len="med"/>
+                          <a:tailEnd type="none" w="med" len="med"/>
+                        </a:lnB>
+                        <a:lnTlToBr w="12700" cmpd="sng">
+                          <a:noFill/>
+                          <a:prstDash val="solid"/>
+                        </a:lnTlToBr>
+                        <a:lnBlToTr w="12700" cmpd="sng">
+                          <a:noFill/>
+                          <a:prstDash val="solid"/>
+                        </a:lnBlToTr>
+                      </a:tcPr>
+                    </a:tc>
+                    <a:tc>
+                      <a:txBody>
+                        <a:bodyPr/>
+                        <a:lstStyle/>
+                        <a:p>
+                          <a:pPr marL="0" marR="0" lvl="0" indent="0" algn="l" defTabSz="2519995" rtl="0" eaLnBrk="1" fontAlgn="auto" latinLnBrk="0" hangingPunct="1">
+                            <a:lnSpc>
+                              <a:spcPct val="100000"/>
+                            </a:lnSpc>
+                            <a:spcBef>
+                              <a:spcPts val="0"/>
+                            </a:spcBef>
+                            <a:spcAft>
+                              <a:spcPts val="0"/>
+                            </a:spcAft>
+                            <a:buClrTx/>
+                            <a:buSzTx/>
+                            <a:buFontTx/>
+                            <a:buNone/>
+                            <a:tabLst/>
+                            <a:defRPr/>
+                          </a:pPr>
+                          <a:endParaRPr lang="en-US" sz="2800" b="1" kern="1200" dirty="0" smtClean="0">
+                            <a:solidFill>
+                              <a:schemeClr val="tx1"/>
+                            </a:solidFill>
+                            <a:effectLst/>
+                            <a:latin typeface="+mn-lt"/>
+                            <a:ea typeface="+mn-ea"/>
+                            <a:cs typeface="Open Sans Hebrew" panose="00000500000000000000" pitchFamily="2" charset="-79"/>
+                          </a:endParaRPr>
+                        </a:p>
+                        <a:p>
+                          <a:pPr marL="0" marR="0" lvl="0" indent="0" algn="l" defTabSz="2519995" rtl="0" eaLnBrk="1" fontAlgn="auto" latinLnBrk="0" hangingPunct="1">
+                            <a:lnSpc>
+                              <a:spcPct val="100000"/>
+                            </a:lnSpc>
+                            <a:spcBef>
+                              <a:spcPts val="0"/>
+                            </a:spcBef>
+                            <a:spcAft>
+                              <a:spcPts val="0"/>
+                            </a:spcAft>
+                            <a:buClrTx/>
+                            <a:buSzTx/>
+                            <a:buFontTx/>
+                            <a:buNone/>
+                            <a:tabLst/>
+                            <a:defRPr/>
+                          </a:pPr>
+                          <a:r>
+                            <a:rPr lang="en-US" sz="2800" b="0" kern="1200" dirty="0" smtClean="0">
+                              <a:solidFill>
+                                <a:schemeClr val="tx1"/>
+                              </a:solidFill>
+                              <a:effectLst/>
+                              <a:latin typeface="+mn-lt"/>
+                              <a:ea typeface="+mn-ea"/>
+                              <a:cs typeface="Open Sans Hebrew" panose="00000500000000000000" pitchFamily="2" charset="-79"/>
+                            </a:rPr>
+                            <a:t>For the </a:t>
+                          </a:r>
+                          <a:r>
+                            <a:rPr lang="en-US" sz="2800" b="0" kern="1200" dirty="0" err="1" smtClean="0">
+                              <a:solidFill>
+                                <a:schemeClr val="tx1"/>
+                              </a:solidFill>
+                              <a:effectLst/>
+                              <a:latin typeface="+mn-lt"/>
+                              <a:ea typeface="+mn-ea"/>
+                              <a:cs typeface="Open Sans Hebrew" panose="00000500000000000000" pitchFamily="2" charset="-79"/>
+                            </a:rPr>
+                            <a:t>ToF</a:t>
+                          </a:r>
+                          <a:r>
+                            <a:rPr lang="en-US" sz="2800" b="0" kern="1200" dirty="0" smtClean="0">
+                              <a:solidFill>
+                                <a:schemeClr val="tx1"/>
+                              </a:solidFill>
+                              <a:effectLst/>
+                              <a:latin typeface="+mn-lt"/>
+                              <a:ea typeface="+mn-ea"/>
+                              <a:cs typeface="Open Sans Hebrew" panose="00000500000000000000" pitchFamily="2" charset="-79"/>
+                            </a:rPr>
+                            <a:t> sensor, we conducted a 'walk test' to assess its responsiveness to changes in distance. By approaching and then distancing from the sensor, we observed fluctuations in the mean sensor values, which effectively indicated increases and decreases in proximity.</a:t>
+                          </a:r>
+                        </a:p>
+                        <a:p>
+                          <a:pPr marL="0" marR="0" lvl="0" indent="0" algn="l" defTabSz="2519995" rtl="0" eaLnBrk="1" fontAlgn="auto" latinLnBrk="0" hangingPunct="1">
+                            <a:lnSpc>
+                              <a:spcPct val="100000"/>
+                            </a:lnSpc>
+                            <a:spcBef>
+                              <a:spcPts val="0"/>
+                            </a:spcBef>
+                            <a:spcAft>
+                              <a:spcPts val="0"/>
+                            </a:spcAft>
+                            <a:buClrTx/>
+                            <a:buSzTx/>
+                            <a:buFontTx/>
+                            <a:buNone/>
+                            <a:tabLst/>
+                            <a:defRPr/>
+                          </a:pPr>
+                          <a:endParaRPr lang="en-US" sz="2800" b="1" kern="1200" dirty="0" smtClean="0">
+                            <a:solidFill>
+                              <a:schemeClr val="tx1"/>
+                            </a:solidFill>
+                            <a:effectLst/>
+                            <a:latin typeface="+mn-lt"/>
+                            <a:ea typeface="+mn-ea"/>
+                            <a:cs typeface="Open Sans Hebrew" panose="00000500000000000000" pitchFamily="2" charset="-79"/>
+                          </a:endParaRPr>
+                        </a:p>
+                        <a:p>
+                          <a:pPr marL="0" marR="0" lvl="0" indent="0" algn="l" defTabSz="2519995" rtl="0" eaLnBrk="1" fontAlgn="auto" latinLnBrk="0" hangingPunct="1">
+                            <a:lnSpc>
+                              <a:spcPct val="100000"/>
+                            </a:lnSpc>
+                            <a:spcBef>
+                              <a:spcPts val="0"/>
+                            </a:spcBef>
+                            <a:spcAft>
+                              <a:spcPts val="0"/>
+                            </a:spcAft>
+                            <a:buClrTx/>
+                            <a:buSzTx/>
+                            <a:buFontTx/>
+                            <a:buNone/>
+                            <a:tabLst/>
+                            <a:defRPr/>
+                          </a:pPr>
+                          <a:endParaRPr lang="en-US" sz="2800" b="1" kern="1200" dirty="0" smtClean="0">
+                            <a:solidFill>
+                              <a:schemeClr val="tx1"/>
+                            </a:solidFill>
+                            <a:effectLst/>
+                            <a:latin typeface="+mn-lt"/>
+                            <a:ea typeface="+mn-ea"/>
+                            <a:cs typeface="Open Sans Hebrew" panose="00000500000000000000" pitchFamily="2" charset="-79"/>
+                          </a:endParaRPr>
+                        </a:p>
+                        <a:p>
+                          <a:pPr marL="0" marR="0" lvl="0" indent="0" algn="l" defTabSz="2519995" rtl="0" eaLnBrk="1" fontAlgn="auto" latinLnBrk="0" hangingPunct="1">
+                            <a:lnSpc>
+                              <a:spcPct val="100000"/>
+                            </a:lnSpc>
+                            <a:spcBef>
+                              <a:spcPts val="0"/>
+                            </a:spcBef>
+                            <a:spcAft>
+                              <a:spcPts val="0"/>
+                            </a:spcAft>
+                            <a:buClrTx/>
+                            <a:buSzTx/>
+                            <a:buFontTx/>
+                            <a:buNone/>
+                            <a:tabLst/>
+                            <a:defRPr/>
+                          </a:pPr>
+                          <a:endParaRPr lang="en-US" sz="2800" b="1" kern="1200" dirty="0" smtClean="0">
+                            <a:solidFill>
+                              <a:schemeClr val="tx1"/>
+                            </a:solidFill>
+                            <a:effectLst/>
+                            <a:latin typeface="+mn-lt"/>
+                            <a:ea typeface="+mn-ea"/>
+                            <a:cs typeface="Open Sans Hebrew" panose="00000500000000000000" pitchFamily="2" charset="-79"/>
+                          </a:endParaRPr>
+                        </a:p>
+                        <a:p>
+                          <a:pPr marL="0" marR="0" lvl="0" indent="0" algn="l" defTabSz="2519995" rtl="0" eaLnBrk="1" fontAlgn="auto" latinLnBrk="0" hangingPunct="1">
+                            <a:lnSpc>
+                              <a:spcPct val="100000"/>
+                            </a:lnSpc>
+                            <a:spcBef>
+                              <a:spcPts val="0"/>
+                            </a:spcBef>
+                            <a:spcAft>
+                              <a:spcPts val="0"/>
+                            </a:spcAft>
+                            <a:buClrTx/>
+                            <a:buSzTx/>
+                            <a:buFontTx/>
+                            <a:buNone/>
+                            <a:tabLst/>
+                            <a:defRPr/>
+                          </a:pPr>
+                          <a:endParaRPr lang="en-US" sz="2800" b="1" kern="1200" dirty="0" smtClean="0">
+                            <a:solidFill>
+                              <a:schemeClr val="tx1"/>
+                            </a:solidFill>
+                            <a:effectLst/>
+                            <a:latin typeface="+mn-lt"/>
+                            <a:ea typeface="+mn-ea"/>
+                            <a:cs typeface="Open Sans Hebrew" panose="00000500000000000000" pitchFamily="2" charset="-79"/>
+                          </a:endParaRPr>
+                        </a:p>
+                        <a:p>
+                          <a:pPr marL="0" marR="0" lvl="0" indent="0" algn="l" defTabSz="2519995" rtl="0" eaLnBrk="1" fontAlgn="auto" latinLnBrk="0" hangingPunct="1">
+                            <a:lnSpc>
+                              <a:spcPct val="100000"/>
+                            </a:lnSpc>
+                            <a:spcBef>
+                              <a:spcPts val="0"/>
+                            </a:spcBef>
+                            <a:spcAft>
+                              <a:spcPts val="0"/>
+                            </a:spcAft>
+                            <a:buClrTx/>
+                            <a:buSzTx/>
+                            <a:buFontTx/>
+                            <a:buNone/>
+                            <a:tabLst/>
+                            <a:defRPr/>
+                          </a:pPr>
+                          <a:endParaRPr lang="en-US" sz="2800" b="1" kern="1200" dirty="0" smtClean="0">
+                            <a:solidFill>
+                              <a:schemeClr val="tx1"/>
+                            </a:solidFill>
+                            <a:effectLst/>
+                            <a:latin typeface="+mn-lt"/>
+                            <a:ea typeface="+mn-ea"/>
+                            <a:cs typeface="Open Sans Hebrew" panose="00000500000000000000" pitchFamily="2" charset="-79"/>
+                          </a:endParaRPr>
+                        </a:p>
+                        <a:p>
+                          <a:pPr marL="0" marR="0" lvl="0" indent="0" algn="l" defTabSz="2519995" rtl="0" eaLnBrk="1" fontAlgn="auto" latinLnBrk="0" hangingPunct="1">
+                            <a:lnSpc>
+                              <a:spcPct val="100000"/>
+                            </a:lnSpc>
+                            <a:spcBef>
+                              <a:spcPts val="0"/>
+                            </a:spcBef>
+                            <a:spcAft>
+                              <a:spcPts val="0"/>
+                            </a:spcAft>
+                            <a:buClrTx/>
+                            <a:buSzTx/>
+                            <a:buFontTx/>
+                            <a:buNone/>
+                            <a:tabLst/>
+                            <a:defRPr/>
+                          </a:pPr>
+                          <a:endParaRPr lang="en-US" sz="2800" b="1" kern="1200" dirty="0" smtClean="0">
+                            <a:solidFill>
+                              <a:schemeClr val="tx1"/>
+                            </a:solidFill>
+                            <a:effectLst/>
+                            <a:latin typeface="+mn-lt"/>
+                            <a:ea typeface="+mn-ea"/>
+                            <a:cs typeface="Open Sans Hebrew" panose="00000500000000000000" pitchFamily="2" charset="-79"/>
+                          </a:endParaRPr>
+                        </a:p>
+                        <a:p>
+                          <a:pPr marL="0" marR="0" lvl="0" indent="0" algn="l" defTabSz="2519995" rtl="0" eaLnBrk="1" fontAlgn="auto" latinLnBrk="0" hangingPunct="1">
+                            <a:lnSpc>
+                              <a:spcPct val="100000"/>
+                            </a:lnSpc>
+                            <a:spcBef>
+                              <a:spcPts val="0"/>
+                            </a:spcBef>
+                            <a:spcAft>
+                              <a:spcPts val="0"/>
+                            </a:spcAft>
+                            <a:buClrTx/>
+                            <a:buSzTx/>
+                            <a:buFontTx/>
+                            <a:buNone/>
+                            <a:tabLst/>
+                            <a:defRPr/>
+                          </a:pPr>
+                          <a:endParaRPr lang="en-US" sz="2800" b="1" kern="1200" dirty="0" smtClean="0">
+                            <a:solidFill>
+                              <a:schemeClr val="tx1"/>
+                            </a:solidFill>
+                            <a:effectLst/>
+                            <a:latin typeface="+mn-lt"/>
+                            <a:ea typeface="+mn-ea"/>
+                            <a:cs typeface="Open Sans Hebrew" panose="00000500000000000000" pitchFamily="2" charset="-79"/>
+                          </a:endParaRPr>
+                        </a:p>
+                        <a:p>
+                          <a:pPr marL="0" marR="0" lvl="0" indent="0" algn="l" defTabSz="2519995" rtl="0" eaLnBrk="1" fontAlgn="auto" latinLnBrk="0" hangingPunct="1">
+                            <a:lnSpc>
+                              <a:spcPct val="100000"/>
+                            </a:lnSpc>
+                            <a:spcBef>
+                              <a:spcPts val="0"/>
+                            </a:spcBef>
+                            <a:spcAft>
+                              <a:spcPts val="0"/>
+                            </a:spcAft>
+                            <a:buClrTx/>
+                            <a:buSzTx/>
+                            <a:buFontTx/>
+                            <a:buNone/>
+                            <a:tabLst/>
+                            <a:defRPr/>
+                          </a:pPr>
+                          <a:endParaRPr lang="en-US" sz="2800" b="1" kern="1200" dirty="0" smtClean="0">
+                            <a:solidFill>
+                              <a:schemeClr val="tx1"/>
+                            </a:solidFill>
+                            <a:effectLst/>
+                            <a:latin typeface="+mn-lt"/>
+                            <a:ea typeface="+mn-ea"/>
+                            <a:cs typeface="Open Sans Hebrew" panose="00000500000000000000" pitchFamily="2" charset="-79"/>
+                          </a:endParaRPr>
+                        </a:p>
+                        <a:p>
+                          <a:pPr marL="0" marR="0" lvl="0" indent="0" algn="l" defTabSz="2519995" rtl="0" eaLnBrk="1" fontAlgn="auto" latinLnBrk="0" hangingPunct="1">
+                            <a:lnSpc>
+                              <a:spcPct val="100000"/>
+                            </a:lnSpc>
+                            <a:spcBef>
+                              <a:spcPts val="0"/>
+                            </a:spcBef>
+                            <a:spcAft>
+                              <a:spcPts val="0"/>
+                            </a:spcAft>
+                            <a:buClrTx/>
+                            <a:buSzTx/>
+                            <a:buFontTx/>
+                            <a:buNone/>
+                            <a:tabLst/>
+                            <a:defRPr/>
+                          </a:pPr>
+                          <a:endParaRPr lang="en-US" sz="2800" b="1" kern="1200" dirty="0" smtClean="0">
+                            <a:solidFill>
+                              <a:schemeClr val="tx1"/>
+                            </a:solidFill>
+                            <a:effectLst/>
+                            <a:latin typeface="+mn-lt"/>
+                            <a:ea typeface="+mn-ea"/>
+                            <a:cs typeface="Open Sans Hebrew" panose="00000500000000000000" pitchFamily="2" charset="-79"/>
+                          </a:endParaRPr>
+                        </a:p>
+                        <a:p>
+                          <a:pPr marL="0" marR="0" lvl="0" indent="0" algn="l" defTabSz="2519995" rtl="0" eaLnBrk="1" fontAlgn="auto" latinLnBrk="0" hangingPunct="1">
+                            <a:lnSpc>
+                              <a:spcPct val="100000"/>
+                            </a:lnSpc>
+                            <a:spcBef>
+                              <a:spcPts val="0"/>
+                            </a:spcBef>
+                            <a:spcAft>
+                              <a:spcPts val="0"/>
+                            </a:spcAft>
+                            <a:buClrTx/>
+                            <a:buSzTx/>
+                            <a:buFontTx/>
+                            <a:buNone/>
+                            <a:tabLst/>
+                            <a:defRPr/>
+                          </a:pPr>
+                          <a:endParaRPr lang="en-US" sz="2800" b="1" kern="1200" dirty="0" smtClean="0">
+                            <a:solidFill>
+                              <a:schemeClr val="tx1"/>
+                            </a:solidFill>
+                            <a:effectLst/>
+                            <a:latin typeface="+mn-lt"/>
+                            <a:ea typeface="+mn-ea"/>
+                            <a:cs typeface="Open Sans Hebrew" panose="00000500000000000000" pitchFamily="2" charset="-79"/>
+                          </a:endParaRPr>
+                        </a:p>
+                        <a:p>
+                          <a:pPr marL="0" marR="0" lvl="0" indent="0" algn="l" defTabSz="2519995" rtl="0" eaLnBrk="1" fontAlgn="auto" latinLnBrk="0" hangingPunct="1">
+                            <a:lnSpc>
+                              <a:spcPct val="100000"/>
+                            </a:lnSpc>
+                            <a:spcBef>
+                              <a:spcPts val="0"/>
+                            </a:spcBef>
+                            <a:spcAft>
+                              <a:spcPts val="0"/>
+                            </a:spcAft>
+                            <a:buClrTx/>
+                            <a:buSzTx/>
+                            <a:buFontTx/>
+                            <a:buNone/>
+                            <a:tabLst/>
+                            <a:defRPr/>
+                          </a:pPr>
+                          <a:endParaRPr lang="en-US" sz="2800" b="1" kern="1200" dirty="0" smtClean="0">
+                            <a:solidFill>
+                              <a:schemeClr val="tx1"/>
+                            </a:solidFill>
+                            <a:effectLst/>
+                            <a:latin typeface="+mn-lt"/>
+                            <a:ea typeface="+mn-ea"/>
+                            <a:cs typeface="Open Sans Hebrew" panose="00000500000000000000" pitchFamily="2" charset="-79"/>
+                          </a:endParaRPr>
+                        </a:p>
+                        <a:p>
+                          <a:pPr marL="0" marR="0" lvl="0" indent="0" algn="l" defTabSz="2519995" rtl="0" eaLnBrk="1" fontAlgn="auto" latinLnBrk="0" hangingPunct="1">
+                            <a:lnSpc>
+                              <a:spcPct val="100000"/>
+                            </a:lnSpc>
+                            <a:spcBef>
+                              <a:spcPts val="0"/>
+                            </a:spcBef>
+                            <a:spcAft>
+                              <a:spcPts val="0"/>
+                            </a:spcAft>
+                            <a:buClrTx/>
+                            <a:buSzTx/>
+                            <a:buFontTx/>
+                            <a:buNone/>
+                            <a:tabLst/>
+                            <a:defRPr/>
+                          </a:pPr>
+                          <a:r>
+                            <a:rPr lang="en-US" sz="2800" b="0" i="0" dirty="0" smtClean="0">
+                              <a:solidFill>
+                                <a:srgbClr val="0D0D0D"/>
+                              </a:solidFill>
+                              <a:effectLst/>
+                              <a:latin typeface="Söhne"/>
+                            </a:rPr>
+                            <a:t>We conducted a series of press tests on the FSR to evaluate its sensitivity and responsiveness. The sensor was repeatedly compressed and released to verify its ability to consistently register pressure changes.</a:t>
+                          </a:r>
+                          <a:endParaRPr lang="en-US" sz="2800" b="1" kern="1200" dirty="0" smtClean="0">
+                            <a:solidFill>
+                              <a:schemeClr val="tx1"/>
+                            </a:solidFill>
+                            <a:effectLst/>
+                            <a:latin typeface="+mn-lt"/>
+                            <a:ea typeface="+mn-ea"/>
+                            <a:cs typeface="Open Sans Hebrew" panose="00000500000000000000" pitchFamily="2" charset="-79"/>
+                          </a:endParaRPr>
+                        </a:p>
+                        <a:p>
+                          <a:pPr marL="0" marR="0" lvl="0" indent="0" algn="l" defTabSz="2519995" rtl="0" eaLnBrk="1" fontAlgn="auto" latinLnBrk="0" hangingPunct="1">
+                            <a:lnSpc>
+                              <a:spcPct val="100000"/>
+                            </a:lnSpc>
+                            <a:spcBef>
+                              <a:spcPts val="0"/>
+                            </a:spcBef>
+                            <a:spcAft>
+                              <a:spcPts val="0"/>
+                            </a:spcAft>
+                            <a:buClrTx/>
+                            <a:buSzTx/>
+                            <a:buFontTx/>
+                            <a:buNone/>
+                            <a:tabLst/>
+                            <a:defRPr/>
+                          </a:pPr>
+                          <a:endParaRPr lang="en-US" sz="2800" b="1" kern="1200" dirty="0" smtClean="0">
+                            <a:solidFill>
+                              <a:schemeClr val="tx1"/>
+                            </a:solidFill>
+                            <a:effectLst/>
+                            <a:latin typeface="+mn-lt"/>
+                            <a:ea typeface="+mn-ea"/>
+                            <a:cs typeface="Open Sans Hebrew" panose="00000500000000000000" pitchFamily="2" charset="-79"/>
+                          </a:endParaRPr>
+                        </a:p>
+                        <a:p>
+                          <a:pPr marL="0" marR="0" lvl="0" indent="0" algn="l" defTabSz="2519995" rtl="0" eaLnBrk="1" fontAlgn="auto" latinLnBrk="0" hangingPunct="1">
+                            <a:lnSpc>
+                              <a:spcPct val="100000"/>
+                            </a:lnSpc>
+                            <a:spcBef>
+                              <a:spcPts val="0"/>
+                            </a:spcBef>
+                            <a:spcAft>
+                              <a:spcPts val="0"/>
+                            </a:spcAft>
+                            <a:buClrTx/>
+                            <a:buSzTx/>
+                            <a:buFontTx/>
+                            <a:buNone/>
+                            <a:tabLst/>
+                            <a:defRPr/>
+                          </a:pPr>
+                          <a:endParaRPr lang="en-US" sz="2800" b="1" kern="1200" dirty="0" smtClean="0">
+                            <a:solidFill>
+                              <a:schemeClr val="tx1"/>
+                            </a:solidFill>
+                            <a:effectLst/>
+                            <a:latin typeface="+mn-lt"/>
+                            <a:ea typeface="+mn-ea"/>
+                            <a:cs typeface="Open Sans Hebrew" panose="00000500000000000000" pitchFamily="2" charset="-79"/>
+                          </a:endParaRPr>
+                        </a:p>
+                        <a:p>
+                          <a:pPr marL="0" marR="0" lvl="0" indent="0" algn="l" defTabSz="2519995" rtl="0" eaLnBrk="1" fontAlgn="auto" latinLnBrk="0" hangingPunct="1">
+                            <a:lnSpc>
+                              <a:spcPct val="100000"/>
+                            </a:lnSpc>
+                            <a:spcBef>
+                              <a:spcPts val="0"/>
+                            </a:spcBef>
+                            <a:spcAft>
+                              <a:spcPts val="0"/>
+                            </a:spcAft>
+                            <a:buClrTx/>
+                            <a:buSzTx/>
+                            <a:buFontTx/>
+                            <a:buNone/>
+                            <a:tabLst/>
+                            <a:defRPr/>
+                          </a:pPr>
+                          <a:endParaRPr lang="en-US" sz="2800" b="1" kern="1200" dirty="0" smtClean="0">
+                            <a:solidFill>
+                              <a:schemeClr val="tx1"/>
+                            </a:solidFill>
+                            <a:effectLst/>
+                            <a:latin typeface="+mn-lt"/>
+                            <a:ea typeface="+mn-ea"/>
+                            <a:cs typeface="Open Sans Hebrew" panose="00000500000000000000" pitchFamily="2" charset="-79"/>
+                          </a:endParaRPr>
+                        </a:p>
+                        <a:p>
+                          <a:pPr marL="0" marR="0" lvl="0" indent="0" algn="l" defTabSz="2519995" rtl="0" eaLnBrk="1" fontAlgn="auto" latinLnBrk="0" hangingPunct="1">
+                            <a:lnSpc>
+                              <a:spcPct val="100000"/>
+                            </a:lnSpc>
+                            <a:spcBef>
+                              <a:spcPts val="0"/>
+                            </a:spcBef>
+                            <a:spcAft>
+                              <a:spcPts val="0"/>
+                            </a:spcAft>
+                            <a:buClrTx/>
+                            <a:buSzTx/>
+                            <a:buFontTx/>
+                            <a:buNone/>
+                            <a:tabLst/>
+                            <a:defRPr/>
+                          </a:pPr>
+                          <a:endParaRPr lang="en-US" sz="2800" b="1" kern="1200" dirty="0" smtClean="0">
+                            <a:solidFill>
+                              <a:schemeClr val="tx1"/>
+                            </a:solidFill>
+                            <a:effectLst/>
+                            <a:latin typeface="+mn-lt"/>
+                            <a:ea typeface="+mn-ea"/>
+                            <a:cs typeface="Open Sans Hebrew" panose="00000500000000000000" pitchFamily="2" charset="-79"/>
+                          </a:endParaRPr>
+                        </a:p>
+                        <a:p>
+                          <a:pPr marL="0" marR="0" lvl="0" indent="0" algn="l" defTabSz="2519995" rtl="0" eaLnBrk="1" fontAlgn="auto" latinLnBrk="0" hangingPunct="1">
+                            <a:lnSpc>
+                              <a:spcPct val="100000"/>
+                            </a:lnSpc>
+                            <a:spcBef>
+                              <a:spcPts val="0"/>
+                            </a:spcBef>
+                            <a:spcAft>
+                              <a:spcPts val="0"/>
+                            </a:spcAft>
+                            <a:buClrTx/>
+                            <a:buSzTx/>
+                            <a:buFontTx/>
+                            <a:buNone/>
+                            <a:tabLst/>
+                            <a:defRPr/>
+                          </a:pPr>
+                          <a:endParaRPr lang="en-US" sz="2800" b="1" kern="1200" dirty="0" smtClean="0">
+                            <a:solidFill>
+                              <a:schemeClr val="tx1"/>
+                            </a:solidFill>
+                            <a:effectLst/>
+                            <a:latin typeface="+mn-lt"/>
+                            <a:ea typeface="+mn-ea"/>
+                            <a:cs typeface="Open Sans Hebrew" panose="00000500000000000000" pitchFamily="2" charset="-79"/>
+                          </a:endParaRPr>
+                        </a:p>
+                        <a:p>
+                          <a:pPr marL="0" marR="0" lvl="0" indent="0" algn="l" defTabSz="2519995" rtl="0" eaLnBrk="1" fontAlgn="auto" latinLnBrk="0" hangingPunct="1">
+                            <a:lnSpc>
+                              <a:spcPct val="100000"/>
+                            </a:lnSpc>
+                            <a:spcBef>
+                              <a:spcPts val="0"/>
+                            </a:spcBef>
+                            <a:spcAft>
+                              <a:spcPts val="0"/>
+                            </a:spcAft>
+                            <a:buClrTx/>
+                            <a:buSzTx/>
+                            <a:buFontTx/>
+                            <a:buNone/>
+                            <a:tabLst/>
+                            <a:defRPr/>
+                          </a:pPr>
+                          <a:endParaRPr lang="en-US" sz="2800" b="1" kern="1200" dirty="0" smtClean="0">
+                            <a:solidFill>
+                              <a:schemeClr val="tx1"/>
+                            </a:solidFill>
+                            <a:effectLst/>
+                            <a:latin typeface="+mn-lt"/>
+                            <a:ea typeface="+mn-ea"/>
+                            <a:cs typeface="Open Sans Hebrew" panose="00000500000000000000" pitchFamily="2" charset="-79"/>
+                          </a:endParaRPr>
+                        </a:p>
+                        <a:p>
+                          <a:pPr marL="0" marR="0" lvl="0" indent="0" algn="l" defTabSz="2519995" rtl="0" eaLnBrk="1" fontAlgn="auto" latinLnBrk="0" hangingPunct="1">
+                            <a:lnSpc>
+                              <a:spcPct val="100000"/>
+                            </a:lnSpc>
+                            <a:spcBef>
+                              <a:spcPts val="0"/>
+                            </a:spcBef>
+                            <a:spcAft>
+                              <a:spcPts val="0"/>
+                            </a:spcAft>
+                            <a:buClrTx/>
+                            <a:buSzTx/>
+                            <a:buFontTx/>
+                            <a:buNone/>
+                            <a:tabLst/>
+                            <a:defRPr/>
+                          </a:pPr>
+                          <a:endParaRPr lang="en-US" sz="2800" b="1" kern="1200" dirty="0" smtClean="0">
+                            <a:solidFill>
+                              <a:schemeClr val="tx1"/>
+                            </a:solidFill>
+                            <a:effectLst/>
+                            <a:latin typeface="+mn-lt"/>
+                            <a:ea typeface="+mn-ea"/>
+                            <a:cs typeface="Open Sans Hebrew" panose="00000500000000000000" pitchFamily="2" charset="-79"/>
+                          </a:endParaRPr>
+                        </a:p>
+                        <a:p>
+                          <a:pPr marL="0" marR="0" lvl="0" indent="0" algn="l" defTabSz="2519995" rtl="0" eaLnBrk="1" fontAlgn="auto" latinLnBrk="0" hangingPunct="1">
+                            <a:lnSpc>
+                              <a:spcPct val="100000"/>
+                            </a:lnSpc>
+                            <a:spcBef>
+                              <a:spcPts val="0"/>
+                            </a:spcBef>
+                            <a:spcAft>
+                              <a:spcPts val="0"/>
+                            </a:spcAft>
+                            <a:buClrTx/>
+                            <a:buSzTx/>
+                            <a:buFontTx/>
+                            <a:buNone/>
+                            <a:tabLst/>
+                            <a:defRPr/>
+                          </a:pPr>
+                          <a:endParaRPr lang="en-US" sz="2800" b="1" kern="1200" dirty="0" smtClean="0">
+                            <a:solidFill>
+                              <a:schemeClr val="tx1"/>
+                            </a:solidFill>
+                            <a:effectLst/>
+                            <a:latin typeface="+mn-lt"/>
+                            <a:ea typeface="+mn-ea"/>
+                            <a:cs typeface="Open Sans Hebrew" panose="00000500000000000000" pitchFamily="2" charset="-79"/>
+                          </a:endParaRPr>
+                        </a:p>
+                        <a:p>
+                          <a:pPr marL="0" marR="0" lvl="0" indent="0" algn="l" defTabSz="2519995" rtl="0" eaLnBrk="1" fontAlgn="auto" latinLnBrk="0" hangingPunct="1">
+                            <a:lnSpc>
+                              <a:spcPct val="100000"/>
+                            </a:lnSpc>
+                            <a:spcBef>
+                              <a:spcPts val="0"/>
+                            </a:spcBef>
+                            <a:spcAft>
+                              <a:spcPts val="0"/>
+                            </a:spcAft>
+                            <a:buClrTx/>
+                            <a:buSzTx/>
+                            <a:buFontTx/>
+                            <a:buNone/>
+                            <a:tabLst/>
+                            <a:defRPr/>
+                          </a:pPr>
+                          <a:endParaRPr lang="en-US" sz="2800" b="1" kern="1200" dirty="0" smtClean="0">
+                            <a:solidFill>
+                              <a:schemeClr val="tx1"/>
+                            </a:solidFill>
+                            <a:effectLst/>
+                            <a:latin typeface="+mn-lt"/>
+                            <a:ea typeface="+mn-ea"/>
+                            <a:cs typeface="Open Sans Hebrew" panose="00000500000000000000" pitchFamily="2" charset="-79"/>
+                          </a:endParaRPr>
+                        </a:p>
+                        <a:p>
+                          <a:pPr marL="0" marR="0" lvl="0" indent="0" algn="l" defTabSz="2519995" rtl="0" eaLnBrk="1" fontAlgn="auto" latinLnBrk="0" hangingPunct="1">
+                            <a:lnSpc>
+                              <a:spcPct val="100000"/>
+                            </a:lnSpc>
+                            <a:spcBef>
+                              <a:spcPts val="0"/>
+                            </a:spcBef>
+                            <a:spcAft>
+                              <a:spcPts val="0"/>
+                            </a:spcAft>
+                            <a:buClrTx/>
+                            <a:buSzTx/>
+                            <a:buFontTx/>
+                            <a:buNone/>
+                            <a:tabLst/>
+                            <a:defRPr/>
+                          </a:pPr>
+                          <a:endParaRPr lang="en-US" sz="2800" b="1" kern="1200" dirty="0" smtClean="0">
+                            <a:solidFill>
+                              <a:schemeClr val="tx1"/>
+                            </a:solidFill>
+                            <a:effectLst/>
+                            <a:latin typeface="+mn-lt"/>
+                            <a:ea typeface="+mn-ea"/>
+                            <a:cs typeface="Open Sans Hebrew" panose="00000500000000000000" pitchFamily="2" charset="-79"/>
+                          </a:endParaRPr>
+                        </a:p>
+                        <a:p>
+                          <a:pPr marL="0" marR="0" lvl="0" indent="0" algn="l" defTabSz="2519995" rtl="0" eaLnBrk="1" fontAlgn="auto" latinLnBrk="0" hangingPunct="1">
+                            <a:lnSpc>
+                              <a:spcPct val="100000"/>
+                            </a:lnSpc>
+                            <a:spcBef>
+                              <a:spcPts val="0"/>
+                            </a:spcBef>
+                            <a:spcAft>
+                              <a:spcPts val="0"/>
+                            </a:spcAft>
+                            <a:buClrTx/>
+                            <a:buSzTx/>
+                            <a:buFontTx/>
+                            <a:buNone/>
+                            <a:tabLst/>
+                            <a:defRPr/>
+                          </a:pPr>
+                          <a:endParaRPr lang="en-US" sz="2800" b="1" kern="1200" dirty="0" smtClean="0">
+                            <a:solidFill>
+                              <a:schemeClr val="tx1"/>
+                            </a:solidFill>
+                            <a:effectLst/>
+                            <a:latin typeface="+mn-lt"/>
+                            <a:ea typeface="+mn-ea"/>
+                            <a:cs typeface="Open Sans Hebrew" panose="00000500000000000000" pitchFamily="2" charset="-79"/>
+                          </a:endParaRPr>
+                        </a:p>
+                        <a:p>
+                          <a:pPr marL="0" marR="0" lvl="0" indent="0" algn="l" defTabSz="2519995" rtl="0" eaLnBrk="1" fontAlgn="auto" latinLnBrk="0" hangingPunct="1">
+                            <a:lnSpc>
+                              <a:spcPct val="100000"/>
+                            </a:lnSpc>
+                            <a:spcBef>
+                              <a:spcPts val="0"/>
+                            </a:spcBef>
+                            <a:spcAft>
+                              <a:spcPts val="0"/>
+                            </a:spcAft>
+                            <a:buClrTx/>
+                            <a:buSzTx/>
+                            <a:buFontTx/>
+                            <a:buNone/>
+                            <a:tabLst/>
+                            <a:defRPr/>
+                          </a:pPr>
+                          <a:r>
+                            <a:rPr lang="en-US" sz="2800" b="0" kern="1200" dirty="0" smtClean="0">
+                              <a:solidFill>
+                                <a:schemeClr val="tx1"/>
+                              </a:solidFill>
+                              <a:effectLst/>
+                              <a:latin typeface="+mn-lt"/>
+                              <a:ea typeface="+mn-ea"/>
+                              <a:cs typeface="Open Sans Hebrew" panose="00000500000000000000" pitchFamily="2" charset="-79"/>
+                            </a:rPr>
+                            <a:t>We’ve managed to create an standalone</a:t>
+                          </a:r>
+                          <a:r>
+                            <a:rPr lang="en-US" sz="2800" b="0" kern="1200" baseline="0" dirty="0" smtClean="0">
+                              <a:solidFill>
+                                <a:schemeClr val="tx1"/>
+                              </a:solidFill>
+                              <a:effectLst/>
+                              <a:latin typeface="+mn-lt"/>
+                              <a:ea typeface="+mn-ea"/>
+                              <a:cs typeface="Open Sans Hebrew" panose="00000500000000000000" pitchFamily="2" charset="-79"/>
+                            </a:rPr>
+                            <a:t> mode and slave mode API’s</a:t>
+                          </a:r>
+                        </a:p>
+                        <a:p>
+                          <a:pPr marL="0" marR="0" lvl="0" indent="0" algn="l" defTabSz="2519995" rtl="0" eaLnBrk="1" fontAlgn="auto" latinLnBrk="0" hangingPunct="1">
+                            <a:lnSpc>
+                              <a:spcPct val="100000"/>
+                            </a:lnSpc>
+                            <a:spcBef>
+                              <a:spcPts val="0"/>
+                            </a:spcBef>
+                            <a:spcAft>
+                              <a:spcPts val="0"/>
+                            </a:spcAft>
+                            <a:buClrTx/>
+                            <a:buSzTx/>
+                            <a:buFontTx/>
+                            <a:buNone/>
+                            <a:tabLst/>
+                            <a:defRPr/>
+                          </a:pPr>
+                          <a:endParaRPr lang="en-US" sz="2800" b="0" kern="1200" dirty="0" smtClean="0">
+                            <a:solidFill>
+                              <a:schemeClr val="tx1"/>
+                            </a:solidFill>
+                            <a:effectLst/>
+                            <a:latin typeface="+mn-lt"/>
+                            <a:ea typeface="+mn-ea"/>
+                            <a:cs typeface="Open Sans Hebrew" panose="00000500000000000000" pitchFamily="2" charset="-79"/>
+                          </a:endParaRPr>
+                        </a:p>
+                        <a:p>
+                          <a:pPr marL="0" marR="0" lvl="0" indent="0" algn="l" defTabSz="2519995" rtl="0" eaLnBrk="1" fontAlgn="auto" latinLnBrk="0" hangingPunct="1">
+                            <a:lnSpc>
+                              <a:spcPct val="100000"/>
+                            </a:lnSpc>
+                            <a:spcBef>
+                              <a:spcPts val="0"/>
+                            </a:spcBef>
+                            <a:spcAft>
+                              <a:spcPts val="0"/>
+                            </a:spcAft>
+                            <a:buClrTx/>
+                            <a:buSzTx/>
+                            <a:buFontTx/>
+                            <a:buNone/>
+                            <a:tabLst/>
+                            <a:defRPr/>
+                          </a:pPr>
+                          <a:endParaRPr lang="en-US" sz="2800" b="0" kern="1200" dirty="0" smtClean="0">
+                            <a:solidFill>
+                              <a:schemeClr val="tx1"/>
+                            </a:solidFill>
+                            <a:effectLst/>
+                            <a:latin typeface="+mn-lt"/>
+                            <a:ea typeface="+mn-ea"/>
+                            <a:cs typeface="Open Sans Hebrew" panose="00000500000000000000" pitchFamily="2" charset="-79"/>
+                          </a:endParaRPr>
+                        </a:p>
+                        <a:p>
+                          <a:pPr marL="0" marR="0" lvl="0" indent="0" algn="l" defTabSz="2519995" rtl="0" eaLnBrk="1" fontAlgn="auto" latinLnBrk="0" hangingPunct="1">
+                            <a:lnSpc>
+                              <a:spcPct val="100000"/>
+                            </a:lnSpc>
+                            <a:spcBef>
+                              <a:spcPts val="0"/>
+                            </a:spcBef>
+                            <a:spcAft>
+                              <a:spcPts val="0"/>
+                            </a:spcAft>
+                            <a:buClrTx/>
+                            <a:buSzTx/>
+                            <a:buFontTx/>
+                            <a:buNone/>
+                            <a:tabLst/>
+                            <a:defRPr/>
+                          </a:pPr>
+                          <a:endParaRPr lang="en-US" sz="2800" b="0" kern="1200" dirty="0" smtClean="0">
+                            <a:solidFill>
+                              <a:schemeClr val="tx1"/>
+                            </a:solidFill>
+                            <a:effectLst/>
+                            <a:latin typeface="+mn-lt"/>
+                            <a:ea typeface="+mn-ea"/>
+                            <a:cs typeface="Open Sans Hebrew" panose="00000500000000000000" pitchFamily="2" charset="-79"/>
+                          </a:endParaRPr>
+                        </a:p>
+                        <a:p>
+                          <a:pPr marL="0" marR="0" lvl="0" indent="0" algn="l" defTabSz="2519995" rtl="0" eaLnBrk="1" fontAlgn="auto" latinLnBrk="0" hangingPunct="1">
+                            <a:lnSpc>
+                              <a:spcPct val="100000"/>
+                            </a:lnSpc>
+                            <a:spcBef>
+                              <a:spcPts val="0"/>
+                            </a:spcBef>
+                            <a:spcAft>
+                              <a:spcPts val="0"/>
+                            </a:spcAft>
+                            <a:buClrTx/>
+                            <a:buSzTx/>
+                            <a:buFontTx/>
+                            <a:buNone/>
+                            <a:tabLst/>
+                            <a:defRPr/>
+                          </a:pPr>
+                          <a:endParaRPr lang="en-US" sz="2800" b="0" kern="1200" dirty="0" smtClean="0">
+                            <a:solidFill>
+                              <a:schemeClr val="tx1"/>
+                            </a:solidFill>
+                            <a:effectLst/>
+                            <a:latin typeface="+mn-lt"/>
+                            <a:ea typeface="+mn-ea"/>
+                            <a:cs typeface="Open Sans Hebrew" panose="00000500000000000000" pitchFamily="2" charset="-79"/>
+                          </a:endParaRPr>
+                        </a:p>
+                        <a:p>
+                          <a:pPr marL="0" marR="0" lvl="0" indent="0" algn="l" defTabSz="2519995" rtl="0" eaLnBrk="1" fontAlgn="auto" latinLnBrk="0" hangingPunct="1">
+                            <a:lnSpc>
+                              <a:spcPct val="100000"/>
+                            </a:lnSpc>
+                            <a:spcBef>
+                              <a:spcPts val="0"/>
+                            </a:spcBef>
+                            <a:spcAft>
+                              <a:spcPts val="0"/>
+                            </a:spcAft>
+                            <a:buClrTx/>
+                            <a:buSzTx/>
+                            <a:buFontTx/>
+                            <a:buNone/>
+                            <a:tabLst/>
+                            <a:defRPr/>
+                          </a:pPr>
+                          <a:endParaRPr lang="en-US" sz="2800" b="0" kern="1200" dirty="0" smtClean="0">
+                            <a:solidFill>
+                              <a:schemeClr val="tx1"/>
+                            </a:solidFill>
+                            <a:effectLst/>
+                            <a:latin typeface="+mn-lt"/>
+                            <a:ea typeface="+mn-ea"/>
+                            <a:cs typeface="Open Sans Hebrew" panose="00000500000000000000" pitchFamily="2" charset="-79"/>
+                          </a:endParaRPr>
+                        </a:p>
+                        <a:p>
+                          <a:pPr marL="0" marR="0" lvl="0" indent="0" algn="l" defTabSz="2519995" rtl="0" eaLnBrk="1" fontAlgn="auto" latinLnBrk="0" hangingPunct="1">
+                            <a:lnSpc>
+                              <a:spcPct val="100000"/>
+                            </a:lnSpc>
+                            <a:spcBef>
+                              <a:spcPts val="0"/>
+                            </a:spcBef>
+                            <a:spcAft>
+                              <a:spcPts val="0"/>
+                            </a:spcAft>
+                            <a:buClrTx/>
+                            <a:buSzTx/>
+                            <a:buFontTx/>
+                            <a:buNone/>
+                            <a:tabLst/>
+                            <a:defRPr/>
+                          </a:pPr>
+                          <a:endParaRPr lang="en-US" sz="2800" b="0" kern="1200" dirty="0" smtClean="0">
+                            <a:solidFill>
+                              <a:schemeClr val="tx1"/>
+                            </a:solidFill>
+                            <a:effectLst/>
+                            <a:latin typeface="+mn-lt"/>
+                            <a:ea typeface="+mn-ea"/>
+                            <a:cs typeface="Open Sans Hebrew" panose="00000500000000000000" pitchFamily="2" charset="-79"/>
+                          </a:endParaRPr>
+                        </a:p>
+                        <a:p>
+                          <a:pPr marL="0" marR="0" lvl="0" indent="0" algn="l" defTabSz="2519995" rtl="0" eaLnBrk="1" fontAlgn="auto" latinLnBrk="0" hangingPunct="1">
+                            <a:lnSpc>
+                              <a:spcPct val="100000"/>
+                            </a:lnSpc>
+                            <a:spcBef>
+                              <a:spcPts val="0"/>
+                            </a:spcBef>
+                            <a:spcAft>
+                              <a:spcPts val="0"/>
+                            </a:spcAft>
+                            <a:buClrTx/>
+                            <a:buSzTx/>
+                            <a:buFontTx/>
+                            <a:buNone/>
+                            <a:tabLst/>
+                            <a:defRPr/>
+                          </a:pPr>
+                          <a:endParaRPr lang="en-US" sz="2800" b="1" kern="1200" dirty="0" smtClean="0">
+                            <a:solidFill>
+                              <a:schemeClr val="tx1"/>
+                            </a:solidFill>
+                            <a:effectLst/>
+                            <a:latin typeface="+mn-lt"/>
+                            <a:ea typeface="+mn-ea"/>
+                            <a:cs typeface="Open Sans Hebrew" panose="00000500000000000000" pitchFamily="2" charset="-79"/>
+                          </a:endParaRPr>
+                        </a:p>
+                        <a:p>
+                          <a:pPr marL="0" marR="0" lvl="0" indent="0" algn="l" defTabSz="2519995" rtl="0" eaLnBrk="1" fontAlgn="auto" latinLnBrk="0" hangingPunct="1">
+                            <a:lnSpc>
+                              <a:spcPct val="100000"/>
+                            </a:lnSpc>
+                            <a:spcBef>
+                              <a:spcPts val="0"/>
+                            </a:spcBef>
+                            <a:spcAft>
+                              <a:spcPts val="0"/>
+                            </a:spcAft>
+                            <a:buClrTx/>
+                            <a:buSzTx/>
+                            <a:buFontTx/>
+                            <a:buNone/>
+                            <a:tabLst/>
+                            <a:defRPr/>
+                          </a:pPr>
+                          <a:endParaRPr lang="en-US" sz="2800" b="1" kern="1200" dirty="0" smtClean="0">
+                            <a:solidFill>
+                              <a:schemeClr val="tx1"/>
+                            </a:solidFill>
+                            <a:effectLst/>
+                            <a:latin typeface="+mn-lt"/>
+                            <a:ea typeface="+mn-ea"/>
+                            <a:cs typeface="Open Sans Hebrew" panose="00000500000000000000" pitchFamily="2" charset="-79"/>
+                          </a:endParaRPr>
+                        </a:p>
+                        <a:p>
+                          <a:pPr marL="0" marR="0" lvl="0" indent="0" algn="l" defTabSz="2519995" rtl="0" eaLnBrk="1" fontAlgn="auto" latinLnBrk="0" hangingPunct="1">
+                            <a:lnSpc>
+                              <a:spcPct val="100000"/>
+                            </a:lnSpc>
+                            <a:spcBef>
+                              <a:spcPts val="0"/>
+                            </a:spcBef>
+                            <a:spcAft>
+                              <a:spcPts val="0"/>
+                            </a:spcAft>
+                            <a:buClrTx/>
+                            <a:buSzTx/>
+                            <a:buFontTx/>
+                            <a:buNone/>
+                            <a:tabLst/>
+                            <a:defRPr/>
+                          </a:pPr>
+                          <a:r>
+                            <a:rPr lang="en-US" sz="2800" b="1" kern="1200" dirty="0" smtClean="0">
+                              <a:solidFill>
+                                <a:schemeClr val="tx1"/>
+                              </a:solidFill>
+                              <a:effectLst/>
+                              <a:latin typeface="+mn-lt"/>
+                              <a:ea typeface="+mn-ea"/>
+                              <a:cs typeface="Open Sans Hebrew" panose="00000500000000000000" pitchFamily="2" charset="-79"/>
+                            </a:rPr>
+                            <a:t>Conclusions</a:t>
+                          </a:r>
+                        </a:p>
+                        <a:p>
+                          <a:pPr marL="0" marR="0" lvl="0" indent="0" algn="l" defTabSz="2519995" rtl="0" eaLnBrk="1" fontAlgn="auto" latinLnBrk="0" hangingPunct="1">
+                            <a:lnSpc>
+                              <a:spcPct val="100000"/>
+                            </a:lnSpc>
+                            <a:spcBef>
+                              <a:spcPts val="0"/>
+                            </a:spcBef>
+                            <a:spcAft>
+                              <a:spcPts val="0"/>
+                            </a:spcAft>
+                            <a:buClrTx/>
+                            <a:buSzTx/>
+                            <a:buFontTx/>
+                            <a:buNone/>
+                            <a:tabLst/>
+                            <a:defRPr/>
+                          </a:pPr>
+                          <a:r>
+                            <a:rPr lang="en-US" sz="2800" kern="1200" dirty="0" smtClean="0">
+                              <a:solidFill>
+                                <a:schemeClr val="tx1"/>
+                              </a:solidFill>
+                              <a:effectLst/>
+                              <a:latin typeface="+mn-lt"/>
+                              <a:ea typeface="+mn-ea"/>
+                              <a:cs typeface="Open Sans Hebrew" panose="00000500000000000000" pitchFamily="2" charset="-79"/>
+                            </a:rPr>
+                            <a:t>The developed infrastructure successfully integrates a range of sensor inputs and outputs, along with visual and auditory elements, to create a comprehensive monitoring and interaction environment. This cohesive setup demonstrates a significant advancement in creating versatile and adaptable systems for various applications, from environmental monitoring to interactive installations.</a:t>
+                          </a:r>
+                          <a:endParaRPr lang="en-US" sz="2800" kern="1200" baseline="0" dirty="0" smtClean="0">
+                            <a:solidFill>
+                              <a:schemeClr val="tx1"/>
+                            </a:solidFill>
+                            <a:effectLst/>
+                            <a:latin typeface="+mn-lt"/>
+                            <a:ea typeface="+mn-ea"/>
+                            <a:cs typeface="Open Sans Hebrew" panose="00000500000000000000" pitchFamily="2" charset="-79"/>
+                          </a:endParaRPr>
+                        </a:p>
+                        <a:p>
+                          <a:pPr marL="0" marR="0" lvl="0" indent="0" algn="l" defTabSz="2519995" rtl="0" eaLnBrk="1" fontAlgn="auto" latinLnBrk="0" hangingPunct="1">
+                            <a:lnSpc>
+                              <a:spcPct val="100000"/>
+                            </a:lnSpc>
+                            <a:spcBef>
+                              <a:spcPts val="0"/>
+                            </a:spcBef>
+                            <a:spcAft>
+                              <a:spcPts val="0"/>
+                            </a:spcAft>
+                            <a:buClrTx/>
+                            <a:buSzTx/>
+                            <a:buFontTx/>
+                            <a:buNone/>
+                            <a:tabLst/>
+                            <a:defRPr/>
+                          </a:pPr>
+                          <a:endParaRPr lang="en-US" sz="2800" kern="1200" baseline="0" dirty="0" smtClean="0">
+                            <a:solidFill>
+                              <a:schemeClr val="tx1"/>
+                            </a:solidFill>
+                            <a:effectLst/>
+                            <a:latin typeface="+mn-lt"/>
+                            <a:ea typeface="+mn-ea"/>
+                            <a:cs typeface="Open Sans Hebrew" panose="00000500000000000000" pitchFamily="2" charset="-79"/>
+                          </a:endParaRPr>
+                        </a:p>
+                        <a:p>
+                          <a:pPr marL="0" marR="0" lvl="0" indent="0" algn="l" defTabSz="2519995" rtl="0" eaLnBrk="1" fontAlgn="auto" latinLnBrk="0" hangingPunct="1">
+                            <a:lnSpc>
+                              <a:spcPct val="100000"/>
+                            </a:lnSpc>
+                            <a:spcBef>
+                              <a:spcPts val="0"/>
+                            </a:spcBef>
+                            <a:spcAft>
+                              <a:spcPts val="0"/>
+                            </a:spcAft>
+                            <a:buClrTx/>
+                            <a:buSzTx/>
+                            <a:buFontTx/>
+                            <a:buNone/>
+                            <a:tabLst/>
+                            <a:defRPr/>
+                          </a:pPr>
+                          <a:endParaRPr lang="en-US" sz="2800" kern="1200" baseline="0" dirty="0" smtClean="0">
+                            <a:solidFill>
+                              <a:schemeClr val="tx1"/>
+                            </a:solidFill>
+                            <a:effectLst/>
+                            <a:latin typeface="+mn-lt"/>
+                            <a:ea typeface="+mn-ea"/>
+                            <a:cs typeface="Open Sans Hebrew" panose="00000500000000000000" pitchFamily="2" charset="-79"/>
+                          </a:endParaRPr>
+                        </a:p>
+                        <a:p>
+                          <a:pPr marL="0" marR="0" lvl="0" indent="0" algn="l" defTabSz="2519995" rtl="0" eaLnBrk="1" fontAlgn="auto" latinLnBrk="0" hangingPunct="1">
+                            <a:lnSpc>
+                              <a:spcPct val="100000"/>
+                            </a:lnSpc>
+                            <a:spcBef>
+                              <a:spcPts val="0"/>
+                            </a:spcBef>
+                            <a:spcAft>
+                              <a:spcPts val="0"/>
+                            </a:spcAft>
+                            <a:buClrTx/>
+                            <a:buSzTx/>
+                            <a:buFontTx/>
+                            <a:buNone/>
+                            <a:tabLst/>
+                            <a:defRPr/>
+                          </a:pPr>
+                          <a:endParaRPr lang="en-US" sz="2800" kern="1200" dirty="0" smtClean="0">
+                            <a:solidFill>
+                              <a:schemeClr val="tx1"/>
+                            </a:solidFill>
+                            <a:effectLst/>
+                            <a:latin typeface="+mn-lt"/>
+                            <a:ea typeface="+mn-ea"/>
+                            <a:cs typeface="Open Sans Hebrew" panose="00000500000000000000" pitchFamily="2" charset="-79"/>
+                          </a:endParaRPr>
+                        </a:p>
+                        <a:p>
+                          <a:pPr marL="0" marR="0" lvl="0" indent="0" algn="l" defTabSz="2519995" rtl="0" eaLnBrk="1" fontAlgn="auto" latinLnBrk="0" hangingPunct="1">
+                            <a:lnSpc>
+                              <a:spcPct val="100000"/>
+                            </a:lnSpc>
+                            <a:spcBef>
+                              <a:spcPts val="0"/>
+                            </a:spcBef>
+                            <a:spcAft>
+                              <a:spcPts val="0"/>
+                            </a:spcAft>
+                            <a:buClrTx/>
+                            <a:buSzTx/>
+                            <a:buFontTx/>
+                            <a:buNone/>
+                            <a:tabLst/>
+                            <a:defRPr/>
+                          </a:pPr>
+                          <a:endParaRPr lang="en-US" sz="2800" b="1" kern="1200" dirty="0" smtClean="0">
+                            <a:solidFill>
+                              <a:schemeClr val="tx1"/>
+                            </a:solidFill>
+                            <a:effectLst/>
+                            <a:latin typeface="+mn-lt"/>
+                            <a:ea typeface="+mn-ea"/>
+                            <a:cs typeface="Open Sans Hebrew" panose="00000500000000000000" pitchFamily="2" charset="-79"/>
+                          </a:endParaRPr>
+                        </a:p>
+                        <a:p>
+                          <a:pPr marL="0" marR="0" lvl="0" indent="0" algn="l" defTabSz="2519995" rtl="0" eaLnBrk="1" fontAlgn="auto" latinLnBrk="0" hangingPunct="1">
+                            <a:lnSpc>
+                              <a:spcPct val="100000"/>
+                            </a:lnSpc>
+                            <a:spcBef>
+                              <a:spcPts val="0"/>
+                            </a:spcBef>
+                            <a:spcAft>
+                              <a:spcPts val="0"/>
+                            </a:spcAft>
+                            <a:buClrTx/>
+                            <a:buSzTx/>
+                            <a:buFontTx/>
+                            <a:buNone/>
+                            <a:tabLst/>
+                            <a:defRPr/>
+                          </a:pPr>
+                          <a:endParaRPr lang="en-US" sz="2800" b="1" kern="1200" dirty="0" smtClean="0">
+                            <a:solidFill>
+                              <a:schemeClr val="tx1"/>
+                            </a:solidFill>
+                            <a:effectLst/>
+                            <a:latin typeface="+mn-lt"/>
+                            <a:ea typeface="+mn-ea"/>
+                            <a:cs typeface="Open Sans Hebrew" panose="00000500000000000000" pitchFamily="2" charset="-79"/>
+                          </a:endParaRPr>
+                        </a:p>
+                        <a:p>
+                          <a:pPr marL="0" marR="0" lvl="0" indent="0" algn="l" defTabSz="2519995" rtl="0" eaLnBrk="1" fontAlgn="auto" latinLnBrk="0" hangingPunct="1">
+                            <a:lnSpc>
+                              <a:spcPct val="100000"/>
+                            </a:lnSpc>
+                            <a:spcBef>
+                              <a:spcPts val="0"/>
+                            </a:spcBef>
+                            <a:spcAft>
+                              <a:spcPts val="0"/>
+                            </a:spcAft>
+                            <a:buClrTx/>
+                            <a:buSzTx/>
+                            <a:buFontTx/>
+                            <a:buNone/>
+                            <a:tabLst/>
+                            <a:defRPr/>
+                          </a:pPr>
+                          <a:endParaRPr lang="en-US" sz="2800" b="1" kern="1200" dirty="0" smtClean="0">
+                            <a:solidFill>
+                              <a:schemeClr val="tx1"/>
+                            </a:solidFill>
+                            <a:effectLst/>
+                            <a:latin typeface="+mn-lt"/>
+                            <a:ea typeface="+mn-ea"/>
+                            <a:cs typeface="Open Sans Hebrew" panose="00000500000000000000" pitchFamily="2" charset="-79"/>
+                          </a:endParaRPr>
+                        </a:p>
+                        <a:p>
+                          <a:pPr marL="0" marR="0" lvl="0" indent="0" algn="l" defTabSz="2519995" rtl="0" eaLnBrk="1" fontAlgn="auto" latinLnBrk="0" hangingPunct="1">
+                            <a:lnSpc>
+                              <a:spcPct val="100000"/>
+                            </a:lnSpc>
+                            <a:spcBef>
+                              <a:spcPts val="0"/>
+                            </a:spcBef>
+                            <a:spcAft>
+                              <a:spcPts val="0"/>
+                            </a:spcAft>
+                            <a:buClrTx/>
+                            <a:buSzTx/>
+                            <a:buFontTx/>
+                            <a:buNone/>
+                            <a:tabLst/>
+                            <a:defRPr/>
+                          </a:pPr>
+                          <a:endParaRPr lang="en-US" sz="2800" b="1" kern="1200" dirty="0" smtClean="0">
+                            <a:solidFill>
+                              <a:schemeClr val="tx1"/>
+                            </a:solidFill>
+                            <a:effectLst/>
+                            <a:latin typeface="+mn-lt"/>
+                            <a:ea typeface="+mn-ea"/>
+                            <a:cs typeface="Open Sans Hebrew" panose="00000500000000000000" pitchFamily="2" charset="-79"/>
+                          </a:endParaRPr>
+                        </a:p>
+                        <a:p>
+                          <a:pPr marL="0" marR="0" lvl="0" indent="0" algn="l" defTabSz="2519995" rtl="0" eaLnBrk="1" fontAlgn="auto" latinLnBrk="0" hangingPunct="1">
+                            <a:lnSpc>
+                              <a:spcPct val="100000"/>
+                            </a:lnSpc>
+                            <a:spcBef>
+                              <a:spcPts val="0"/>
+                            </a:spcBef>
+                            <a:spcAft>
+                              <a:spcPts val="0"/>
+                            </a:spcAft>
+                            <a:buClrTx/>
+                            <a:buSzTx/>
+                            <a:buFontTx/>
+                            <a:buNone/>
+                            <a:tabLst/>
+                            <a:defRPr/>
+                          </a:pPr>
+                          <a:endParaRPr lang="en-US" sz="2800" b="1" kern="1200" dirty="0" smtClean="0">
+                            <a:solidFill>
+                              <a:schemeClr val="tx1"/>
+                            </a:solidFill>
+                            <a:effectLst/>
+                            <a:latin typeface="+mn-lt"/>
+                            <a:ea typeface="+mn-ea"/>
+                            <a:cs typeface="Open Sans Hebrew" panose="00000500000000000000" pitchFamily="2" charset="-79"/>
+                          </a:endParaRPr>
+                        </a:p>
+                        <a:p>
+                          <a:pPr marL="0" marR="0" lvl="0" indent="0" algn="l" defTabSz="2519995" rtl="0" eaLnBrk="1" fontAlgn="auto" latinLnBrk="0" hangingPunct="1">
+                            <a:lnSpc>
+                              <a:spcPct val="100000"/>
+                            </a:lnSpc>
+                            <a:spcBef>
+                              <a:spcPts val="0"/>
+                            </a:spcBef>
+                            <a:spcAft>
+                              <a:spcPts val="0"/>
+                            </a:spcAft>
+                            <a:buClrTx/>
+                            <a:buSzTx/>
+                            <a:buFontTx/>
+                            <a:buNone/>
+                            <a:tabLst/>
+                            <a:defRPr/>
+                          </a:pPr>
+                          <a:endParaRPr lang="en-US" sz="2800" b="1" kern="1200" dirty="0" smtClean="0">
+                            <a:solidFill>
+                              <a:schemeClr val="tx1"/>
+                            </a:solidFill>
+                            <a:effectLst/>
+                            <a:latin typeface="+mn-lt"/>
+                            <a:ea typeface="+mn-ea"/>
+                            <a:cs typeface="Open Sans Hebrew" panose="00000500000000000000" pitchFamily="2" charset="-79"/>
+                          </a:endParaRPr>
+                        </a:p>
+                        <a:p>
+                          <a:pPr marL="0" marR="0" lvl="0" indent="0" algn="l" defTabSz="2519995" rtl="0" eaLnBrk="1" fontAlgn="auto" latinLnBrk="0" hangingPunct="1">
+                            <a:lnSpc>
+                              <a:spcPct val="100000"/>
+                            </a:lnSpc>
+                            <a:spcBef>
+                              <a:spcPts val="0"/>
+                            </a:spcBef>
+                            <a:spcAft>
+                              <a:spcPts val="0"/>
+                            </a:spcAft>
+                            <a:buClrTx/>
+                            <a:buSzTx/>
+                            <a:buFontTx/>
+                            <a:buNone/>
+                            <a:tabLst/>
+                            <a:defRPr/>
+                          </a:pPr>
+                          <a:endParaRPr lang="en-US" sz="2800" b="1" kern="1200" dirty="0" smtClean="0">
+                            <a:solidFill>
+                              <a:schemeClr val="tx1"/>
+                            </a:solidFill>
+                            <a:effectLst/>
+                            <a:latin typeface="+mn-lt"/>
+                            <a:ea typeface="+mn-ea"/>
+                            <a:cs typeface="Open Sans Hebrew" panose="00000500000000000000" pitchFamily="2" charset="-79"/>
+                          </a:endParaRPr>
+                        </a:p>
+                        <a:p>
+                          <a:pPr marL="0" marR="0" lvl="0" indent="0" algn="l" defTabSz="2519995" rtl="0" eaLnBrk="1" fontAlgn="auto" latinLnBrk="0" hangingPunct="1">
+                            <a:lnSpc>
+                              <a:spcPct val="100000"/>
+                            </a:lnSpc>
+                            <a:spcBef>
+                              <a:spcPts val="0"/>
+                            </a:spcBef>
+                            <a:spcAft>
+                              <a:spcPts val="0"/>
+                            </a:spcAft>
+                            <a:buClrTx/>
+                            <a:buSzTx/>
+                            <a:buFontTx/>
+                            <a:buNone/>
+                            <a:tabLst/>
+                            <a:defRPr/>
+                          </a:pPr>
+                          <a:endParaRPr lang="en-US" sz="2800" b="1" kern="1200" dirty="0" smtClean="0">
+                            <a:solidFill>
+                              <a:schemeClr val="tx1"/>
+                            </a:solidFill>
+                            <a:effectLst/>
+                            <a:latin typeface="+mn-lt"/>
+                            <a:ea typeface="+mn-ea"/>
+                            <a:cs typeface="Open Sans Hebrew" panose="00000500000000000000" pitchFamily="2" charset="-79"/>
+                          </a:endParaRPr>
+                        </a:p>
+                        <a:p>
+                          <a:pPr marL="0" marR="0" lvl="0" indent="0" algn="l" defTabSz="2519995" rtl="0" eaLnBrk="1" fontAlgn="auto" latinLnBrk="0" hangingPunct="1">
+                            <a:lnSpc>
+                              <a:spcPct val="100000"/>
+                            </a:lnSpc>
+                            <a:spcBef>
+                              <a:spcPts val="0"/>
+                            </a:spcBef>
+                            <a:spcAft>
+                              <a:spcPts val="0"/>
+                            </a:spcAft>
+                            <a:buClrTx/>
+                            <a:buSzTx/>
+                            <a:buFontTx/>
+                            <a:buNone/>
+                            <a:tabLst/>
+                            <a:defRPr/>
+                          </a:pPr>
+                          <a:endParaRPr lang="en-US" sz="2800" b="1" kern="1200" dirty="0" smtClean="0">
+                            <a:solidFill>
+                              <a:schemeClr val="tx1"/>
+                            </a:solidFill>
+                            <a:effectLst/>
+                            <a:latin typeface="+mn-lt"/>
+                            <a:ea typeface="+mn-ea"/>
+                            <a:cs typeface="Open Sans Hebrew" panose="00000500000000000000" pitchFamily="2" charset="-79"/>
+                          </a:endParaRPr>
+                        </a:p>
+                        <a:p>
+                          <a:pPr marL="0" marR="0" lvl="0" indent="0" algn="l" defTabSz="2519995" rtl="0" eaLnBrk="1" fontAlgn="auto" latinLnBrk="0" hangingPunct="1">
+                            <a:lnSpc>
+                              <a:spcPct val="100000"/>
+                            </a:lnSpc>
+                            <a:spcBef>
+                              <a:spcPts val="0"/>
+                            </a:spcBef>
+                            <a:spcAft>
+                              <a:spcPts val="0"/>
+                            </a:spcAft>
+                            <a:buClrTx/>
+                            <a:buSzTx/>
+                            <a:buFontTx/>
+                            <a:buNone/>
+                            <a:tabLst/>
+                            <a:defRPr/>
+                          </a:pPr>
+                          <a:endParaRPr lang="en-US" sz="2800" b="1" kern="1200" dirty="0" smtClean="0">
+                            <a:solidFill>
+                              <a:schemeClr val="tx1"/>
+                            </a:solidFill>
+                            <a:effectLst/>
+                            <a:latin typeface="+mn-lt"/>
+                            <a:ea typeface="+mn-ea"/>
+                            <a:cs typeface="Open Sans Hebrew" panose="00000500000000000000" pitchFamily="2" charset="-79"/>
+                          </a:endParaRPr>
+                        </a:p>
+                        <a:p>
+                          <a:pPr marL="0" marR="0" lvl="0" indent="0" algn="l" defTabSz="2519995" rtl="0" eaLnBrk="1" fontAlgn="auto" latinLnBrk="0" hangingPunct="1">
+                            <a:lnSpc>
+                              <a:spcPct val="100000"/>
+                            </a:lnSpc>
+                            <a:spcBef>
+                              <a:spcPts val="0"/>
+                            </a:spcBef>
+                            <a:spcAft>
+                              <a:spcPts val="0"/>
+                            </a:spcAft>
+                            <a:buClrTx/>
+                            <a:buSzTx/>
+                            <a:buFontTx/>
+                            <a:buNone/>
+                            <a:tabLst/>
+                            <a:defRPr/>
+                          </a:pPr>
+                          <a:endParaRPr lang="en-US" sz="2800" b="1" kern="1200" dirty="0" smtClean="0">
+                            <a:solidFill>
+                              <a:schemeClr val="tx1"/>
+                            </a:solidFill>
+                            <a:effectLst/>
+                            <a:latin typeface="+mn-lt"/>
+                            <a:ea typeface="+mn-ea"/>
+                            <a:cs typeface="Open Sans Hebrew" panose="00000500000000000000" pitchFamily="2" charset="-79"/>
+                          </a:endParaRPr>
+                        </a:p>
+                        <a:p>
+                          <a:pPr marL="0" marR="0" lvl="0" indent="0" algn="l" defTabSz="2519995" rtl="0" eaLnBrk="1" fontAlgn="auto" latinLnBrk="0" hangingPunct="1">
+                            <a:lnSpc>
+                              <a:spcPct val="100000"/>
+                            </a:lnSpc>
+                            <a:spcBef>
+                              <a:spcPts val="0"/>
+                            </a:spcBef>
+                            <a:spcAft>
+                              <a:spcPts val="0"/>
+                            </a:spcAft>
+                            <a:buClrTx/>
+                            <a:buSzTx/>
+                            <a:buFontTx/>
+                            <a:buNone/>
+                            <a:tabLst/>
+                            <a:defRPr/>
+                          </a:pPr>
+                          <a:endParaRPr lang="en-US" sz="2800" dirty="0" smtClean="0">
+                            <a:effectLst/>
+                            <a:latin typeface="+mn-lt"/>
+                            <a:cs typeface="Open Sans Hebrew" panose="00000500000000000000" pitchFamily="2" charset="-79"/>
+                          </a:endParaRPr>
+                        </a:p>
+                      </a:txBody>
+                      <a:tcPr marL="137160" marR="137160" marT="137160" marB="137160">
+                        <a:lnL w="12700" cap="flat" cmpd="sng" algn="ctr">
+                          <a:noFill/>
+                          <a:prstDash val="solid"/>
+                          <a:round/>
+                          <a:headEnd type="none" w="med" len="med"/>
+                          <a:tailEnd type="none" w="med" len="med"/>
+                        </a:lnL>
+                        <a:lnR w="12700" cap="flat" cmpd="sng" algn="ctr">
+                          <a:noFill/>
+                          <a:prstDash val="solid"/>
+                          <a:round/>
+                          <a:headEnd type="none" w="med" len="med"/>
+                          <a:tailEnd type="none" w="med" len="med"/>
+                        </a:lnR>
+                        <a:lnT w="12700" cap="flat" cmpd="sng" algn="ctr">
+                          <a:noFill/>
+                          <a:prstDash val="solid"/>
+                          <a:round/>
+                          <a:headEnd type="none" w="med" len="med"/>
+                          <a:tailEnd type="none" w="med" len="med"/>
+                        </a:lnT>
+                        <a:lnB w="12700" cap="flat" cmpd="sng" algn="ctr">
+                          <a:noFill/>
+                          <a:prstDash val="solid"/>
+                          <a:round/>
+                          <a:headEnd type="none" w="med" len="med"/>
+                          <a:tailEnd type="none" w="med" len="med"/>
+                        </a:lnB>
+                        <a:lnTlToBr w="12700" cmpd="sng">
+                          <a:noFill/>
+                          <a:prstDash val="solid"/>
+                        </a:lnTlToBr>
+                        <a:lnBlToTr w="12700" cmpd="sng">
+                          <a:noFill/>
+                          <a:prstDash val="solid"/>
+                        </a:lnBlToTr>
+                      </a:tcPr>
+                    </a:tc>
+                    <a:extLst>
+                      <a:ext uri="{0D108BD9-81ED-4DB2-BD59-A6C34878D82A}">
+                        <a16:rowId xmlns:a16="http://schemas.microsoft.com/office/drawing/2014/main" val="10000"/>
+                      </a:ext>
+                    </a:extLst>
+                  </a:tr>
+                </a:tbl>
+              </a:graphicData>
+            </a:graphic>
+          </p:graphicFrame>
+        </mc:Choice>
+        <mc:Fallback>
+          <p:graphicFrame>
+            <p:nvGraphicFramePr>
+              <p:cNvPr id="8" name="Table 7"/>
+              <p:cNvGraphicFramePr>
+                <a:graphicFrameLocks noGrp="1"/>
+              </p:cNvGraphicFramePr>
+              <p:nvPr>
+                <p:extLst>
+                  <p:ext uri="{D42A27DB-BD31-4B8C-83A1-F6EECF244321}">
+                    <p14:modId xmlns:p14="http://schemas.microsoft.com/office/powerpoint/2010/main" val="4013596784"/>
+                  </p:ext>
+                </p:extLst>
+              </p:nvPr>
+            </p:nvGraphicFramePr>
+            <p:xfrm>
+              <a:off x="384740" y="3698810"/>
+              <a:ext cx="35185420" cy="26730960"/>
+            </p:xfrm>
+            <a:graphic>
+              <a:graphicData uri="http://schemas.openxmlformats.org/drawingml/2006/table">
+                <a:tbl>
+                  <a:tblPr>
+                    <a:tableStyleId>{2D5ABB26-0587-4C30-8999-92F81FD0307C}</a:tableStyleId>
+                  </a:tblPr>
+                  <a:tblGrid>
+                    <a:gridCol w="11746393">
+                      <a:extLst>
+                        <a:ext uri="{9D8B030D-6E8A-4147-A177-3AD203B41FA5}">
+                          <a16:colId xmlns:a16="http://schemas.microsoft.com/office/drawing/2014/main" val="20000"/>
+                        </a:ext>
+                      </a:extLst>
+                    </a:gridCol>
+                    <a:gridCol w="11734833">
+                      <a:extLst>
+                        <a:ext uri="{9D8B030D-6E8A-4147-A177-3AD203B41FA5}">
+                          <a16:colId xmlns:a16="http://schemas.microsoft.com/office/drawing/2014/main" val="20001"/>
+                        </a:ext>
+                      </a:extLst>
+                    </a:gridCol>
+                    <a:gridCol w="11704194">
+                      <a:extLst>
+                        <a:ext uri="{9D8B030D-6E8A-4147-A177-3AD203B41FA5}">
+                          <a16:colId xmlns:a16="http://schemas.microsoft.com/office/drawing/2014/main" val="4117049268"/>
+                        </a:ext>
+                      </a:extLst>
+                    </a:gridCol>
+                  </a:tblGrid>
+                  <a:tr h="20868070">
+                    <a:tc>
+                      <a:txBody>
+                        <a:bodyPr/>
+                        <a:lstStyle/>
+                        <a:p>
+                          <a:pPr marL="0" marR="0" lvl="0" indent="0" algn="l" defTabSz="2519995" rtl="0" eaLnBrk="1" fontAlgn="auto" latinLnBrk="0" hangingPunct="1">
+                            <a:lnSpc>
+                              <a:spcPct val="100000"/>
+                            </a:lnSpc>
+                            <a:spcBef>
+                              <a:spcPts val="0"/>
+                            </a:spcBef>
+                            <a:spcAft>
+                              <a:spcPts val="0"/>
+                            </a:spcAft>
+                            <a:buClrTx/>
+                            <a:buSzTx/>
+                            <a:buFontTx/>
+                            <a:buNone/>
+                            <a:tabLst/>
+                            <a:defRPr/>
+                          </a:pPr>
+                          <a:r>
+                            <a:rPr lang="en-US" sz="2800" b="1" dirty="0" smtClean="0">
+                              <a:effectLst/>
+                              <a:latin typeface="+mn-lt"/>
+                              <a:cs typeface="Open Sans Hebrew" panose="00000500000000000000" pitchFamily="2" charset="-79"/>
+                            </a:rPr>
+                            <a:t>Introduction</a:t>
+                          </a:r>
+                        </a:p>
+                        <a:p>
+                          <a:pPr marL="457200" marR="0" lvl="0" indent="-457200" algn="l" defTabSz="2519995" rtl="0" eaLnBrk="1" fontAlgn="auto" latinLnBrk="0" hangingPunct="1">
+                            <a:lnSpc>
+                              <a:spcPct val="100000"/>
+                            </a:lnSpc>
+                            <a:spcBef>
+                              <a:spcPts val="0"/>
+                            </a:spcBef>
+                            <a:spcAft>
+                              <a:spcPts val="0"/>
+                            </a:spcAft>
+                            <a:buClrTx/>
+                            <a:buSzTx/>
+                            <a:buFont typeface="Arial" panose="020B0604020202020204" pitchFamily="34" charset="0"/>
+                            <a:buChar char="•"/>
+                            <a:tabLst/>
+                            <a:defRPr/>
+                          </a:pPr>
+                          <a:r>
+                            <a:rPr lang="en-US" sz="2800" kern="1200" dirty="0" smtClean="0">
+                              <a:solidFill>
+                                <a:schemeClr val="tx1"/>
+                              </a:solidFill>
+                              <a:effectLst/>
+                              <a:latin typeface="+mn-lt"/>
+                              <a:ea typeface="+mn-ea"/>
+                              <a:cs typeface="Open Sans Hebrew" panose="00000500000000000000" pitchFamily="2" charset="-79"/>
+                            </a:rPr>
+                            <a:t>This final project focuses on developing an Arduino-based framework to support upcoming electrical engineering endeavors, specifically targeting applications within the realm of physiotherapy.</a:t>
+                          </a:r>
+                        </a:p>
+                        <a:p>
+                          <a:pPr marL="457200" marR="0" lvl="0" indent="-457200" algn="l" defTabSz="2519995" rtl="0" eaLnBrk="1" fontAlgn="auto" latinLnBrk="0" hangingPunct="1">
+                            <a:lnSpc>
+                              <a:spcPct val="100000"/>
+                            </a:lnSpc>
+                            <a:spcBef>
+                              <a:spcPts val="0"/>
+                            </a:spcBef>
+                            <a:spcAft>
+                              <a:spcPts val="0"/>
+                            </a:spcAft>
+                            <a:buClrTx/>
+                            <a:buSzTx/>
+                            <a:buFont typeface="Arial" panose="020B0604020202020204" pitchFamily="34" charset="0"/>
+                            <a:buChar char="•"/>
+                            <a:tabLst/>
+                            <a:defRPr/>
+                          </a:pPr>
+                          <a:r>
+                            <a:rPr lang="en-US" sz="2800" kern="1200" dirty="0" smtClean="0">
+                              <a:solidFill>
+                                <a:schemeClr val="tx1"/>
+                              </a:solidFill>
+                              <a:effectLst/>
+                              <a:latin typeface="+mn-lt"/>
+                              <a:ea typeface="+mn-ea"/>
+                              <a:cs typeface="Open Sans Hebrew" panose="00000500000000000000" pitchFamily="2" charset="-79"/>
+                            </a:rPr>
+                            <a:t>This versatile system is engineered to integrate seamlessly with both I2C and GPIO sensors, streamlining the process of connecting hardware and developing tailored software solutions.</a:t>
+                          </a:r>
+                        </a:p>
+                        <a:p>
+                          <a:pPr marL="457200" marR="0" lvl="0" indent="-457200" algn="l" defTabSz="2519995" rtl="0" eaLnBrk="1" fontAlgn="auto" latinLnBrk="0" hangingPunct="1">
+                            <a:lnSpc>
+                              <a:spcPct val="100000"/>
+                            </a:lnSpc>
+                            <a:spcBef>
+                              <a:spcPts val="0"/>
+                            </a:spcBef>
+                            <a:spcAft>
+                              <a:spcPts val="0"/>
+                            </a:spcAft>
+                            <a:buClrTx/>
+                            <a:buSzTx/>
+                            <a:buFont typeface="Arial" panose="020B0604020202020204" pitchFamily="34" charset="0"/>
+                            <a:buChar char="•"/>
+                            <a:tabLst/>
+                            <a:defRPr/>
+                          </a:pPr>
+                          <a:r>
+                            <a:rPr lang="en-US" sz="2800" kern="1200" dirty="0" smtClean="0">
+                              <a:solidFill>
+                                <a:schemeClr val="tx1"/>
+                              </a:solidFill>
+                              <a:effectLst/>
+                              <a:latin typeface="+mn-lt"/>
+                              <a:ea typeface="+mn-ea"/>
+                              <a:cs typeface="Open Sans Hebrew" panose="00000500000000000000" pitchFamily="2" charset="-79"/>
+                            </a:rPr>
+                            <a:t>Software</a:t>
+                          </a:r>
+                          <a:r>
+                            <a:rPr lang="en-US" sz="2800" kern="1200" baseline="0" dirty="0" smtClean="0">
+                              <a:solidFill>
+                                <a:schemeClr val="tx1"/>
+                              </a:solidFill>
+                              <a:effectLst/>
+                              <a:latin typeface="+mn-lt"/>
+                              <a:ea typeface="+mn-ea"/>
+                              <a:cs typeface="Open Sans Hebrew" panose="00000500000000000000" pitchFamily="2" charset="-79"/>
+                            </a:rPr>
+                            <a:t> running modes - </a:t>
+                          </a:r>
+                          <a:r>
+                            <a:rPr lang="en-US" sz="2800" kern="1200" dirty="0" smtClean="0">
+                              <a:solidFill>
+                                <a:schemeClr val="tx1"/>
+                              </a:solidFill>
+                              <a:effectLst/>
+                              <a:latin typeface="+mn-lt"/>
+                              <a:ea typeface="+mn-ea"/>
+                              <a:cs typeface="Open Sans Hebrew" panose="00000500000000000000" pitchFamily="2" charset="-79"/>
+                            </a:rPr>
+                            <a:t> Standalone or slave mode.</a:t>
+                          </a:r>
+                          <a:r>
+                            <a:rPr lang="en-US" sz="2800" kern="1200" baseline="0" dirty="0" smtClean="0">
+                              <a:solidFill>
+                                <a:schemeClr val="tx1"/>
+                              </a:solidFill>
+                              <a:effectLst/>
+                              <a:latin typeface="+mn-lt"/>
+                              <a:ea typeface="+mn-ea"/>
+                              <a:cs typeface="Open Sans Hebrew" panose="00000500000000000000" pitchFamily="2" charset="-79"/>
+                            </a:rPr>
+                            <a:t> In case of slave mode,</a:t>
+                          </a:r>
+                          <a:r>
+                            <a:rPr lang="en-US" sz="2800" kern="1200" dirty="0" smtClean="0">
+                              <a:solidFill>
+                                <a:schemeClr val="tx1"/>
+                              </a:solidFill>
+                              <a:effectLst/>
+                              <a:latin typeface="+mn-lt"/>
+                              <a:ea typeface="+mn-ea"/>
+                              <a:cs typeface="Open Sans Hebrew" panose="00000500000000000000" pitchFamily="2" charset="-79"/>
+                            </a:rPr>
+                            <a:t> offering robust control through serial and Wi-Fi connectivity</a:t>
+                          </a:r>
+                          <a:r>
+                            <a:rPr lang="en-US" sz="2800" kern="1200" baseline="0" dirty="0" smtClean="0">
+                              <a:solidFill>
+                                <a:schemeClr val="tx1"/>
+                              </a:solidFill>
+                              <a:effectLst/>
+                              <a:latin typeface="+mn-lt"/>
+                              <a:ea typeface="+mn-ea"/>
+                              <a:cs typeface="Open Sans Hebrew" panose="00000500000000000000" pitchFamily="2" charset="-79"/>
+                            </a:rPr>
+                            <a:t> and integration with Raspberry PI.</a:t>
+                          </a:r>
+                          <a:endParaRPr lang="en-US" sz="2800" kern="1200" dirty="0" smtClean="0">
+                            <a:solidFill>
+                              <a:schemeClr val="tx1"/>
+                            </a:solidFill>
+                            <a:effectLst/>
+                            <a:latin typeface="+mn-lt"/>
+                            <a:ea typeface="+mn-ea"/>
+                            <a:cs typeface="Open Sans Hebrew" panose="00000500000000000000" pitchFamily="2" charset="-79"/>
+                          </a:endParaRPr>
+                        </a:p>
+                        <a:p>
+                          <a:pPr marL="457200" marR="0" lvl="0" indent="-457200" algn="l" defTabSz="2519995" rtl="0" eaLnBrk="1" fontAlgn="auto" latinLnBrk="0" hangingPunct="1">
+                            <a:lnSpc>
+                              <a:spcPct val="100000"/>
+                            </a:lnSpc>
+                            <a:spcBef>
+                              <a:spcPts val="0"/>
+                            </a:spcBef>
+                            <a:spcAft>
+                              <a:spcPts val="0"/>
+                            </a:spcAft>
+                            <a:buClrTx/>
+                            <a:buSzTx/>
+                            <a:buFont typeface="Arial" panose="020B0604020202020204" pitchFamily="34" charset="0"/>
+                            <a:buChar char="•"/>
+                            <a:tabLst/>
+                            <a:defRPr/>
+                          </a:pPr>
+                          <a:r>
+                            <a:rPr lang="en-US" sz="2800" kern="1200" baseline="0" dirty="0" smtClean="0">
+                              <a:solidFill>
+                                <a:schemeClr val="tx1"/>
+                              </a:solidFill>
+                              <a:effectLst/>
+                              <a:latin typeface="+mn-lt"/>
+                              <a:ea typeface="+mn-ea"/>
+                              <a:cs typeface="Open Sans Hebrew" panose="00000500000000000000" pitchFamily="2" charset="-79"/>
+                            </a:rPr>
+                            <a:t>Accompanying this hardware is a thorough documentation, meticulously detailing the setup procedures and operational guidelines for the custom software we have developed, and regard the hardware and testing.</a:t>
+                          </a:r>
+                          <a:endParaRPr lang="en-US" sz="2800" dirty="0" smtClean="0">
+                            <a:effectLst/>
+                            <a:latin typeface="+mn-lt"/>
+                            <a:cs typeface="Open Sans Hebrew" panose="00000500000000000000" pitchFamily="2" charset="-79"/>
+                          </a:endParaRPr>
+                        </a:p>
+                        <a:p>
+                          <a:pPr marL="0" marR="0" lvl="0" indent="0" algn="l" defTabSz="2519995" rtl="0" eaLnBrk="1" fontAlgn="auto" latinLnBrk="0" hangingPunct="1">
+                            <a:lnSpc>
+                              <a:spcPct val="100000"/>
+                            </a:lnSpc>
+                            <a:spcBef>
+                              <a:spcPts val="0"/>
+                            </a:spcBef>
+                            <a:spcAft>
+                              <a:spcPts val="0"/>
+                            </a:spcAft>
+                            <a:buClrTx/>
+                            <a:buSzTx/>
+                            <a:buFontTx/>
+                            <a:buNone/>
+                            <a:tabLst/>
+                            <a:defRPr/>
+                          </a:pPr>
+                          <a:endParaRPr lang="en-US" sz="2800" b="1" kern="1200" dirty="0" smtClean="0">
+                            <a:solidFill>
+                              <a:schemeClr val="tx1"/>
+                            </a:solidFill>
+                            <a:effectLst/>
+                            <a:latin typeface="+mn-lt"/>
+                            <a:ea typeface="+mn-ea"/>
+                            <a:cs typeface="Open Sans Hebrew" panose="00000500000000000000" pitchFamily="2" charset="-79"/>
+                          </a:endParaRPr>
+                        </a:p>
+                        <a:p>
+                          <a:pPr marL="0" marR="0" lvl="0" indent="0" algn="l" defTabSz="2519995" rtl="0" eaLnBrk="1" fontAlgn="auto" latinLnBrk="0" hangingPunct="1">
+                            <a:lnSpc>
+                              <a:spcPct val="100000"/>
+                            </a:lnSpc>
+                            <a:spcBef>
+                              <a:spcPts val="0"/>
+                            </a:spcBef>
+                            <a:spcAft>
+                              <a:spcPts val="0"/>
+                            </a:spcAft>
+                            <a:buClrTx/>
+                            <a:buSzTx/>
+                            <a:buFontTx/>
+                            <a:buNone/>
+                            <a:tabLst/>
+                            <a:defRPr/>
+                          </a:pPr>
+                          <a:r>
+                            <a:rPr lang="en-US" sz="2800" b="1" kern="1200" dirty="0" smtClean="0">
+                              <a:solidFill>
+                                <a:schemeClr val="tx1"/>
+                              </a:solidFill>
+                              <a:effectLst/>
+                              <a:latin typeface="+mn-lt"/>
+                              <a:ea typeface="+mn-ea"/>
+                              <a:cs typeface="Open Sans Hebrew" panose="00000500000000000000" pitchFamily="2" charset="-79"/>
+                            </a:rPr>
+                            <a:t>Motivation/Objectives</a:t>
+                          </a:r>
+                        </a:p>
+                        <a:p>
+                          <a:pPr marL="0" marR="0" lvl="0" indent="0" algn="l" defTabSz="2519995" rtl="0" eaLnBrk="1" fontAlgn="auto" latinLnBrk="0" hangingPunct="1">
+                            <a:lnSpc>
+                              <a:spcPct val="100000"/>
+                            </a:lnSpc>
+                            <a:spcBef>
+                              <a:spcPts val="0"/>
+                            </a:spcBef>
+                            <a:spcAft>
+                              <a:spcPts val="0"/>
+                            </a:spcAft>
+                            <a:buClrTx/>
+                            <a:buSzTx/>
+                            <a:buFontTx/>
+                            <a:buNone/>
+                            <a:tabLst/>
+                            <a:defRPr/>
+                          </a:pPr>
+                          <a:endParaRPr lang="en-US" sz="2800" kern="1200" dirty="0" smtClean="0">
+                            <a:solidFill>
+                              <a:schemeClr val="tx1"/>
+                            </a:solidFill>
+                            <a:effectLst/>
+                            <a:latin typeface="+mn-lt"/>
+                            <a:ea typeface="+mn-ea"/>
+                            <a:cs typeface="Open Sans Hebrew" panose="00000500000000000000" pitchFamily="2" charset="-79"/>
+                          </a:endParaRPr>
+                        </a:p>
+                        <a:p>
+                          <a:pPr algn="l"/>
+                          <a:r>
+                            <a:rPr lang="en-US" sz="2800" b="0" i="0" smtClean="0">
+                              <a:solidFill>
+                                <a:srgbClr val="0D0D0D"/>
+                              </a:solidFill>
+                              <a:effectLst/>
+                              <a:latin typeface="+mn-lt"/>
+                            </a:rPr>
+                            <a:t>A robust </a:t>
+                          </a:r>
+                          <a:r>
+                            <a:rPr lang="en-US" sz="2800" b="0" i="0" dirty="0" smtClean="0">
+                              <a:solidFill>
+                                <a:srgbClr val="0D0D0D"/>
+                              </a:solidFill>
+                              <a:effectLst/>
+                              <a:latin typeface="+mn-lt"/>
+                            </a:rPr>
+                            <a:t>framework around the M5 Stack controller with an ESP32 core, featuring a </a:t>
+                          </a:r>
+                          <a:r>
+                            <a:rPr lang="en-US" sz="2800" b="0" i="0" dirty="0" err="1" smtClean="0">
+                              <a:solidFill>
+                                <a:srgbClr val="0D0D0D"/>
+                              </a:solidFill>
+                              <a:effectLst/>
+                              <a:latin typeface="+mn-lt"/>
+                            </a:rPr>
+                            <a:t>ToF</a:t>
+                          </a:r>
+                          <a:r>
+                            <a:rPr lang="en-US" sz="2800" b="0" i="0" dirty="0" smtClean="0">
+                              <a:solidFill>
+                                <a:srgbClr val="0D0D0D"/>
+                              </a:solidFill>
+                              <a:effectLst/>
+                              <a:latin typeface="+mn-lt"/>
+                            </a:rPr>
+                            <a:t> sensor, AMG8833 thermal camera, and FSR, along with an integrated IMU for motion tracking. Rigorous testing across the board ensures reliability: gyro and acceleration precision for the IMU, proximity accuracy for the </a:t>
+                          </a:r>
+                          <a:r>
+                            <a:rPr lang="en-US" sz="2800" b="0" i="0" dirty="0" err="1" smtClean="0">
+                              <a:solidFill>
+                                <a:srgbClr val="0D0D0D"/>
+                              </a:solidFill>
+                              <a:effectLst/>
+                              <a:latin typeface="+mn-lt"/>
+                            </a:rPr>
+                            <a:t>ToF</a:t>
+                          </a:r>
+                          <a:r>
+                            <a:rPr lang="en-US" sz="2800" b="0" i="0" dirty="0" smtClean="0">
+                              <a:solidFill>
+                                <a:srgbClr val="0D0D0D"/>
+                              </a:solidFill>
+                              <a:effectLst/>
+                              <a:latin typeface="+mn-lt"/>
+                            </a:rPr>
+                            <a:t>, heat detection for the AMG8833, and sensitivity for the FSR. Output hardware—such as a button, speaker, vibration motor  and RGB LEDs—enhances user interaction. Embedded documentation facilitates easy adoption, setting a solid foundation for future projects without redundant testing.</a:t>
+                          </a:r>
+                        </a:p>
+                        <a:p>
+                          <a:pPr algn="l"/>
+                          <a:endParaRPr lang="en-US" sz="2800" b="0" i="0" dirty="0" smtClean="0">
+                            <a:solidFill>
+                              <a:srgbClr val="0D0D0D"/>
+                            </a:solidFill>
+                            <a:effectLst/>
+                            <a:latin typeface="+mn-lt"/>
+                          </a:endParaRPr>
+                        </a:p>
+                        <a:p>
+                          <a:pPr algn="l"/>
+                          <a:endParaRPr lang="en-US" sz="2800" b="0" i="0" dirty="0" smtClean="0">
+                            <a:solidFill>
+                              <a:srgbClr val="0D0D0D"/>
+                            </a:solidFill>
+                            <a:effectLst/>
+                            <a:latin typeface="+mn-lt"/>
+                          </a:endParaRPr>
+                        </a:p>
+                        <a:p>
+                          <a:pPr algn="l"/>
+                          <a:endParaRPr lang="en-US" sz="2800" b="0" i="0" dirty="0" smtClean="0">
+                            <a:solidFill>
+                              <a:srgbClr val="0D0D0D"/>
+                            </a:solidFill>
+                            <a:effectLst/>
+                            <a:latin typeface="+mn-lt"/>
+                          </a:endParaRPr>
+                        </a:p>
+                        <a:p>
+                          <a:pPr algn="l"/>
+                          <a:endParaRPr lang="en-US" sz="2800" b="0" i="0" dirty="0" smtClean="0">
+                            <a:solidFill>
+                              <a:srgbClr val="0D0D0D"/>
+                            </a:solidFill>
+                            <a:effectLst/>
+                            <a:latin typeface="+mn-lt"/>
+                          </a:endParaRPr>
+                        </a:p>
+                        <a:p>
+                          <a:pPr algn="l"/>
+                          <a:endParaRPr lang="en-US" sz="2800" b="0" i="0" dirty="0" smtClean="0">
+                            <a:solidFill>
+                              <a:srgbClr val="0D0D0D"/>
+                            </a:solidFill>
+                            <a:effectLst/>
+                            <a:latin typeface="+mn-lt"/>
+                          </a:endParaRPr>
+                        </a:p>
+                        <a:p>
+                          <a:pPr algn="l"/>
+                          <a:endParaRPr lang="en-US" sz="2800" b="0" i="0" dirty="0" smtClean="0">
+                            <a:solidFill>
+                              <a:srgbClr val="0D0D0D"/>
+                            </a:solidFill>
+                            <a:effectLst/>
+                            <a:latin typeface="+mn-lt"/>
+                          </a:endParaRPr>
+                        </a:p>
+                        <a:p>
+                          <a:pPr algn="l"/>
+                          <a:endParaRPr lang="en-US" sz="2800" b="0" i="0" dirty="0" smtClean="0">
+                            <a:solidFill>
+                              <a:srgbClr val="0D0D0D"/>
+                            </a:solidFill>
+                            <a:effectLst/>
+                            <a:latin typeface="+mn-lt"/>
+                          </a:endParaRPr>
+                        </a:p>
+                        <a:p>
+                          <a:pPr algn="l"/>
+                          <a:endParaRPr lang="en-US" sz="2800" b="0" i="0" dirty="0" smtClean="0">
+                            <a:solidFill>
+                              <a:srgbClr val="0D0D0D"/>
+                            </a:solidFill>
+                            <a:effectLst/>
+                            <a:latin typeface="+mn-lt"/>
+                          </a:endParaRPr>
+                        </a:p>
+                        <a:p>
+                          <a:pPr algn="l"/>
+                          <a:endParaRPr lang="en-US" sz="2800" b="0" i="0" dirty="0" smtClean="0">
+                            <a:solidFill>
+                              <a:srgbClr val="0D0D0D"/>
+                            </a:solidFill>
+                            <a:effectLst/>
+                            <a:latin typeface="+mn-lt"/>
+                          </a:endParaRPr>
+                        </a:p>
+                        <a:p>
+                          <a:pPr algn="l"/>
+                          <a:endParaRPr lang="en-US" sz="2800" b="0" i="0" dirty="0" smtClean="0">
+                            <a:solidFill>
+                              <a:srgbClr val="0D0D0D"/>
+                            </a:solidFill>
+                            <a:effectLst/>
+                            <a:latin typeface="+mn-lt"/>
+                          </a:endParaRPr>
+                        </a:p>
+                        <a:p>
+                          <a:pPr algn="l"/>
+                          <a:endParaRPr lang="en-US" sz="2800" b="0" i="0" dirty="0" smtClean="0">
+                            <a:solidFill>
+                              <a:srgbClr val="0D0D0D"/>
+                            </a:solidFill>
+                            <a:effectLst/>
+                            <a:latin typeface="+mn-lt"/>
+                          </a:endParaRPr>
+                        </a:p>
+                        <a:p>
+                          <a:pPr marL="0" marR="0" lvl="0" indent="0" algn="l" defTabSz="3359963" rtl="0" eaLnBrk="1" fontAlgn="auto" latinLnBrk="0" hangingPunct="1">
+                            <a:lnSpc>
+                              <a:spcPct val="100000"/>
+                            </a:lnSpc>
+                            <a:spcBef>
+                              <a:spcPts val="0"/>
+                            </a:spcBef>
+                            <a:spcAft>
+                              <a:spcPts val="0"/>
+                            </a:spcAft>
+                            <a:buClrTx/>
+                            <a:buSzTx/>
+                            <a:buFontTx/>
+                            <a:buNone/>
+                            <a:tabLst/>
+                            <a:defRPr/>
+                          </a:pPr>
+                          <a:r>
+                            <a:rPr lang="en-US" sz="2800" b="1" kern="1200" dirty="0" smtClean="0">
+                              <a:solidFill>
+                                <a:schemeClr val="tx1"/>
+                              </a:solidFill>
+                              <a:effectLst/>
+                              <a:latin typeface="+mn-lt"/>
+                              <a:ea typeface="+mn-ea"/>
+                              <a:cs typeface="Open Sans Hebrew" panose="00000500000000000000" pitchFamily="2" charset="-79"/>
+                            </a:rPr>
+                            <a:t>Methods/Implementation</a:t>
+                          </a:r>
+                        </a:p>
+                        <a:p>
+                          <a:pPr algn="l"/>
+                          <a:endParaRPr lang="en-US" sz="2800" b="0" i="0" dirty="0" smtClean="0">
+                            <a:solidFill>
+                              <a:srgbClr val="0D0D0D"/>
+                            </a:solidFill>
+                            <a:effectLst/>
+                            <a:latin typeface="+mn-lt"/>
+                          </a:endParaRPr>
+                        </a:p>
+                        <a:p>
+                          <a:pPr algn="l"/>
+                          <a:endParaRPr lang="en-US" sz="2800" b="0" i="0" dirty="0" smtClean="0">
+                            <a:solidFill>
+                              <a:srgbClr val="0D0D0D"/>
+                            </a:solidFill>
+                            <a:effectLst/>
+                            <a:latin typeface="+mn-lt"/>
+                          </a:endParaRPr>
+                        </a:p>
+                        <a:p>
+                          <a:pPr algn="l"/>
+                          <a:endParaRPr lang="en-US" sz="2800" b="0" i="0" dirty="0" smtClean="0">
+                            <a:solidFill>
+                              <a:srgbClr val="0D0D0D"/>
+                            </a:solidFill>
+                            <a:effectLst/>
+                            <a:latin typeface="+mn-lt"/>
+                          </a:endParaRPr>
+                        </a:p>
+                        <a:p>
+                          <a:pPr algn="l"/>
+                          <a:endParaRPr lang="en-US" sz="2800" b="0" i="0" dirty="0" smtClean="0">
+                            <a:solidFill>
+                              <a:srgbClr val="0D0D0D"/>
+                            </a:solidFill>
+                            <a:effectLst/>
+                            <a:latin typeface="+mn-lt"/>
+                          </a:endParaRPr>
+                        </a:p>
+                        <a:p>
+                          <a:pPr algn="l"/>
+                          <a:endParaRPr lang="en-US" sz="2800" b="0" i="0" dirty="0" smtClean="0">
+                            <a:solidFill>
+                              <a:srgbClr val="0D0D0D"/>
+                            </a:solidFill>
+                            <a:effectLst/>
+                            <a:latin typeface="+mn-lt"/>
+                          </a:endParaRPr>
+                        </a:p>
+                        <a:p>
+                          <a:pPr algn="l"/>
+                          <a:endParaRPr lang="en-US" sz="2800" b="0" i="0" dirty="0" smtClean="0">
+                            <a:solidFill>
+                              <a:srgbClr val="0D0D0D"/>
+                            </a:solidFill>
+                            <a:effectLst/>
+                            <a:latin typeface="+mn-lt"/>
+                          </a:endParaRPr>
+                        </a:p>
+                        <a:p>
+                          <a:pPr algn="l"/>
+                          <a:r>
+                            <a:rPr lang="en-US" sz="2800" dirty="0" smtClean="0"/>
+                            <a:t/>
+                          </a:r>
+                          <a:br>
+                            <a:rPr lang="en-US" sz="2800" dirty="0" smtClean="0"/>
+                          </a:br>
+                          <a:endParaRPr lang="en-US" sz="2800" dirty="0" smtClean="0"/>
+                        </a:p>
+                        <a:p>
+                          <a:pPr algn="l"/>
+                          <a:endParaRPr lang="en-US" sz="2800" baseline="0" dirty="0" smtClean="0">
+                            <a:effectLst/>
+                            <a:latin typeface="+mn-lt"/>
+                            <a:cs typeface="Open Sans Hebrew" panose="00000500000000000000" pitchFamily="2" charset="-79"/>
+                          </a:endParaRPr>
+                        </a:p>
+                      </a:txBody>
+                      <a:tcPr marL="137160" marR="137160" marT="137160" marB="137160">
+                        <a:lnL w="12700" cap="flat" cmpd="sng" algn="ctr">
+                          <a:noFill/>
+                          <a:prstDash val="solid"/>
+                          <a:round/>
+                          <a:headEnd type="none" w="med" len="med"/>
+                          <a:tailEnd type="none" w="med" len="med"/>
+                        </a:lnL>
+                        <a:lnR w="12700" cap="flat" cmpd="sng" algn="ctr">
+                          <a:noFill/>
+                          <a:prstDash val="solid"/>
+                          <a:round/>
+                          <a:headEnd type="none" w="med" len="med"/>
+                          <a:tailEnd type="none" w="med" len="med"/>
+                        </a:lnR>
+                        <a:lnT w="12700" cap="flat" cmpd="sng" algn="ctr">
+                          <a:noFill/>
+                          <a:prstDash val="solid"/>
+                          <a:round/>
+                          <a:headEnd type="none" w="med" len="med"/>
+                          <a:tailEnd type="none" w="med" len="med"/>
+                        </a:lnT>
+                        <a:lnB w="12700" cap="flat" cmpd="sng" algn="ctr">
+                          <a:noFill/>
+                          <a:prstDash val="solid"/>
+                          <a:round/>
+                          <a:headEnd type="none" w="med" len="med"/>
+                          <a:tailEnd type="none" w="med" len="med"/>
+                        </a:lnB>
+                        <a:lnTlToBr w="12700" cmpd="sng">
+                          <a:noFill/>
+                          <a:prstDash val="solid"/>
+                        </a:lnTlToBr>
+                        <a:lnBlToTr w="12700" cmpd="sng">
+                          <a:noFill/>
+                          <a:prstDash val="solid"/>
+                        </a:lnBlToTr>
+                      </a:tcPr>
+                    </a:tc>
+                    <a:tc>
+                      <a:txBody>
+                        <a:bodyPr/>
+                        <a:lstStyle/>
+                        <a:p>
+                          <a:endParaRPr lang="he-IL"/>
+                        </a:p>
+                      </a:txBody>
+                      <a:tcPr marL="137160" marR="137160" marT="137160" marB="137160">
+                        <a:lnL w="12700" cap="flat" cmpd="sng" algn="ctr">
+                          <a:noFill/>
+                          <a:prstDash val="solid"/>
+                          <a:round/>
+                          <a:headEnd type="none" w="med" len="med"/>
+                          <a:tailEnd type="none" w="med" len="med"/>
+                        </a:lnL>
+                        <a:lnR w="12700" cap="flat" cmpd="sng" algn="ctr">
+                          <a:noFill/>
+                          <a:prstDash val="solid"/>
+                          <a:round/>
+                          <a:headEnd type="none" w="med" len="med"/>
+                          <a:tailEnd type="none" w="med" len="med"/>
+                        </a:lnR>
+                        <a:lnT w="12700" cap="flat" cmpd="sng" algn="ctr">
+                          <a:noFill/>
+                          <a:prstDash val="solid"/>
+                          <a:round/>
+                          <a:headEnd type="none" w="med" len="med"/>
+                          <a:tailEnd type="none" w="med" len="med"/>
+                        </a:lnT>
+                        <a:lnB w="12700" cap="flat" cmpd="sng" algn="ctr">
+                          <a:noFill/>
+                          <a:prstDash val="solid"/>
+                          <a:round/>
+                          <a:headEnd type="none" w="med" len="med"/>
+                          <a:tailEnd type="none" w="med" len="med"/>
+                        </a:lnB>
+                        <a:lnTlToBr w="12700" cmpd="sng">
+                          <a:noFill/>
+                          <a:prstDash val="solid"/>
+                        </a:lnTlToBr>
+                        <a:lnBlToTr w="12700" cmpd="sng">
+                          <a:noFill/>
+                          <a:prstDash val="solid"/>
+                        </a:lnBlToTr>
+                        <a:blipFill>
+                          <a:blip/>
+                          <a:stretch>
+                            <a:fillRect/>
+                          </a:stretch>
+                        </a:blipFill>
+                      </a:tcPr>
+                    </a:tc>
+                    <a:tc>
+                      <a:txBody>
+                        <a:bodyPr/>
+                        <a:lstStyle/>
+                        <a:p>
+                          <a:pPr marL="0" marR="0" lvl="0" indent="0" algn="l" defTabSz="2519995" rtl="0" eaLnBrk="1" fontAlgn="auto" latinLnBrk="0" hangingPunct="1">
+                            <a:lnSpc>
+                              <a:spcPct val="100000"/>
+                            </a:lnSpc>
+                            <a:spcBef>
+                              <a:spcPts val="0"/>
+                            </a:spcBef>
+                            <a:spcAft>
+                              <a:spcPts val="0"/>
+                            </a:spcAft>
+                            <a:buClrTx/>
+                            <a:buSzTx/>
+                            <a:buFontTx/>
+                            <a:buNone/>
+                            <a:tabLst/>
+                            <a:defRPr/>
+                          </a:pPr>
+                          <a:endParaRPr lang="en-US" sz="2800" b="1" kern="1200" dirty="0" smtClean="0">
+                            <a:solidFill>
+                              <a:schemeClr val="tx1"/>
+                            </a:solidFill>
+                            <a:effectLst/>
+                            <a:latin typeface="+mn-lt"/>
+                            <a:ea typeface="+mn-ea"/>
+                            <a:cs typeface="Open Sans Hebrew" panose="00000500000000000000" pitchFamily="2" charset="-79"/>
+                          </a:endParaRPr>
+                        </a:p>
+                        <a:p>
+                          <a:pPr marL="0" marR="0" lvl="0" indent="0" algn="l" defTabSz="2519995" rtl="0" eaLnBrk="1" fontAlgn="auto" latinLnBrk="0" hangingPunct="1">
+                            <a:lnSpc>
+                              <a:spcPct val="100000"/>
+                            </a:lnSpc>
+                            <a:spcBef>
+                              <a:spcPts val="0"/>
+                            </a:spcBef>
+                            <a:spcAft>
+                              <a:spcPts val="0"/>
+                            </a:spcAft>
+                            <a:buClrTx/>
+                            <a:buSzTx/>
+                            <a:buFontTx/>
+                            <a:buNone/>
+                            <a:tabLst/>
+                            <a:defRPr/>
+                          </a:pPr>
+                          <a:r>
+                            <a:rPr lang="en-US" sz="2800" b="0" kern="1200" dirty="0" smtClean="0">
+                              <a:solidFill>
+                                <a:schemeClr val="tx1"/>
+                              </a:solidFill>
+                              <a:effectLst/>
+                              <a:latin typeface="+mn-lt"/>
+                              <a:ea typeface="+mn-ea"/>
+                              <a:cs typeface="Open Sans Hebrew" panose="00000500000000000000" pitchFamily="2" charset="-79"/>
+                            </a:rPr>
+                            <a:t>For the </a:t>
+                          </a:r>
+                          <a:r>
+                            <a:rPr lang="en-US" sz="2800" b="0" kern="1200" dirty="0" err="1" smtClean="0">
+                              <a:solidFill>
+                                <a:schemeClr val="tx1"/>
+                              </a:solidFill>
+                              <a:effectLst/>
+                              <a:latin typeface="+mn-lt"/>
+                              <a:ea typeface="+mn-ea"/>
+                              <a:cs typeface="Open Sans Hebrew" panose="00000500000000000000" pitchFamily="2" charset="-79"/>
+                            </a:rPr>
+                            <a:t>ToF</a:t>
+                          </a:r>
+                          <a:r>
+                            <a:rPr lang="en-US" sz="2800" b="0" kern="1200" dirty="0" smtClean="0">
+                              <a:solidFill>
+                                <a:schemeClr val="tx1"/>
+                              </a:solidFill>
+                              <a:effectLst/>
+                              <a:latin typeface="+mn-lt"/>
+                              <a:ea typeface="+mn-ea"/>
+                              <a:cs typeface="Open Sans Hebrew" panose="00000500000000000000" pitchFamily="2" charset="-79"/>
+                            </a:rPr>
+                            <a:t> sensor, we conducted a 'walk test' to assess its responsiveness to changes in distance. By approaching and then distancing from the sensor, we observed fluctuations in the mean sensor values, which effectively indicated increases and decreases in proximity.</a:t>
+                          </a:r>
+                        </a:p>
+                        <a:p>
+                          <a:pPr marL="0" marR="0" lvl="0" indent="0" algn="l" defTabSz="2519995" rtl="0" eaLnBrk="1" fontAlgn="auto" latinLnBrk="0" hangingPunct="1">
+                            <a:lnSpc>
+                              <a:spcPct val="100000"/>
+                            </a:lnSpc>
+                            <a:spcBef>
+                              <a:spcPts val="0"/>
+                            </a:spcBef>
+                            <a:spcAft>
+                              <a:spcPts val="0"/>
+                            </a:spcAft>
+                            <a:buClrTx/>
+                            <a:buSzTx/>
+                            <a:buFontTx/>
+                            <a:buNone/>
+                            <a:tabLst/>
+                            <a:defRPr/>
+                          </a:pPr>
+                          <a:endParaRPr lang="en-US" sz="2800" b="1" kern="1200" dirty="0" smtClean="0">
+                            <a:solidFill>
+                              <a:schemeClr val="tx1"/>
+                            </a:solidFill>
+                            <a:effectLst/>
+                            <a:latin typeface="+mn-lt"/>
+                            <a:ea typeface="+mn-ea"/>
+                            <a:cs typeface="Open Sans Hebrew" panose="00000500000000000000" pitchFamily="2" charset="-79"/>
+                          </a:endParaRPr>
+                        </a:p>
+                        <a:p>
+                          <a:pPr marL="0" marR="0" lvl="0" indent="0" algn="l" defTabSz="2519995" rtl="0" eaLnBrk="1" fontAlgn="auto" latinLnBrk="0" hangingPunct="1">
+                            <a:lnSpc>
+                              <a:spcPct val="100000"/>
+                            </a:lnSpc>
+                            <a:spcBef>
+                              <a:spcPts val="0"/>
+                            </a:spcBef>
+                            <a:spcAft>
+                              <a:spcPts val="0"/>
+                            </a:spcAft>
+                            <a:buClrTx/>
+                            <a:buSzTx/>
+                            <a:buFontTx/>
+                            <a:buNone/>
+                            <a:tabLst/>
+                            <a:defRPr/>
+                          </a:pPr>
+                          <a:endParaRPr lang="en-US" sz="2800" b="1" kern="1200" dirty="0" smtClean="0">
+                            <a:solidFill>
+                              <a:schemeClr val="tx1"/>
+                            </a:solidFill>
+                            <a:effectLst/>
+                            <a:latin typeface="+mn-lt"/>
+                            <a:ea typeface="+mn-ea"/>
+                            <a:cs typeface="Open Sans Hebrew" panose="00000500000000000000" pitchFamily="2" charset="-79"/>
+                          </a:endParaRPr>
+                        </a:p>
+                        <a:p>
+                          <a:pPr marL="0" marR="0" lvl="0" indent="0" algn="l" defTabSz="2519995" rtl="0" eaLnBrk="1" fontAlgn="auto" latinLnBrk="0" hangingPunct="1">
+                            <a:lnSpc>
+                              <a:spcPct val="100000"/>
+                            </a:lnSpc>
+                            <a:spcBef>
+                              <a:spcPts val="0"/>
+                            </a:spcBef>
+                            <a:spcAft>
+                              <a:spcPts val="0"/>
+                            </a:spcAft>
+                            <a:buClrTx/>
+                            <a:buSzTx/>
+                            <a:buFontTx/>
+                            <a:buNone/>
+                            <a:tabLst/>
+                            <a:defRPr/>
+                          </a:pPr>
+                          <a:endParaRPr lang="en-US" sz="2800" b="1" kern="1200" dirty="0" smtClean="0">
+                            <a:solidFill>
+                              <a:schemeClr val="tx1"/>
+                            </a:solidFill>
+                            <a:effectLst/>
+                            <a:latin typeface="+mn-lt"/>
+                            <a:ea typeface="+mn-ea"/>
+                            <a:cs typeface="Open Sans Hebrew" panose="00000500000000000000" pitchFamily="2" charset="-79"/>
+                          </a:endParaRPr>
+                        </a:p>
+                        <a:p>
+                          <a:pPr marL="0" marR="0" lvl="0" indent="0" algn="l" defTabSz="2519995" rtl="0" eaLnBrk="1" fontAlgn="auto" latinLnBrk="0" hangingPunct="1">
+                            <a:lnSpc>
+                              <a:spcPct val="100000"/>
+                            </a:lnSpc>
+                            <a:spcBef>
+                              <a:spcPts val="0"/>
+                            </a:spcBef>
+                            <a:spcAft>
+                              <a:spcPts val="0"/>
+                            </a:spcAft>
+                            <a:buClrTx/>
+                            <a:buSzTx/>
+                            <a:buFontTx/>
+                            <a:buNone/>
+                            <a:tabLst/>
+                            <a:defRPr/>
+                          </a:pPr>
+                          <a:endParaRPr lang="en-US" sz="2800" b="1" kern="1200" dirty="0" smtClean="0">
+                            <a:solidFill>
+                              <a:schemeClr val="tx1"/>
+                            </a:solidFill>
+                            <a:effectLst/>
+                            <a:latin typeface="+mn-lt"/>
+                            <a:ea typeface="+mn-ea"/>
+                            <a:cs typeface="Open Sans Hebrew" panose="00000500000000000000" pitchFamily="2" charset="-79"/>
+                          </a:endParaRPr>
+                        </a:p>
+                        <a:p>
+                          <a:pPr marL="0" marR="0" lvl="0" indent="0" algn="l" defTabSz="2519995" rtl="0" eaLnBrk="1" fontAlgn="auto" latinLnBrk="0" hangingPunct="1">
+                            <a:lnSpc>
+                              <a:spcPct val="100000"/>
+                            </a:lnSpc>
+                            <a:spcBef>
+                              <a:spcPts val="0"/>
+                            </a:spcBef>
+                            <a:spcAft>
+                              <a:spcPts val="0"/>
+                            </a:spcAft>
+                            <a:buClrTx/>
+                            <a:buSzTx/>
+                            <a:buFontTx/>
+                            <a:buNone/>
+                            <a:tabLst/>
+                            <a:defRPr/>
+                          </a:pPr>
+                          <a:endParaRPr lang="en-US" sz="2800" b="1" kern="1200" dirty="0" smtClean="0">
+                            <a:solidFill>
+                              <a:schemeClr val="tx1"/>
+                            </a:solidFill>
+                            <a:effectLst/>
+                            <a:latin typeface="+mn-lt"/>
+                            <a:ea typeface="+mn-ea"/>
+                            <a:cs typeface="Open Sans Hebrew" panose="00000500000000000000" pitchFamily="2" charset="-79"/>
+                          </a:endParaRPr>
+                        </a:p>
+                        <a:p>
+                          <a:pPr marL="0" marR="0" lvl="0" indent="0" algn="l" defTabSz="2519995" rtl="0" eaLnBrk="1" fontAlgn="auto" latinLnBrk="0" hangingPunct="1">
+                            <a:lnSpc>
+                              <a:spcPct val="100000"/>
+                            </a:lnSpc>
+                            <a:spcBef>
+                              <a:spcPts val="0"/>
+                            </a:spcBef>
+                            <a:spcAft>
+                              <a:spcPts val="0"/>
+                            </a:spcAft>
+                            <a:buClrTx/>
+                            <a:buSzTx/>
+                            <a:buFontTx/>
+                            <a:buNone/>
+                            <a:tabLst/>
+                            <a:defRPr/>
+                          </a:pPr>
+                          <a:endParaRPr lang="en-US" sz="2800" b="1" kern="1200" dirty="0" smtClean="0">
+                            <a:solidFill>
+                              <a:schemeClr val="tx1"/>
+                            </a:solidFill>
+                            <a:effectLst/>
+                            <a:latin typeface="+mn-lt"/>
+                            <a:ea typeface="+mn-ea"/>
+                            <a:cs typeface="Open Sans Hebrew" panose="00000500000000000000" pitchFamily="2" charset="-79"/>
+                          </a:endParaRPr>
+                        </a:p>
+                        <a:p>
+                          <a:pPr marL="0" marR="0" lvl="0" indent="0" algn="l" defTabSz="2519995" rtl="0" eaLnBrk="1" fontAlgn="auto" latinLnBrk="0" hangingPunct="1">
+                            <a:lnSpc>
+                              <a:spcPct val="100000"/>
+                            </a:lnSpc>
+                            <a:spcBef>
+                              <a:spcPts val="0"/>
+                            </a:spcBef>
+                            <a:spcAft>
+                              <a:spcPts val="0"/>
+                            </a:spcAft>
+                            <a:buClrTx/>
+                            <a:buSzTx/>
+                            <a:buFontTx/>
+                            <a:buNone/>
+                            <a:tabLst/>
+                            <a:defRPr/>
+                          </a:pPr>
+                          <a:endParaRPr lang="en-US" sz="2800" b="1" kern="1200" dirty="0" smtClean="0">
+                            <a:solidFill>
+                              <a:schemeClr val="tx1"/>
+                            </a:solidFill>
+                            <a:effectLst/>
+                            <a:latin typeface="+mn-lt"/>
+                            <a:ea typeface="+mn-ea"/>
+                            <a:cs typeface="Open Sans Hebrew" panose="00000500000000000000" pitchFamily="2" charset="-79"/>
+                          </a:endParaRPr>
+                        </a:p>
+                        <a:p>
+                          <a:pPr marL="0" marR="0" lvl="0" indent="0" algn="l" defTabSz="2519995" rtl="0" eaLnBrk="1" fontAlgn="auto" latinLnBrk="0" hangingPunct="1">
+                            <a:lnSpc>
+                              <a:spcPct val="100000"/>
+                            </a:lnSpc>
+                            <a:spcBef>
+                              <a:spcPts val="0"/>
+                            </a:spcBef>
+                            <a:spcAft>
+                              <a:spcPts val="0"/>
+                            </a:spcAft>
+                            <a:buClrTx/>
+                            <a:buSzTx/>
+                            <a:buFontTx/>
+                            <a:buNone/>
+                            <a:tabLst/>
+                            <a:defRPr/>
+                          </a:pPr>
+                          <a:endParaRPr lang="en-US" sz="2800" b="1" kern="1200" dirty="0" smtClean="0">
+                            <a:solidFill>
+                              <a:schemeClr val="tx1"/>
+                            </a:solidFill>
+                            <a:effectLst/>
+                            <a:latin typeface="+mn-lt"/>
+                            <a:ea typeface="+mn-ea"/>
+                            <a:cs typeface="Open Sans Hebrew" panose="00000500000000000000" pitchFamily="2" charset="-79"/>
+                          </a:endParaRPr>
+                        </a:p>
+                        <a:p>
+                          <a:pPr marL="0" marR="0" lvl="0" indent="0" algn="l" defTabSz="2519995" rtl="0" eaLnBrk="1" fontAlgn="auto" latinLnBrk="0" hangingPunct="1">
+                            <a:lnSpc>
+                              <a:spcPct val="100000"/>
+                            </a:lnSpc>
+                            <a:spcBef>
+                              <a:spcPts val="0"/>
+                            </a:spcBef>
+                            <a:spcAft>
+                              <a:spcPts val="0"/>
+                            </a:spcAft>
+                            <a:buClrTx/>
+                            <a:buSzTx/>
+                            <a:buFontTx/>
+                            <a:buNone/>
+                            <a:tabLst/>
+                            <a:defRPr/>
+                          </a:pPr>
+                          <a:endParaRPr lang="en-US" sz="2800" b="1" kern="1200" dirty="0" smtClean="0">
+                            <a:solidFill>
+                              <a:schemeClr val="tx1"/>
+                            </a:solidFill>
+                            <a:effectLst/>
+                            <a:latin typeface="+mn-lt"/>
+                            <a:ea typeface="+mn-ea"/>
+                            <a:cs typeface="Open Sans Hebrew" panose="00000500000000000000" pitchFamily="2" charset="-79"/>
+                          </a:endParaRPr>
+                        </a:p>
+                        <a:p>
+                          <a:pPr marL="0" marR="0" lvl="0" indent="0" algn="l" defTabSz="2519995" rtl="0" eaLnBrk="1" fontAlgn="auto" latinLnBrk="0" hangingPunct="1">
+                            <a:lnSpc>
+                              <a:spcPct val="100000"/>
+                            </a:lnSpc>
+                            <a:spcBef>
+                              <a:spcPts val="0"/>
+                            </a:spcBef>
+                            <a:spcAft>
+                              <a:spcPts val="0"/>
+                            </a:spcAft>
+                            <a:buClrTx/>
+                            <a:buSzTx/>
+                            <a:buFontTx/>
+                            <a:buNone/>
+                            <a:tabLst/>
+                            <a:defRPr/>
+                          </a:pPr>
+                          <a:endParaRPr lang="en-US" sz="2800" b="1" kern="1200" dirty="0" smtClean="0">
+                            <a:solidFill>
+                              <a:schemeClr val="tx1"/>
+                            </a:solidFill>
+                            <a:effectLst/>
+                            <a:latin typeface="+mn-lt"/>
+                            <a:ea typeface="+mn-ea"/>
+                            <a:cs typeface="Open Sans Hebrew" panose="00000500000000000000" pitchFamily="2" charset="-79"/>
+                          </a:endParaRPr>
+                        </a:p>
+                        <a:p>
+                          <a:pPr marL="0" marR="0" lvl="0" indent="0" algn="l" defTabSz="2519995" rtl="0" eaLnBrk="1" fontAlgn="auto" latinLnBrk="0" hangingPunct="1">
+                            <a:lnSpc>
+                              <a:spcPct val="100000"/>
+                            </a:lnSpc>
+                            <a:spcBef>
+                              <a:spcPts val="0"/>
+                            </a:spcBef>
+                            <a:spcAft>
+                              <a:spcPts val="0"/>
+                            </a:spcAft>
+                            <a:buClrTx/>
+                            <a:buSzTx/>
+                            <a:buFontTx/>
+                            <a:buNone/>
+                            <a:tabLst/>
+                            <a:defRPr/>
+                          </a:pPr>
+                          <a:endParaRPr lang="en-US" sz="2800" b="1" kern="1200" dirty="0" smtClean="0">
+                            <a:solidFill>
+                              <a:schemeClr val="tx1"/>
+                            </a:solidFill>
+                            <a:effectLst/>
+                            <a:latin typeface="+mn-lt"/>
+                            <a:ea typeface="+mn-ea"/>
+                            <a:cs typeface="Open Sans Hebrew" panose="00000500000000000000" pitchFamily="2" charset="-79"/>
+                          </a:endParaRPr>
+                        </a:p>
+                        <a:p>
+                          <a:pPr marL="0" marR="0" lvl="0" indent="0" algn="l" defTabSz="2519995" rtl="0" eaLnBrk="1" fontAlgn="auto" latinLnBrk="0" hangingPunct="1">
+                            <a:lnSpc>
+                              <a:spcPct val="100000"/>
+                            </a:lnSpc>
+                            <a:spcBef>
+                              <a:spcPts val="0"/>
+                            </a:spcBef>
+                            <a:spcAft>
+                              <a:spcPts val="0"/>
+                            </a:spcAft>
+                            <a:buClrTx/>
+                            <a:buSzTx/>
+                            <a:buFontTx/>
+                            <a:buNone/>
+                            <a:tabLst/>
+                            <a:defRPr/>
+                          </a:pPr>
+                          <a:r>
+                            <a:rPr lang="en-US" sz="2800" b="0" i="0" dirty="0" smtClean="0">
+                              <a:solidFill>
+                                <a:srgbClr val="0D0D0D"/>
+                              </a:solidFill>
+                              <a:effectLst/>
+                              <a:latin typeface="Söhne"/>
+                            </a:rPr>
+                            <a:t>We conducted a series of press tests on the FSR to evaluate its sensitivity and responsiveness. The sensor was repeatedly compressed and released to verify its ability to consistently register pressure changes.</a:t>
+                          </a:r>
+                          <a:endParaRPr lang="en-US" sz="2800" b="1" kern="1200" dirty="0" smtClean="0">
+                            <a:solidFill>
+                              <a:schemeClr val="tx1"/>
+                            </a:solidFill>
+                            <a:effectLst/>
+                            <a:latin typeface="+mn-lt"/>
+                            <a:ea typeface="+mn-ea"/>
+                            <a:cs typeface="Open Sans Hebrew" panose="00000500000000000000" pitchFamily="2" charset="-79"/>
+                          </a:endParaRPr>
+                        </a:p>
+                        <a:p>
+                          <a:pPr marL="0" marR="0" lvl="0" indent="0" algn="l" defTabSz="2519995" rtl="0" eaLnBrk="1" fontAlgn="auto" latinLnBrk="0" hangingPunct="1">
+                            <a:lnSpc>
+                              <a:spcPct val="100000"/>
+                            </a:lnSpc>
+                            <a:spcBef>
+                              <a:spcPts val="0"/>
+                            </a:spcBef>
+                            <a:spcAft>
+                              <a:spcPts val="0"/>
+                            </a:spcAft>
+                            <a:buClrTx/>
+                            <a:buSzTx/>
+                            <a:buFontTx/>
+                            <a:buNone/>
+                            <a:tabLst/>
+                            <a:defRPr/>
+                          </a:pPr>
+                          <a:endParaRPr lang="en-US" sz="2800" b="1" kern="1200" dirty="0" smtClean="0">
+                            <a:solidFill>
+                              <a:schemeClr val="tx1"/>
+                            </a:solidFill>
+                            <a:effectLst/>
+                            <a:latin typeface="+mn-lt"/>
+                            <a:ea typeface="+mn-ea"/>
+                            <a:cs typeface="Open Sans Hebrew" panose="00000500000000000000" pitchFamily="2" charset="-79"/>
+                          </a:endParaRPr>
+                        </a:p>
+                        <a:p>
+                          <a:pPr marL="0" marR="0" lvl="0" indent="0" algn="l" defTabSz="2519995" rtl="0" eaLnBrk="1" fontAlgn="auto" latinLnBrk="0" hangingPunct="1">
+                            <a:lnSpc>
+                              <a:spcPct val="100000"/>
+                            </a:lnSpc>
+                            <a:spcBef>
+                              <a:spcPts val="0"/>
+                            </a:spcBef>
+                            <a:spcAft>
+                              <a:spcPts val="0"/>
+                            </a:spcAft>
+                            <a:buClrTx/>
+                            <a:buSzTx/>
+                            <a:buFontTx/>
+                            <a:buNone/>
+                            <a:tabLst/>
+                            <a:defRPr/>
+                          </a:pPr>
+                          <a:endParaRPr lang="en-US" sz="2800" b="1" kern="1200" dirty="0" smtClean="0">
+                            <a:solidFill>
+                              <a:schemeClr val="tx1"/>
+                            </a:solidFill>
+                            <a:effectLst/>
+                            <a:latin typeface="+mn-lt"/>
+                            <a:ea typeface="+mn-ea"/>
+                            <a:cs typeface="Open Sans Hebrew" panose="00000500000000000000" pitchFamily="2" charset="-79"/>
+                          </a:endParaRPr>
+                        </a:p>
+                        <a:p>
+                          <a:pPr marL="0" marR="0" lvl="0" indent="0" algn="l" defTabSz="2519995" rtl="0" eaLnBrk="1" fontAlgn="auto" latinLnBrk="0" hangingPunct="1">
+                            <a:lnSpc>
+                              <a:spcPct val="100000"/>
+                            </a:lnSpc>
+                            <a:spcBef>
+                              <a:spcPts val="0"/>
+                            </a:spcBef>
+                            <a:spcAft>
+                              <a:spcPts val="0"/>
+                            </a:spcAft>
+                            <a:buClrTx/>
+                            <a:buSzTx/>
+                            <a:buFontTx/>
+                            <a:buNone/>
+                            <a:tabLst/>
+                            <a:defRPr/>
+                          </a:pPr>
+                          <a:endParaRPr lang="en-US" sz="2800" b="1" kern="1200" dirty="0" smtClean="0">
+                            <a:solidFill>
+                              <a:schemeClr val="tx1"/>
+                            </a:solidFill>
+                            <a:effectLst/>
+                            <a:latin typeface="+mn-lt"/>
+                            <a:ea typeface="+mn-ea"/>
+                            <a:cs typeface="Open Sans Hebrew" panose="00000500000000000000" pitchFamily="2" charset="-79"/>
+                          </a:endParaRPr>
+                        </a:p>
+                        <a:p>
+                          <a:pPr marL="0" marR="0" lvl="0" indent="0" algn="l" defTabSz="2519995" rtl="0" eaLnBrk="1" fontAlgn="auto" latinLnBrk="0" hangingPunct="1">
+                            <a:lnSpc>
+                              <a:spcPct val="100000"/>
+                            </a:lnSpc>
+                            <a:spcBef>
+                              <a:spcPts val="0"/>
+                            </a:spcBef>
+                            <a:spcAft>
+                              <a:spcPts val="0"/>
+                            </a:spcAft>
+                            <a:buClrTx/>
+                            <a:buSzTx/>
+                            <a:buFontTx/>
+                            <a:buNone/>
+                            <a:tabLst/>
+                            <a:defRPr/>
+                          </a:pPr>
+                          <a:endParaRPr lang="en-US" sz="2800" b="1" kern="1200" dirty="0" smtClean="0">
+                            <a:solidFill>
+                              <a:schemeClr val="tx1"/>
+                            </a:solidFill>
+                            <a:effectLst/>
+                            <a:latin typeface="+mn-lt"/>
+                            <a:ea typeface="+mn-ea"/>
+                            <a:cs typeface="Open Sans Hebrew" panose="00000500000000000000" pitchFamily="2" charset="-79"/>
+                          </a:endParaRPr>
+                        </a:p>
+                        <a:p>
+                          <a:pPr marL="0" marR="0" lvl="0" indent="0" algn="l" defTabSz="2519995" rtl="0" eaLnBrk="1" fontAlgn="auto" latinLnBrk="0" hangingPunct="1">
+                            <a:lnSpc>
+                              <a:spcPct val="100000"/>
+                            </a:lnSpc>
+                            <a:spcBef>
+                              <a:spcPts val="0"/>
+                            </a:spcBef>
+                            <a:spcAft>
+                              <a:spcPts val="0"/>
+                            </a:spcAft>
+                            <a:buClrTx/>
+                            <a:buSzTx/>
+                            <a:buFontTx/>
+                            <a:buNone/>
+                            <a:tabLst/>
+                            <a:defRPr/>
+                          </a:pPr>
+                          <a:endParaRPr lang="en-US" sz="2800" b="1" kern="1200" dirty="0" smtClean="0">
+                            <a:solidFill>
+                              <a:schemeClr val="tx1"/>
+                            </a:solidFill>
+                            <a:effectLst/>
+                            <a:latin typeface="+mn-lt"/>
+                            <a:ea typeface="+mn-ea"/>
+                            <a:cs typeface="Open Sans Hebrew" panose="00000500000000000000" pitchFamily="2" charset="-79"/>
+                          </a:endParaRPr>
+                        </a:p>
+                        <a:p>
+                          <a:pPr marL="0" marR="0" lvl="0" indent="0" algn="l" defTabSz="2519995" rtl="0" eaLnBrk="1" fontAlgn="auto" latinLnBrk="0" hangingPunct="1">
+                            <a:lnSpc>
+                              <a:spcPct val="100000"/>
+                            </a:lnSpc>
+                            <a:spcBef>
+                              <a:spcPts val="0"/>
+                            </a:spcBef>
+                            <a:spcAft>
+                              <a:spcPts val="0"/>
+                            </a:spcAft>
+                            <a:buClrTx/>
+                            <a:buSzTx/>
+                            <a:buFontTx/>
+                            <a:buNone/>
+                            <a:tabLst/>
+                            <a:defRPr/>
+                          </a:pPr>
+                          <a:endParaRPr lang="en-US" sz="2800" b="1" kern="1200" dirty="0" smtClean="0">
+                            <a:solidFill>
+                              <a:schemeClr val="tx1"/>
+                            </a:solidFill>
+                            <a:effectLst/>
+                            <a:latin typeface="+mn-lt"/>
+                            <a:ea typeface="+mn-ea"/>
+                            <a:cs typeface="Open Sans Hebrew" panose="00000500000000000000" pitchFamily="2" charset="-79"/>
+                          </a:endParaRPr>
+                        </a:p>
+                        <a:p>
+                          <a:pPr marL="0" marR="0" lvl="0" indent="0" algn="l" defTabSz="2519995" rtl="0" eaLnBrk="1" fontAlgn="auto" latinLnBrk="0" hangingPunct="1">
+                            <a:lnSpc>
+                              <a:spcPct val="100000"/>
+                            </a:lnSpc>
+                            <a:spcBef>
+                              <a:spcPts val="0"/>
+                            </a:spcBef>
+                            <a:spcAft>
+                              <a:spcPts val="0"/>
+                            </a:spcAft>
+                            <a:buClrTx/>
+                            <a:buSzTx/>
+                            <a:buFontTx/>
+                            <a:buNone/>
+                            <a:tabLst/>
+                            <a:defRPr/>
+                          </a:pPr>
+                          <a:endParaRPr lang="en-US" sz="2800" b="1" kern="1200" dirty="0" smtClean="0">
+                            <a:solidFill>
+                              <a:schemeClr val="tx1"/>
+                            </a:solidFill>
+                            <a:effectLst/>
+                            <a:latin typeface="+mn-lt"/>
+                            <a:ea typeface="+mn-ea"/>
+                            <a:cs typeface="Open Sans Hebrew" panose="00000500000000000000" pitchFamily="2" charset="-79"/>
+                          </a:endParaRPr>
+                        </a:p>
+                        <a:p>
+                          <a:pPr marL="0" marR="0" lvl="0" indent="0" algn="l" defTabSz="2519995" rtl="0" eaLnBrk="1" fontAlgn="auto" latinLnBrk="0" hangingPunct="1">
+                            <a:lnSpc>
+                              <a:spcPct val="100000"/>
+                            </a:lnSpc>
+                            <a:spcBef>
+                              <a:spcPts val="0"/>
+                            </a:spcBef>
+                            <a:spcAft>
+                              <a:spcPts val="0"/>
+                            </a:spcAft>
+                            <a:buClrTx/>
+                            <a:buSzTx/>
+                            <a:buFontTx/>
+                            <a:buNone/>
+                            <a:tabLst/>
+                            <a:defRPr/>
+                          </a:pPr>
+                          <a:endParaRPr lang="en-US" sz="2800" b="1" kern="1200" dirty="0" smtClean="0">
+                            <a:solidFill>
+                              <a:schemeClr val="tx1"/>
+                            </a:solidFill>
+                            <a:effectLst/>
+                            <a:latin typeface="+mn-lt"/>
+                            <a:ea typeface="+mn-ea"/>
+                            <a:cs typeface="Open Sans Hebrew" panose="00000500000000000000" pitchFamily="2" charset="-79"/>
+                          </a:endParaRPr>
+                        </a:p>
+                        <a:p>
+                          <a:pPr marL="0" marR="0" lvl="0" indent="0" algn="l" defTabSz="2519995" rtl="0" eaLnBrk="1" fontAlgn="auto" latinLnBrk="0" hangingPunct="1">
+                            <a:lnSpc>
+                              <a:spcPct val="100000"/>
+                            </a:lnSpc>
+                            <a:spcBef>
+                              <a:spcPts val="0"/>
+                            </a:spcBef>
+                            <a:spcAft>
+                              <a:spcPts val="0"/>
+                            </a:spcAft>
+                            <a:buClrTx/>
+                            <a:buSzTx/>
+                            <a:buFontTx/>
+                            <a:buNone/>
+                            <a:tabLst/>
+                            <a:defRPr/>
+                          </a:pPr>
+                          <a:endParaRPr lang="en-US" sz="2800" b="1" kern="1200" dirty="0" smtClean="0">
+                            <a:solidFill>
+                              <a:schemeClr val="tx1"/>
+                            </a:solidFill>
+                            <a:effectLst/>
+                            <a:latin typeface="+mn-lt"/>
+                            <a:ea typeface="+mn-ea"/>
+                            <a:cs typeface="Open Sans Hebrew" panose="00000500000000000000" pitchFamily="2" charset="-79"/>
+                          </a:endParaRPr>
+                        </a:p>
+                        <a:p>
+                          <a:pPr marL="0" marR="0" lvl="0" indent="0" algn="l" defTabSz="2519995" rtl="0" eaLnBrk="1" fontAlgn="auto" latinLnBrk="0" hangingPunct="1">
+                            <a:lnSpc>
+                              <a:spcPct val="100000"/>
+                            </a:lnSpc>
+                            <a:spcBef>
+                              <a:spcPts val="0"/>
+                            </a:spcBef>
+                            <a:spcAft>
+                              <a:spcPts val="0"/>
+                            </a:spcAft>
+                            <a:buClrTx/>
+                            <a:buSzTx/>
+                            <a:buFontTx/>
+                            <a:buNone/>
+                            <a:tabLst/>
+                            <a:defRPr/>
+                          </a:pPr>
+                          <a:endParaRPr lang="en-US" sz="2800" b="1" kern="1200" dirty="0" smtClean="0">
+                            <a:solidFill>
+                              <a:schemeClr val="tx1"/>
+                            </a:solidFill>
+                            <a:effectLst/>
+                            <a:latin typeface="+mn-lt"/>
+                            <a:ea typeface="+mn-ea"/>
+                            <a:cs typeface="Open Sans Hebrew" panose="00000500000000000000" pitchFamily="2" charset="-79"/>
+                          </a:endParaRPr>
+                        </a:p>
+                        <a:p>
+                          <a:pPr marL="0" marR="0" lvl="0" indent="0" algn="l" defTabSz="2519995" rtl="0" eaLnBrk="1" fontAlgn="auto" latinLnBrk="0" hangingPunct="1">
+                            <a:lnSpc>
+                              <a:spcPct val="100000"/>
+                            </a:lnSpc>
+                            <a:spcBef>
+                              <a:spcPts val="0"/>
+                            </a:spcBef>
+                            <a:spcAft>
+                              <a:spcPts val="0"/>
+                            </a:spcAft>
+                            <a:buClrTx/>
+                            <a:buSzTx/>
+                            <a:buFontTx/>
+                            <a:buNone/>
+                            <a:tabLst/>
+                            <a:defRPr/>
+                          </a:pPr>
+                          <a:endParaRPr lang="en-US" sz="2800" b="1" kern="1200" dirty="0" smtClean="0">
+                            <a:solidFill>
+                              <a:schemeClr val="tx1"/>
+                            </a:solidFill>
+                            <a:effectLst/>
+                            <a:latin typeface="+mn-lt"/>
+                            <a:ea typeface="+mn-ea"/>
+                            <a:cs typeface="Open Sans Hebrew" panose="00000500000000000000" pitchFamily="2" charset="-79"/>
+                          </a:endParaRPr>
+                        </a:p>
+                        <a:p>
+                          <a:pPr marL="0" marR="0" lvl="0" indent="0" algn="l" defTabSz="2519995" rtl="0" eaLnBrk="1" fontAlgn="auto" latinLnBrk="0" hangingPunct="1">
+                            <a:lnSpc>
+                              <a:spcPct val="100000"/>
+                            </a:lnSpc>
+                            <a:spcBef>
+                              <a:spcPts val="0"/>
+                            </a:spcBef>
+                            <a:spcAft>
+                              <a:spcPts val="0"/>
+                            </a:spcAft>
+                            <a:buClrTx/>
+                            <a:buSzTx/>
+                            <a:buFontTx/>
+                            <a:buNone/>
+                            <a:tabLst/>
+                            <a:defRPr/>
+                          </a:pPr>
+                          <a:r>
+                            <a:rPr lang="en-US" sz="2800" b="0" kern="1200" dirty="0" smtClean="0">
+                              <a:solidFill>
+                                <a:schemeClr val="tx1"/>
+                              </a:solidFill>
+                              <a:effectLst/>
+                              <a:latin typeface="+mn-lt"/>
+                              <a:ea typeface="+mn-ea"/>
+                              <a:cs typeface="Open Sans Hebrew" panose="00000500000000000000" pitchFamily="2" charset="-79"/>
+                            </a:rPr>
+                            <a:t>We’ve managed to create an standalone</a:t>
+                          </a:r>
+                          <a:r>
+                            <a:rPr lang="en-US" sz="2800" b="0" kern="1200" baseline="0" dirty="0" smtClean="0">
+                              <a:solidFill>
+                                <a:schemeClr val="tx1"/>
+                              </a:solidFill>
+                              <a:effectLst/>
+                              <a:latin typeface="+mn-lt"/>
+                              <a:ea typeface="+mn-ea"/>
+                              <a:cs typeface="Open Sans Hebrew" panose="00000500000000000000" pitchFamily="2" charset="-79"/>
+                            </a:rPr>
+                            <a:t> mode and slave mode API’s</a:t>
+                          </a:r>
+                        </a:p>
+                        <a:p>
+                          <a:pPr marL="0" marR="0" lvl="0" indent="0" algn="l" defTabSz="2519995" rtl="0" eaLnBrk="1" fontAlgn="auto" latinLnBrk="0" hangingPunct="1">
+                            <a:lnSpc>
+                              <a:spcPct val="100000"/>
+                            </a:lnSpc>
+                            <a:spcBef>
+                              <a:spcPts val="0"/>
+                            </a:spcBef>
+                            <a:spcAft>
+                              <a:spcPts val="0"/>
+                            </a:spcAft>
+                            <a:buClrTx/>
+                            <a:buSzTx/>
+                            <a:buFontTx/>
+                            <a:buNone/>
+                            <a:tabLst/>
+                            <a:defRPr/>
+                          </a:pPr>
+                          <a:endParaRPr lang="en-US" sz="2800" b="0" kern="1200" dirty="0" smtClean="0">
+                            <a:solidFill>
+                              <a:schemeClr val="tx1"/>
+                            </a:solidFill>
+                            <a:effectLst/>
+                            <a:latin typeface="+mn-lt"/>
+                            <a:ea typeface="+mn-ea"/>
+                            <a:cs typeface="Open Sans Hebrew" panose="00000500000000000000" pitchFamily="2" charset="-79"/>
+                          </a:endParaRPr>
+                        </a:p>
+                        <a:p>
+                          <a:pPr marL="0" marR="0" lvl="0" indent="0" algn="l" defTabSz="2519995" rtl="0" eaLnBrk="1" fontAlgn="auto" latinLnBrk="0" hangingPunct="1">
+                            <a:lnSpc>
+                              <a:spcPct val="100000"/>
+                            </a:lnSpc>
+                            <a:spcBef>
+                              <a:spcPts val="0"/>
+                            </a:spcBef>
+                            <a:spcAft>
+                              <a:spcPts val="0"/>
+                            </a:spcAft>
+                            <a:buClrTx/>
+                            <a:buSzTx/>
+                            <a:buFontTx/>
+                            <a:buNone/>
+                            <a:tabLst/>
+                            <a:defRPr/>
+                          </a:pPr>
+                          <a:endParaRPr lang="en-US" sz="2800" b="0" kern="1200" dirty="0" smtClean="0">
+                            <a:solidFill>
+                              <a:schemeClr val="tx1"/>
+                            </a:solidFill>
+                            <a:effectLst/>
+                            <a:latin typeface="+mn-lt"/>
+                            <a:ea typeface="+mn-ea"/>
+                            <a:cs typeface="Open Sans Hebrew" panose="00000500000000000000" pitchFamily="2" charset="-79"/>
+                          </a:endParaRPr>
+                        </a:p>
+                        <a:p>
+                          <a:pPr marL="0" marR="0" lvl="0" indent="0" algn="l" defTabSz="2519995" rtl="0" eaLnBrk="1" fontAlgn="auto" latinLnBrk="0" hangingPunct="1">
+                            <a:lnSpc>
+                              <a:spcPct val="100000"/>
+                            </a:lnSpc>
+                            <a:spcBef>
+                              <a:spcPts val="0"/>
+                            </a:spcBef>
+                            <a:spcAft>
+                              <a:spcPts val="0"/>
+                            </a:spcAft>
+                            <a:buClrTx/>
+                            <a:buSzTx/>
+                            <a:buFontTx/>
+                            <a:buNone/>
+                            <a:tabLst/>
+                            <a:defRPr/>
+                          </a:pPr>
+                          <a:endParaRPr lang="en-US" sz="2800" b="0" kern="1200" dirty="0" smtClean="0">
+                            <a:solidFill>
+                              <a:schemeClr val="tx1"/>
+                            </a:solidFill>
+                            <a:effectLst/>
+                            <a:latin typeface="+mn-lt"/>
+                            <a:ea typeface="+mn-ea"/>
+                            <a:cs typeface="Open Sans Hebrew" panose="00000500000000000000" pitchFamily="2" charset="-79"/>
+                          </a:endParaRPr>
+                        </a:p>
+                        <a:p>
+                          <a:pPr marL="0" marR="0" lvl="0" indent="0" algn="l" defTabSz="2519995" rtl="0" eaLnBrk="1" fontAlgn="auto" latinLnBrk="0" hangingPunct="1">
+                            <a:lnSpc>
+                              <a:spcPct val="100000"/>
+                            </a:lnSpc>
+                            <a:spcBef>
+                              <a:spcPts val="0"/>
+                            </a:spcBef>
+                            <a:spcAft>
+                              <a:spcPts val="0"/>
+                            </a:spcAft>
+                            <a:buClrTx/>
+                            <a:buSzTx/>
+                            <a:buFontTx/>
+                            <a:buNone/>
+                            <a:tabLst/>
+                            <a:defRPr/>
+                          </a:pPr>
+                          <a:endParaRPr lang="en-US" sz="2800" b="0" kern="1200" dirty="0" smtClean="0">
+                            <a:solidFill>
+                              <a:schemeClr val="tx1"/>
+                            </a:solidFill>
+                            <a:effectLst/>
+                            <a:latin typeface="+mn-lt"/>
+                            <a:ea typeface="+mn-ea"/>
+                            <a:cs typeface="Open Sans Hebrew" panose="00000500000000000000" pitchFamily="2" charset="-79"/>
+                          </a:endParaRPr>
+                        </a:p>
+                        <a:p>
+                          <a:pPr marL="0" marR="0" lvl="0" indent="0" algn="l" defTabSz="2519995" rtl="0" eaLnBrk="1" fontAlgn="auto" latinLnBrk="0" hangingPunct="1">
+                            <a:lnSpc>
+                              <a:spcPct val="100000"/>
+                            </a:lnSpc>
+                            <a:spcBef>
+                              <a:spcPts val="0"/>
+                            </a:spcBef>
+                            <a:spcAft>
+                              <a:spcPts val="0"/>
+                            </a:spcAft>
+                            <a:buClrTx/>
+                            <a:buSzTx/>
+                            <a:buFontTx/>
+                            <a:buNone/>
+                            <a:tabLst/>
+                            <a:defRPr/>
+                          </a:pPr>
+                          <a:endParaRPr lang="en-US" sz="2800" b="0" kern="1200" dirty="0" smtClean="0">
+                            <a:solidFill>
+                              <a:schemeClr val="tx1"/>
+                            </a:solidFill>
+                            <a:effectLst/>
+                            <a:latin typeface="+mn-lt"/>
+                            <a:ea typeface="+mn-ea"/>
+                            <a:cs typeface="Open Sans Hebrew" panose="00000500000000000000" pitchFamily="2" charset="-79"/>
+                          </a:endParaRPr>
+                        </a:p>
+                        <a:p>
+                          <a:pPr marL="0" marR="0" lvl="0" indent="0" algn="l" defTabSz="2519995" rtl="0" eaLnBrk="1" fontAlgn="auto" latinLnBrk="0" hangingPunct="1">
+                            <a:lnSpc>
+                              <a:spcPct val="100000"/>
+                            </a:lnSpc>
+                            <a:spcBef>
+                              <a:spcPts val="0"/>
+                            </a:spcBef>
+                            <a:spcAft>
+                              <a:spcPts val="0"/>
+                            </a:spcAft>
+                            <a:buClrTx/>
+                            <a:buSzTx/>
+                            <a:buFontTx/>
+                            <a:buNone/>
+                            <a:tabLst/>
+                            <a:defRPr/>
+                          </a:pPr>
+                          <a:endParaRPr lang="en-US" sz="2800" b="0" kern="1200" dirty="0" smtClean="0">
+                            <a:solidFill>
+                              <a:schemeClr val="tx1"/>
+                            </a:solidFill>
+                            <a:effectLst/>
+                            <a:latin typeface="+mn-lt"/>
+                            <a:ea typeface="+mn-ea"/>
+                            <a:cs typeface="Open Sans Hebrew" panose="00000500000000000000" pitchFamily="2" charset="-79"/>
+                          </a:endParaRPr>
+                        </a:p>
+                        <a:p>
+                          <a:pPr marL="0" marR="0" lvl="0" indent="0" algn="l" defTabSz="2519995" rtl="0" eaLnBrk="1" fontAlgn="auto" latinLnBrk="0" hangingPunct="1">
+                            <a:lnSpc>
+                              <a:spcPct val="100000"/>
+                            </a:lnSpc>
+                            <a:spcBef>
+                              <a:spcPts val="0"/>
+                            </a:spcBef>
+                            <a:spcAft>
+                              <a:spcPts val="0"/>
+                            </a:spcAft>
+                            <a:buClrTx/>
+                            <a:buSzTx/>
+                            <a:buFontTx/>
+                            <a:buNone/>
+                            <a:tabLst/>
+                            <a:defRPr/>
+                          </a:pPr>
+                          <a:endParaRPr lang="en-US" sz="2800" b="1" kern="1200" dirty="0" smtClean="0">
+                            <a:solidFill>
+                              <a:schemeClr val="tx1"/>
+                            </a:solidFill>
+                            <a:effectLst/>
+                            <a:latin typeface="+mn-lt"/>
+                            <a:ea typeface="+mn-ea"/>
+                            <a:cs typeface="Open Sans Hebrew" panose="00000500000000000000" pitchFamily="2" charset="-79"/>
+                          </a:endParaRPr>
+                        </a:p>
+                        <a:p>
+                          <a:pPr marL="0" marR="0" lvl="0" indent="0" algn="l" defTabSz="2519995" rtl="0" eaLnBrk="1" fontAlgn="auto" latinLnBrk="0" hangingPunct="1">
+                            <a:lnSpc>
+                              <a:spcPct val="100000"/>
+                            </a:lnSpc>
+                            <a:spcBef>
+                              <a:spcPts val="0"/>
+                            </a:spcBef>
+                            <a:spcAft>
+                              <a:spcPts val="0"/>
+                            </a:spcAft>
+                            <a:buClrTx/>
+                            <a:buSzTx/>
+                            <a:buFontTx/>
+                            <a:buNone/>
+                            <a:tabLst/>
+                            <a:defRPr/>
+                          </a:pPr>
+                          <a:endParaRPr lang="en-US" sz="2800" b="1" kern="1200" dirty="0" smtClean="0">
+                            <a:solidFill>
+                              <a:schemeClr val="tx1"/>
+                            </a:solidFill>
+                            <a:effectLst/>
+                            <a:latin typeface="+mn-lt"/>
+                            <a:ea typeface="+mn-ea"/>
+                            <a:cs typeface="Open Sans Hebrew" panose="00000500000000000000" pitchFamily="2" charset="-79"/>
+                          </a:endParaRPr>
+                        </a:p>
+                        <a:p>
+                          <a:pPr marL="0" marR="0" lvl="0" indent="0" algn="l" defTabSz="2519995" rtl="0" eaLnBrk="1" fontAlgn="auto" latinLnBrk="0" hangingPunct="1">
+                            <a:lnSpc>
+                              <a:spcPct val="100000"/>
+                            </a:lnSpc>
+                            <a:spcBef>
+                              <a:spcPts val="0"/>
+                            </a:spcBef>
+                            <a:spcAft>
+                              <a:spcPts val="0"/>
+                            </a:spcAft>
+                            <a:buClrTx/>
+                            <a:buSzTx/>
+                            <a:buFontTx/>
+                            <a:buNone/>
+                            <a:tabLst/>
+                            <a:defRPr/>
+                          </a:pPr>
+                          <a:r>
+                            <a:rPr lang="en-US" sz="2800" b="1" kern="1200" dirty="0" smtClean="0">
+                              <a:solidFill>
+                                <a:schemeClr val="tx1"/>
+                              </a:solidFill>
+                              <a:effectLst/>
+                              <a:latin typeface="+mn-lt"/>
+                              <a:ea typeface="+mn-ea"/>
+                              <a:cs typeface="Open Sans Hebrew" panose="00000500000000000000" pitchFamily="2" charset="-79"/>
+                            </a:rPr>
+                            <a:t>Conclusions</a:t>
+                          </a:r>
+                        </a:p>
+                        <a:p>
+                          <a:pPr marL="0" marR="0" lvl="0" indent="0" algn="l" defTabSz="2519995" rtl="0" eaLnBrk="1" fontAlgn="auto" latinLnBrk="0" hangingPunct="1">
+                            <a:lnSpc>
+                              <a:spcPct val="100000"/>
+                            </a:lnSpc>
+                            <a:spcBef>
+                              <a:spcPts val="0"/>
+                            </a:spcBef>
+                            <a:spcAft>
+                              <a:spcPts val="0"/>
+                            </a:spcAft>
+                            <a:buClrTx/>
+                            <a:buSzTx/>
+                            <a:buFontTx/>
+                            <a:buNone/>
+                            <a:tabLst/>
+                            <a:defRPr/>
+                          </a:pPr>
+                          <a:r>
+                            <a:rPr lang="en-US" sz="2800" kern="1200" dirty="0" smtClean="0">
+                              <a:solidFill>
+                                <a:schemeClr val="tx1"/>
+                              </a:solidFill>
+                              <a:effectLst/>
+                              <a:latin typeface="+mn-lt"/>
+                              <a:ea typeface="+mn-ea"/>
+                              <a:cs typeface="Open Sans Hebrew" panose="00000500000000000000" pitchFamily="2" charset="-79"/>
+                            </a:rPr>
+                            <a:t>The developed infrastructure successfully integrates a range of sensor inputs and outputs, along with visual and auditory elements, to create a comprehensive monitoring and interaction environment. This cohesive setup demonstrates a significant advancement in creating versatile and adaptable systems for various applications, from environmental monitoring to interactive installations.</a:t>
+                          </a:r>
+                          <a:endParaRPr lang="en-US" sz="2800" kern="1200" baseline="0" dirty="0" smtClean="0">
+                            <a:solidFill>
+                              <a:schemeClr val="tx1"/>
+                            </a:solidFill>
+                            <a:effectLst/>
+                            <a:latin typeface="+mn-lt"/>
+                            <a:ea typeface="+mn-ea"/>
+                            <a:cs typeface="Open Sans Hebrew" panose="00000500000000000000" pitchFamily="2" charset="-79"/>
+                          </a:endParaRPr>
+                        </a:p>
+                        <a:p>
+                          <a:pPr marL="0" marR="0" lvl="0" indent="0" algn="l" defTabSz="2519995" rtl="0" eaLnBrk="1" fontAlgn="auto" latinLnBrk="0" hangingPunct="1">
+                            <a:lnSpc>
+                              <a:spcPct val="100000"/>
+                            </a:lnSpc>
+                            <a:spcBef>
+                              <a:spcPts val="0"/>
+                            </a:spcBef>
+                            <a:spcAft>
+                              <a:spcPts val="0"/>
+                            </a:spcAft>
+                            <a:buClrTx/>
+                            <a:buSzTx/>
+                            <a:buFontTx/>
+                            <a:buNone/>
+                            <a:tabLst/>
+                            <a:defRPr/>
+                          </a:pPr>
+                          <a:endParaRPr lang="en-US" sz="2800" kern="1200" baseline="0" dirty="0" smtClean="0">
+                            <a:solidFill>
+                              <a:schemeClr val="tx1"/>
+                            </a:solidFill>
+                            <a:effectLst/>
+                            <a:latin typeface="+mn-lt"/>
+                            <a:ea typeface="+mn-ea"/>
+                            <a:cs typeface="Open Sans Hebrew" panose="00000500000000000000" pitchFamily="2" charset="-79"/>
+                          </a:endParaRPr>
+                        </a:p>
+                        <a:p>
+                          <a:pPr marL="0" marR="0" lvl="0" indent="0" algn="l" defTabSz="2519995" rtl="0" eaLnBrk="1" fontAlgn="auto" latinLnBrk="0" hangingPunct="1">
+                            <a:lnSpc>
+                              <a:spcPct val="100000"/>
+                            </a:lnSpc>
+                            <a:spcBef>
+                              <a:spcPts val="0"/>
+                            </a:spcBef>
+                            <a:spcAft>
+                              <a:spcPts val="0"/>
+                            </a:spcAft>
+                            <a:buClrTx/>
+                            <a:buSzTx/>
+                            <a:buFontTx/>
+                            <a:buNone/>
+                            <a:tabLst/>
+                            <a:defRPr/>
+                          </a:pPr>
+                          <a:endParaRPr lang="en-US" sz="2800" kern="1200" baseline="0" dirty="0" smtClean="0">
+                            <a:solidFill>
+                              <a:schemeClr val="tx1"/>
+                            </a:solidFill>
+                            <a:effectLst/>
+                            <a:latin typeface="+mn-lt"/>
+                            <a:ea typeface="+mn-ea"/>
+                            <a:cs typeface="Open Sans Hebrew" panose="00000500000000000000" pitchFamily="2" charset="-79"/>
+                          </a:endParaRPr>
+                        </a:p>
+                        <a:p>
+                          <a:pPr marL="0" marR="0" lvl="0" indent="0" algn="l" defTabSz="2519995" rtl="0" eaLnBrk="1" fontAlgn="auto" latinLnBrk="0" hangingPunct="1">
+                            <a:lnSpc>
+                              <a:spcPct val="100000"/>
+                            </a:lnSpc>
+                            <a:spcBef>
+                              <a:spcPts val="0"/>
+                            </a:spcBef>
+                            <a:spcAft>
+                              <a:spcPts val="0"/>
+                            </a:spcAft>
+                            <a:buClrTx/>
+                            <a:buSzTx/>
+                            <a:buFontTx/>
+                            <a:buNone/>
+                            <a:tabLst/>
+                            <a:defRPr/>
+                          </a:pPr>
+                          <a:endParaRPr lang="en-US" sz="2800" kern="1200" dirty="0" smtClean="0">
+                            <a:solidFill>
+                              <a:schemeClr val="tx1"/>
+                            </a:solidFill>
+                            <a:effectLst/>
+                            <a:latin typeface="+mn-lt"/>
+                            <a:ea typeface="+mn-ea"/>
+                            <a:cs typeface="Open Sans Hebrew" panose="00000500000000000000" pitchFamily="2" charset="-79"/>
+                          </a:endParaRPr>
+                        </a:p>
+                        <a:p>
+                          <a:pPr marL="0" marR="0" lvl="0" indent="0" algn="l" defTabSz="2519995" rtl="0" eaLnBrk="1" fontAlgn="auto" latinLnBrk="0" hangingPunct="1">
+                            <a:lnSpc>
+                              <a:spcPct val="100000"/>
+                            </a:lnSpc>
+                            <a:spcBef>
+                              <a:spcPts val="0"/>
+                            </a:spcBef>
+                            <a:spcAft>
+                              <a:spcPts val="0"/>
+                            </a:spcAft>
+                            <a:buClrTx/>
+                            <a:buSzTx/>
+                            <a:buFontTx/>
+                            <a:buNone/>
+                            <a:tabLst/>
+                            <a:defRPr/>
+                          </a:pPr>
+                          <a:endParaRPr lang="en-US" sz="2800" b="1" kern="1200" dirty="0" smtClean="0">
+                            <a:solidFill>
+                              <a:schemeClr val="tx1"/>
+                            </a:solidFill>
+                            <a:effectLst/>
+                            <a:latin typeface="+mn-lt"/>
+                            <a:ea typeface="+mn-ea"/>
+                            <a:cs typeface="Open Sans Hebrew" panose="00000500000000000000" pitchFamily="2" charset="-79"/>
+                          </a:endParaRPr>
+                        </a:p>
+                        <a:p>
+                          <a:pPr marL="0" marR="0" lvl="0" indent="0" algn="l" defTabSz="2519995" rtl="0" eaLnBrk="1" fontAlgn="auto" latinLnBrk="0" hangingPunct="1">
+                            <a:lnSpc>
+                              <a:spcPct val="100000"/>
+                            </a:lnSpc>
+                            <a:spcBef>
+                              <a:spcPts val="0"/>
+                            </a:spcBef>
+                            <a:spcAft>
+                              <a:spcPts val="0"/>
+                            </a:spcAft>
+                            <a:buClrTx/>
+                            <a:buSzTx/>
+                            <a:buFontTx/>
+                            <a:buNone/>
+                            <a:tabLst/>
+                            <a:defRPr/>
+                          </a:pPr>
+                          <a:endParaRPr lang="en-US" sz="2800" b="1" kern="1200" dirty="0" smtClean="0">
+                            <a:solidFill>
+                              <a:schemeClr val="tx1"/>
+                            </a:solidFill>
+                            <a:effectLst/>
+                            <a:latin typeface="+mn-lt"/>
+                            <a:ea typeface="+mn-ea"/>
+                            <a:cs typeface="Open Sans Hebrew" panose="00000500000000000000" pitchFamily="2" charset="-79"/>
+                          </a:endParaRPr>
+                        </a:p>
+                        <a:p>
+                          <a:pPr marL="0" marR="0" lvl="0" indent="0" algn="l" defTabSz="2519995" rtl="0" eaLnBrk="1" fontAlgn="auto" latinLnBrk="0" hangingPunct="1">
+                            <a:lnSpc>
+                              <a:spcPct val="100000"/>
+                            </a:lnSpc>
+                            <a:spcBef>
+                              <a:spcPts val="0"/>
+                            </a:spcBef>
+                            <a:spcAft>
+                              <a:spcPts val="0"/>
+                            </a:spcAft>
+                            <a:buClrTx/>
+                            <a:buSzTx/>
+                            <a:buFontTx/>
+                            <a:buNone/>
+                            <a:tabLst/>
+                            <a:defRPr/>
+                          </a:pPr>
+                          <a:endParaRPr lang="en-US" sz="2800" b="1" kern="1200" dirty="0" smtClean="0">
+                            <a:solidFill>
+                              <a:schemeClr val="tx1"/>
+                            </a:solidFill>
+                            <a:effectLst/>
+                            <a:latin typeface="+mn-lt"/>
+                            <a:ea typeface="+mn-ea"/>
+                            <a:cs typeface="Open Sans Hebrew" panose="00000500000000000000" pitchFamily="2" charset="-79"/>
+                          </a:endParaRPr>
+                        </a:p>
+                        <a:p>
+                          <a:pPr marL="0" marR="0" lvl="0" indent="0" algn="l" defTabSz="2519995" rtl="0" eaLnBrk="1" fontAlgn="auto" latinLnBrk="0" hangingPunct="1">
+                            <a:lnSpc>
+                              <a:spcPct val="100000"/>
+                            </a:lnSpc>
+                            <a:spcBef>
+                              <a:spcPts val="0"/>
+                            </a:spcBef>
+                            <a:spcAft>
+                              <a:spcPts val="0"/>
+                            </a:spcAft>
+                            <a:buClrTx/>
+                            <a:buSzTx/>
+                            <a:buFontTx/>
+                            <a:buNone/>
+                            <a:tabLst/>
+                            <a:defRPr/>
+                          </a:pPr>
+                          <a:endParaRPr lang="en-US" sz="2800" b="1" kern="1200" dirty="0" smtClean="0">
+                            <a:solidFill>
+                              <a:schemeClr val="tx1"/>
+                            </a:solidFill>
+                            <a:effectLst/>
+                            <a:latin typeface="+mn-lt"/>
+                            <a:ea typeface="+mn-ea"/>
+                            <a:cs typeface="Open Sans Hebrew" panose="00000500000000000000" pitchFamily="2" charset="-79"/>
+                          </a:endParaRPr>
+                        </a:p>
+                        <a:p>
+                          <a:pPr marL="0" marR="0" lvl="0" indent="0" algn="l" defTabSz="2519995" rtl="0" eaLnBrk="1" fontAlgn="auto" latinLnBrk="0" hangingPunct="1">
+                            <a:lnSpc>
+                              <a:spcPct val="100000"/>
+                            </a:lnSpc>
+                            <a:spcBef>
+                              <a:spcPts val="0"/>
+                            </a:spcBef>
+                            <a:spcAft>
+                              <a:spcPts val="0"/>
+                            </a:spcAft>
+                            <a:buClrTx/>
+                            <a:buSzTx/>
+                            <a:buFontTx/>
+                            <a:buNone/>
+                            <a:tabLst/>
+                            <a:defRPr/>
+                          </a:pPr>
+                          <a:endParaRPr lang="en-US" sz="2800" b="1" kern="1200" dirty="0" smtClean="0">
+                            <a:solidFill>
+                              <a:schemeClr val="tx1"/>
+                            </a:solidFill>
+                            <a:effectLst/>
+                            <a:latin typeface="+mn-lt"/>
+                            <a:ea typeface="+mn-ea"/>
+                            <a:cs typeface="Open Sans Hebrew" panose="00000500000000000000" pitchFamily="2" charset="-79"/>
+                          </a:endParaRPr>
+                        </a:p>
+                        <a:p>
+                          <a:pPr marL="0" marR="0" lvl="0" indent="0" algn="l" defTabSz="2519995" rtl="0" eaLnBrk="1" fontAlgn="auto" latinLnBrk="0" hangingPunct="1">
+                            <a:lnSpc>
+                              <a:spcPct val="100000"/>
+                            </a:lnSpc>
+                            <a:spcBef>
+                              <a:spcPts val="0"/>
+                            </a:spcBef>
+                            <a:spcAft>
+                              <a:spcPts val="0"/>
+                            </a:spcAft>
+                            <a:buClrTx/>
+                            <a:buSzTx/>
+                            <a:buFontTx/>
+                            <a:buNone/>
+                            <a:tabLst/>
+                            <a:defRPr/>
+                          </a:pPr>
+                          <a:endParaRPr lang="en-US" sz="2800" b="1" kern="1200" dirty="0" smtClean="0">
+                            <a:solidFill>
+                              <a:schemeClr val="tx1"/>
+                            </a:solidFill>
+                            <a:effectLst/>
+                            <a:latin typeface="+mn-lt"/>
+                            <a:ea typeface="+mn-ea"/>
+                            <a:cs typeface="Open Sans Hebrew" panose="00000500000000000000" pitchFamily="2" charset="-79"/>
+                          </a:endParaRPr>
+                        </a:p>
+                        <a:p>
+                          <a:pPr marL="0" marR="0" lvl="0" indent="0" algn="l" defTabSz="2519995" rtl="0" eaLnBrk="1" fontAlgn="auto" latinLnBrk="0" hangingPunct="1">
+                            <a:lnSpc>
+                              <a:spcPct val="100000"/>
+                            </a:lnSpc>
+                            <a:spcBef>
+                              <a:spcPts val="0"/>
+                            </a:spcBef>
+                            <a:spcAft>
+                              <a:spcPts val="0"/>
+                            </a:spcAft>
+                            <a:buClrTx/>
+                            <a:buSzTx/>
+                            <a:buFontTx/>
+                            <a:buNone/>
+                            <a:tabLst/>
+                            <a:defRPr/>
+                          </a:pPr>
+                          <a:endParaRPr lang="en-US" sz="2800" b="1" kern="1200" dirty="0" smtClean="0">
+                            <a:solidFill>
+                              <a:schemeClr val="tx1"/>
+                            </a:solidFill>
+                            <a:effectLst/>
+                            <a:latin typeface="+mn-lt"/>
+                            <a:ea typeface="+mn-ea"/>
+                            <a:cs typeface="Open Sans Hebrew" panose="00000500000000000000" pitchFamily="2" charset="-79"/>
+                          </a:endParaRPr>
+                        </a:p>
+                        <a:p>
+                          <a:pPr marL="0" marR="0" lvl="0" indent="0" algn="l" defTabSz="2519995" rtl="0" eaLnBrk="1" fontAlgn="auto" latinLnBrk="0" hangingPunct="1">
+                            <a:lnSpc>
+                              <a:spcPct val="100000"/>
+                            </a:lnSpc>
+                            <a:spcBef>
+                              <a:spcPts val="0"/>
+                            </a:spcBef>
+                            <a:spcAft>
+                              <a:spcPts val="0"/>
+                            </a:spcAft>
+                            <a:buClrTx/>
+                            <a:buSzTx/>
+                            <a:buFontTx/>
+                            <a:buNone/>
+                            <a:tabLst/>
+                            <a:defRPr/>
+                          </a:pPr>
+                          <a:endParaRPr lang="en-US" sz="2800" b="1" kern="1200" dirty="0" smtClean="0">
+                            <a:solidFill>
+                              <a:schemeClr val="tx1"/>
+                            </a:solidFill>
+                            <a:effectLst/>
+                            <a:latin typeface="+mn-lt"/>
+                            <a:ea typeface="+mn-ea"/>
+                            <a:cs typeface="Open Sans Hebrew" panose="00000500000000000000" pitchFamily="2" charset="-79"/>
+                          </a:endParaRPr>
+                        </a:p>
+                        <a:p>
+                          <a:pPr marL="0" marR="0" lvl="0" indent="0" algn="l" defTabSz="2519995" rtl="0" eaLnBrk="1" fontAlgn="auto" latinLnBrk="0" hangingPunct="1">
+                            <a:lnSpc>
+                              <a:spcPct val="100000"/>
+                            </a:lnSpc>
+                            <a:spcBef>
+                              <a:spcPts val="0"/>
+                            </a:spcBef>
+                            <a:spcAft>
+                              <a:spcPts val="0"/>
+                            </a:spcAft>
+                            <a:buClrTx/>
+                            <a:buSzTx/>
+                            <a:buFontTx/>
+                            <a:buNone/>
+                            <a:tabLst/>
+                            <a:defRPr/>
+                          </a:pPr>
+                          <a:endParaRPr lang="en-US" sz="2800" b="1" kern="1200" dirty="0" smtClean="0">
+                            <a:solidFill>
+                              <a:schemeClr val="tx1"/>
+                            </a:solidFill>
+                            <a:effectLst/>
+                            <a:latin typeface="+mn-lt"/>
+                            <a:ea typeface="+mn-ea"/>
+                            <a:cs typeface="Open Sans Hebrew" panose="00000500000000000000" pitchFamily="2" charset="-79"/>
+                          </a:endParaRPr>
+                        </a:p>
+                        <a:p>
+                          <a:pPr marL="0" marR="0" lvl="0" indent="0" algn="l" defTabSz="2519995" rtl="0" eaLnBrk="1" fontAlgn="auto" latinLnBrk="0" hangingPunct="1">
+                            <a:lnSpc>
+                              <a:spcPct val="100000"/>
+                            </a:lnSpc>
+                            <a:spcBef>
+                              <a:spcPts val="0"/>
+                            </a:spcBef>
+                            <a:spcAft>
+                              <a:spcPts val="0"/>
+                            </a:spcAft>
+                            <a:buClrTx/>
+                            <a:buSzTx/>
+                            <a:buFontTx/>
+                            <a:buNone/>
+                            <a:tabLst/>
+                            <a:defRPr/>
+                          </a:pPr>
+                          <a:endParaRPr lang="en-US" sz="2800" b="1" kern="1200" dirty="0" smtClean="0">
+                            <a:solidFill>
+                              <a:schemeClr val="tx1"/>
+                            </a:solidFill>
+                            <a:effectLst/>
+                            <a:latin typeface="+mn-lt"/>
+                            <a:ea typeface="+mn-ea"/>
+                            <a:cs typeface="Open Sans Hebrew" panose="00000500000000000000" pitchFamily="2" charset="-79"/>
+                          </a:endParaRPr>
+                        </a:p>
+                        <a:p>
+                          <a:pPr marL="0" marR="0" lvl="0" indent="0" algn="l" defTabSz="2519995" rtl="0" eaLnBrk="1" fontAlgn="auto" latinLnBrk="0" hangingPunct="1">
+                            <a:lnSpc>
+                              <a:spcPct val="100000"/>
+                            </a:lnSpc>
+                            <a:spcBef>
+                              <a:spcPts val="0"/>
+                            </a:spcBef>
+                            <a:spcAft>
+                              <a:spcPts val="0"/>
+                            </a:spcAft>
+                            <a:buClrTx/>
+                            <a:buSzTx/>
+                            <a:buFontTx/>
+                            <a:buNone/>
+                            <a:tabLst/>
+                            <a:defRPr/>
+                          </a:pPr>
+                          <a:endParaRPr lang="en-US" sz="2800" b="1" kern="1200" dirty="0" smtClean="0">
+                            <a:solidFill>
+                              <a:schemeClr val="tx1"/>
+                            </a:solidFill>
+                            <a:effectLst/>
+                            <a:latin typeface="+mn-lt"/>
+                            <a:ea typeface="+mn-ea"/>
+                            <a:cs typeface="Open Sans Hebrew" panose="00000500000000000000" pitchFamily="2" charset="-79"/>
+                          </a:endParaRPr>
+                        </a:p>
+                        <a:p>
+                          <a:pPr marL="0" marR="0" lvl="0" indent="0" algn="l" defTabSz="2519995" rtl="0" eaLnBrk="1" fontAlgn="auto" latinLnBrk="0" hangingPunct="1">
+                            <a:lnSpc>
+                              <a:spcPct val="100000"/>
+                            </a:lnSpc>
+                            <a:spcBef>
+                              <a:spcPts val="0"/>
+                            </a:spcBef>
+                            <a:spcAft>
+                              <a:spcPts val="0"/>
+                            </a:spcAft>
+                            <a:buClrTx/>
+                            <a:buSzTx/>
+                            <a:buFontTx/>
+                            <a:buNone/>
+                            <a:tabLst/>
+                            <a:defRPr/>
+                          </a:pPr>
+                          <a:endParaRPr lang="en-US" sz="2800" dirty="0" smtClean="0">
+                            <a:effectLst/>
+                            <a:latin typeface="+mn-lt"/>
+                            <a:cs typeface="Open Sans Hebrew" panose="00000500000000000000" pitchFamily="2" charset="-79"/>
+                          </a:endParaRPr>
+                        </a:p>
+                      </a:txBody>
+                      <a:tcPr marL="137160" marR="137160" marT="137160" marB="137160">
+                        <a:lnL w="12700" cap="flat" cmpd="sng" algn="ctr">
+                          <a:noFill/>
+                          <a:prstDash val="solid"/>
+                          <a:round/>
+                          <a:headEnd type="none" w="med" len="med"/>
+                          <a:tailEnd type="none" w="med" len="med"/>
+                        </a:lnL>
+                        <a:lnR w="12700" cap="flat" cmpd="sng" algn="ctr">
+                          <a:noFill/>
+                          <a:prstDash val="solid"/>
+                          <a:round/>
+                          <a:headEnd type="none" w="med" len="med"/>
+                          <a:tailEnd type="none" w="med" len="med"/>
+                        </a:lnR>
+                        <a:lnT w="12700" cap="flat" cmpd="sng" algn="ctr">
+                          <a:noFill/>
+                          <a:prstDash val="solid"/>
+                          <a:round/>
+                          <a:headEnd type="none" w="med" len="med"/>
+                          <a:tailEnd type="none" w="med" len="med"/>
+                        </a:lnT>
+                        <a:lnB w="12700" cap="flat" cmpd="sng" algn="ctr">
+                          <a:noFill/>
+                          <a:prstDash val="solid"/>
+                          <a:round/>
+                          <a:headEnd type="none" w="med" len="med"/>
+                          <a:tailEnd type="none" w="med" len="med"/>
+                        </a:lnB>
+                        <a:lnTlToBr w="12700" cmpd="sng">
+                          <a:noFill/>
+                          <a:prstDash val="solid"/>
+                        </a:lnTlToBr>
+                        <a:lnBlToTr w="12700" cmpd="sng">
+                          <a:noFill/>
+                          <a:prstDash val="solid"/>
+                        </a:lnBlToTr>
+                      </a:tcPr>
+                    </a:tc>
+                    <a:extLst>
+                      <a:ext uri="{0D108BD9-81ED-4DB2-BD59-A6C34878D82A}">
+                        <a16:rowId xmlns:a16="http://schemas.microsoft.com/office/drawing/2014/main" val="10000"/>
+                      </a:ext>
+                    </a:extLst>
+                  </a:tr>
+                </a:tbl>
+              </a:graphicData>
+            </a:graphic>
+          </p:graphicFrame>
+        </mc:Fallback>
+      </mc:AlternateContent>
       <p:sp>
         <p:nvSpPr>
           <p:cNvPr id="14" name="TextBox 13"/>
@@ -4510,14 +8378,11 @@
               <a:rPr lang="en-US" sz="5400" b="1" dirty="0" smtClean="0">
                 <a:cs typeface="Open Sans Hebrew" panose="00000500000000000000" pitchFamily="2" charset="-79"/>
               </a:rPr>
-              <a:t>Insert </a:t>
+              <a:t>Arduino Telemetry</a:t>
             </a:r>
-            <a:r>
-              <a:rPr lang="en-US" sz="5400" b="1" dirty="0">
-                <a:cs typeface="Open Sans Hebrew" panose="00000500000000000000" pitchFamily="2" charset="-79"/>
-              </a:rPr>
-              <a:t>The Project Name Here</a:t>
-            </a:r>
+            <a:endParaRPr lang="en-US" sz="5400" b="1" dirty="0">
+              <a:cs typeface="Open Sans Hebrew" panose="00000500000000000000" pitchFamily="2" charset="-79"/>
+            </a:endParaRPr>
           </a:p>
           <a:p>
             <a:pPr algn="ctr"/>
@@ -4656,58 +8521,6 @@
           </a:prstGeom>
         </p:spPr>
       </p:pic>
-      <p:sp>
-        <p:nvSpPr>
-          <p:cNvPr id="7" name="TextBox 6"/>
-          <p:cNvSpPr txBox="1"/>
-          <p:nvPr/>
-        </p:nvSpPr>
-        <p:spPr>
-          <a:xfrm>
-            <a:off x="27005281" y="852247"/>
-            <a:ext cx="5181600" cy="1815882"/>
-          </a:xfrm>
-          <a:prstGeom prst="rect">
-            <a:avLst/>
-          </a:prstGeom>
-          <a:noFill/>
-        </p:spPr>
-        <p:txBody>
-          <a:bodyPr wrap="square" rtlCol="1">
-            <a:spAutoFit/>
-          </a:bodyPr>
-          <a:lstStyle/>
-          <a:p>
-            <a:r>
-              <a:rPr lang="en-US" sz="2800" b="1" dirty="0">
-                <a:cs typeface="Open Sans Hebrew" panose="00000500000000000000" pitchFamily="2" charset="-79"/>
-              </a:rPr>
-              <a:t>D</a:t>
-            </a:r>
-            <a:r>
-              <a:rPr lang="en-US" sz="2800" b="1" u="sng" dirty="0">
-                <a:cs typeface="Open Sans Hebrew" panose="00000500000000000000" pitchFamily="2" charset="-79"/>
-              </a:rPr>
-              <a:t>ON’T FORGET TO DELETE THIS TEXT! This spot is a reserved spot for the </a:t>
-            </a:r>
-            <a:r>
-              <a:rPr lang="en-US" sz="2800" b="1" u="sng" dirty="0" smtClean="0">
-                <a:cs typeface="Open Sans Hebrew" panose="00000500000000000000" pitchFamily="2" charset="-79"/>
-              </a:rPr>
-              <a:t>company/lab </a:t>
-            </a:r>
-            <a:r>
-              <a:rPr lang="en-US" sz="2800" b="1" u="sng" dirty="0">
-                <a:cs typeface="Open Sans Hebrew" panose="00000500000000000000" pitchFamily="2" charset="-79"/>
-              </a:rPr>
-              <a:t>logo, only if applicable!</a:t>
-            </a:r>
-            <a:endParaRPr lang="he-IL" sz="2800" b="1" u="sng" dirty="0">
-              <a:cs typeface="Open Sans Hebrew" panose="00000500000000000000" pitchFamily="2" charset="-79"/>
-            </a:endParaRPr>
-          </a:p>
-        </p:txBody>
-      </p:sp>
       <p:pic>
         <p:nvPicPr>
           <p:cNvPr id="2" name="תמונה 1"/>
@@ -4724,8 +8537,8 @@
         </p:blipFill>
         <p:spPr>
           <a:xfrm>
-            <a:off x="537138" y="14044519"/>
-            <a:ext cx="8703843" cy="9695170"/>
+            <a:off x="537138" y="14132846"/>
+            <a:ext cx="5784441" cy="4501518"/>
           </a:xfrm>
           <a:prstGeom prst="rect">
             <a:avLst/>
@@ -4748,38 +8561,8 @@
         </p:blipFill>
         <p:spPr>
           <a:xfrm>
-            <a:off x="12550752" y="6270102"/>
-            <a:ext cx="11172483" cy="6251425"/>
-          </a:xfrm>
-          <a:prstGeom prst="rect">
-            <a:avLst/>
-          </a:prstGeom>
-        </p:spPr>
-      </p:pic>
-      <p:pic>
-        <p:nvPicPr>
-          <p:cNvPr id="6" name="תמונה 5"/>
-          <p:cNvPicPr>
-            <a:picLocks noChangeAspect="1"/>
-          </p:cNvPicPr>
-          <p:nvPr/>
-        </p:nvPicPr>
-        <p:blipFill>
-          <a:blip r:embed="rId5">
-            <a:extLst>
-              <a:ext uri="{28A0092B-C50C-407E-A947-70E740481C1C}">
-                <a14:useLocalDpi xmlns:a14="http://schemas.microsoft.com/office/drawing/2010/main" val="0"/>
-              </a:ext>
-            </a:extLst>
-          </a:blip>
-          <a:stretch>
-            <a:fillRect/>
-          </a:stretch>
-        </p:blipFill>
-        <p:spPr>
-          <a:xfrm>
-            <a:off x="23898549" y="8460693"/>
-            <a:ext cx="11395064" cy="8907985"/>
+            <a:off x="1301972" y="19550426"/>
+            <a:ext cx="9407592" cy="5263902"/>
           </a:xfrm>
           <a:prstGeom prst="rect">
             <a:avLst/>
@@ -4795,15 +8578,105 @@
           <p:nvPr/>
         </p:nvPicPr>
         <p:blipFill>
-          <a:blip r:embed="rId6"/>
+          <a:blip r:embed="rId5"/>
           <a:stretch>
             <a:fillRect/>
           </a:stretch>
         </p:blipFill>
         <p:spPr>
           <a:xfrm>
-            <a:off x="12323402" y="18676121"/>
-            <a:ext cx="6546489" cy="5583172"/>
+            <a:off x="12275602" y="13344961"/>
+            <a:ext cx="5915416" cy="5044961"/>
+          </a:xfrm>
+          <a:prstGeom prst="rect">
+            <a:avLst/>
+          </a:prstGeom>
+        </p:spPr>
+      </p:pic>
+      <p:pic>
+        <p:nvPicPr>
+          <p:cNvPr id="10" name="Image1"/>
+          <p:cNvPicPr/>
+          <p:nvPr/>
+        </p:nvPicPr>
+        <p:blipFill>
+          <a:blip r:embed="rId6"/>
+          <a:stretch>
+            <a:fillRect/>
+          </a:stretch>
+        </p:blipFill>
+        <p:spPr bwMode="auto">
+          <a:xfrm>
+            <a:off x="12408399" y="20795672"/>
+            <a:ext cx="5214583" cy="4100946"/>
+          </a:xfrm>
+          <a:prstGeom prst="rect">
+            <a:avLst/>
+          </a:prstGeom>
+        </p:spPr>
+      </p:pic>
+      <p:pic>
+        <p:nvPicPr>
+          <p:cNvPr id="11" name="Image2"/>
+          <p:cNvPicPr/>
+          <p:nvPr/>
+        </p:nvPicPr>
+        <p:blipFill>
+          <a:blip r:embed="rId7"/>
+          <a:stretch>
+            <a:fillRect/>
+          </a:stretch>
+        </p:blipFill>
+        <p:spPr bwMode="auto">
+          <a:xfrm>
+            <a:off x="23897114" y="6216534"/>
+            <a:ext cx="5931722" cy="4409903"/>
+          </a:xfrm>
+          <a:prstGeom prst="rect">
+            <a:avLst/>
+          </a:prstGeom>
+        </p:spPr>
+      </p:pic>
+      <p:pic>
+        <p:nvPicPr>
+          <p:cNvPr id="12" name="Image9"/>
+          <p:cNvPicPr/>
+          <p:nvPr/>
+        </p:nvPicPr>
+        <p:blipFill>
+          <a:blip r:embed="rId8"/>
+          <a:stretch>
+            <a:fillRect/>
+          </a:stretch>
+        </p:blipFill>
+        <p:spPr bwMode="auto">
+          <a:xfrm>
+            <a:off x="23897114" y="12674741"/>
+            <a:ext cx="5274310" cy="3955415"/>
+          </a:xfrm>
+          <a:prstGeom prst="rect">
+            <a:avLst/>
+          </a:prstGeom>
+        </p:spPr>
+      </p:pic>
+      <p:pic>
+        <p:nvPicPr>
+          <p:cNvPr id="13" name="תמונה 12"/>
+          <p:cNvPicPr>
+            <a:picLocks noChangeAspect="1"/>
+          </p:cNvPicPr>
+          <p:nvPr/>
+        </p:nvPicPr>
+        <p:blipFill>
+          <a:blip r:embed="rId9"/>
+          <a:stretch>
+            <a:fillRect/>
+          </a:stretch>
+        </p:blipFill>
+        <p:spPr>
+          <a:xfrm>
+            <a:off x="24032531" y="17729628"/>
+            <a:ext cx="6513960" cy="3066044"/>
           </a:xfrm>
           <a:prstGeom prst="rect">
             <a:avLst/>
